--- a/teaching/ITIS6200/2023fa/lectures/Properties, policies, and mechanisms.pptx
+++ b/teaching/ITIS6200/2023fa/lectures/Properties, policies, and mechanisms.pptx
@@ -5,14 +5,21 @@
     <p:sldMasterId id="2147483663" r:id="rId1"/>
   </p:sldMasterIdLst>
   <p:notesMasterIdLst>
-    <p:notesMasterId r:id="rId7"/>
+    <p:notesMasterId r:id="rId14"/>
   </p:notesMasterIdLst>
   <p:sldIdLst>
     <p:sldId id="257" r:id="rId2"/>
     <p:sldId id="258" r:id="rId3"/>
-    <p:sldId id="259" r:id="rId4"/>
-    <p:sldId id="261" r:id="rId5"/>
-    <p:sldId id="263" r:id="rId6"/>
+    <p:sldId id="263" r:id="rId4"/>
+    <p:sldId id="260" r:id="rId5"/>
+    <p:sldId id="264" r:id="rId6"/>
+    <p:sldId id="265" r:id="rId7"/>
+    <p:sldId id="262" r:id="rId8"/>
+    <p:sldId id="266" r:id="rId9"/>
+    <p:sldId id="259" r:id="rId10"/>
+    <p:sldId id="267" r:id="rId11"/>
+    <p:sldId id="268" r:id="rId12"/>
+    <p:sldId id="261" r:id="rId13"/>
   </p:sldIdLst>
   <p:sldSz cx="9144000" cy="5143500" type="screen16x9"/>
   <p:notesSz cx="6858000" cy="9144000"/>
@@ -809,6 +816,333 @@
 </p:notes>
 </file>
 
+<file path=ppt/notesSlides/notesSlide10.xml><?xml version="1.0" encoding="utf-8"?>
+<p:notes xmlns:a="http://schemas.openxmlformats.org/drawingml/2006/main" xmlns:r="http://schemas.openxmlformats.org/officeDocument/2006/relationships" xmlns:p="http://schemas.openxmlformats.org/presentationml/2006/main" showMasterSp="0" showMasterPhAnim="0">
+  <p:cSld>
+    <p:spTree>
+      <p:nvGrpSpPr>
+        <p:cNvPr id="1" name="Shape 75"/>
+        <p:cNvGrpSpPr/>
+        <p:nvPr/>
+      </p:nvGrpSpPr>
+      <p:grpSpPr>
+        <a:xfrm>
+          <a:off x="0" y="0"/>
+          <a:ext cx="0" cy="0"/>
+          <a:chOff x="0" y="0"/>
+          <a:chExt cx="0" cy="0"/>
+        </a:xfrm>
+      </p:grpSpPr>
+      <p:sp>
+        <p:nvSpPr>
+          <p:cNvPr id="76" name="Google Shape;76;g1139d5a3aa1_0_3:notes"/>
+          <p:cNvSpPr>
+            <a:spLocks noGrp="1" noRot="1" noChangeAspect="1"/>
+          </p:cNvSpPr>
+          <p:nvPr>
+            <p:ph type="sldImg" idx="2"/>
+          </p:nvPr>
+        </p:nvSpPr>
+        <p:spPr>
+          <a:xfrm>
+            <a:off x="381000" y="685800"/>
+            <a:ext cx="6096000" cy="3429000"/>
+          </a:xfrm>
+          <a:custGeom>
+            <a:avLst/>
+            <a:gdLst/>
+            <a:ahLst/>
+            <a:cxnLst/>
+            <a:rect l="l" t="t" r="r" b="b"/>
+            <a:pathLst>
+              <a:path w="120000" h="120000" extrusionOk="0">
+                <a:moveTo>
+                  <a:pt x="0" y="0"/>
+                </a:moveTo>
+                <a:lnTo>
+                  <a:pt x="120000" y="0"/>
+                </a:lnTo>
+                <a:lnTo>
+                  <a:pt x="120000" y="120000"/>
+                </a:lnTo>
+                <a:lnTo>
+                  <a:pt x="0" y="120000"/>
+                </a:lnTo>
+                <a:close/>
+              </a:path>
+            </a:pathLst>
+          </a:custGeom>
+        </p:spPr>
+      </p:sp>
+      <p:sp>
+        <p:nvSpPr>
+          <p:cNvPr id="77" name="Google Shape;77;g1139d5a3aa1_0_3:notes"/>
+          <p:cNvSpPr txBox="1">
+            <a:spLocks noGrp="1"/>
+          </p:cNvSpPr>
+          <p:nvPr>
+            <p:ph type="body" idx="1"/>
+          </p:nvPr>
+        </p:nvSpPr>
+        <p:spPr>
+          <a:xfrm>
+            <a:off x="685800" y="4343400"/>
+            <a:ext cx="5486400" cy="4114800"/>
+          </a:xfrm>
+          <a:prstGeom prst="rect">
+            <a:avLst/>
+          </a:prstGeom>
+        </p:spPr>
+        <p:txBody>
+          <a:bodyPr spcFirstLastPara="1" wrap="square" lIns="91425" tIns="91425" rIns="91425" bIns="91425" anchor="t" anchorCtr="0">
+            <a:noAutofit/>
+          </a:bodyPr>
+          <a:lstStyle/>
+          <a:p>
+            <a:pPr marL="0" lvl="0" indent="0" algn="l" rtl="0">
+              <a:spcBef>
+                <a:spcPts val="0"/>
+              </a:spcBef>
+              <a:spcAft>
+                <a:spcPts val="0"/>
+              </a:spcAft>
+              <a:buNone/>
+            </a:pPr>
+            <a:endParaRPr/>
+          </a:p>
+        </p:txBody>
+      </p:sp>
+    </p:spTree>
+    <p:extLst>
+      <p:ext uri="{BB962C8B-B14F-4D97-AF65-F5344CB8AC3E}">
+        <p14:creationId xmlns:p14="http://schemas.microsoft.com/office/powerpoint/2010/main" val="1478414472"/>
+      </p:ext>
+    </p:extLst>
+  </p:cSld>
+  <p:clrMapOvr>
+    <a:masterClrMapping/>
+  </p:clrMapOvr>
+</p:notes>
+</file>
+
+<file path=ppt/notesSlides/notesSlide11.xml><?xml version="1.0" encoding="utf-8"?>
+<p:notes xmlns:a="http://schemas.openxmlformats.org/drawingml/2006/main" xmlns:r="http://schemas.openxmlformats.org/officeDocument/2006/relationships" xmlns:p="http://schemas.openxmlformats.org/presentationml/2006/main" showMasterSp="0" showMasterPhAnim="0">
+  <p:cSld>
+    <p:spTree>
+      <p:nvGrpSpPr>
+        <p:cNvPr id="1" name="Shape 75"/>
+        <p:cNvGrpSpPr/>
+        <p:nvPr/>
+      </p:nvGrpSpPr>
+      <p:grpSpPr>
+        <a:xfrm>
+          <a:off x="0" y="0"/>
+          <a:ext cx="0" cy="0"/>
+          <a:chOff x="0" y="0"/>
+          <a:chExt cx="0" cy="0"/>
+        </a:xfrm>
+      </p:grpSpPr>
+      <p:sp>
+        <p:nvSpPr>
+          <p:cNvPr id="76" name="Google Shape;76;g1139d5a3aa1_0_3:notes"/>
+          <p:cNvSpPr>
+            <a:spLocks noGrp="1" noRot="1" noChangeAspect="1"/>
+          </p:cNvSpPr>
+          <p:nvPr>
+            <p:ph type="sldImg" idx="2"/>
+          </p:nvPr>
+        </p:nvSpPr>
+        <p:spPr>
+          <a:xfrm>
+            <a:off x="381000" y="685800"/>
+            <a:ext cx="6096000" cy="3429000"/>
+          </a:xfrm>
+          <a:custGeom>
+            <a:avLst/>
+            <a:gdLst/>
+            <a:ahLst/>
+            <a:cxnLst/>
+            <a:rect l="l" t="t" r="r" b="b"/>
+            <a:pathLst>
+              <a:path w="120000" h="120000" extrusionOk="0">
+                <a:moveTo>
+                  <a:pt x="0" y="0"/>
+                </a:moveTo>
+                <a:lnTo>
+                  <a:pt x="120000" y="0"/>
+                </a:lnTo>
+                <a:lnTo>
+                  <a:pt x="120000" y="120000"/>
+                </a:lnTo>
+                <a:lnTo>
+                  <a:pt x="0" y="120000"/>
+                </a:lnTo>
+                <a:close/>
+              </a:path>
+            </a:pathLst>
+          </a:custGeom>
+        </p:spPr>
+      </p:sp>
+      <p:sp>
+        <p:nvSpPr>
+          <p:cNvPr id="77" name="Google Shape;77;g1139d5a3aa1_0_3:notes"/>
+          <p:cNvSpPr txBox="1">
+            <a:spLocks noGrp="1"/>
+          </p:cNvSpPr>
+          <p:nvPr>
+            <p:ph type="body" idx="1"/>
+          </p:nvPr>
+        </p:nvSpPr>
+        <p:spPr>
+          <a:xfrm>
+            <a:off x="685800" y="4343400"/>
+            <a:ext cx="5486400" cy="4114800"/>
+          </a:xfrm>
+          <a:prstGeom prst="rect">
+            <a:avLst/>
+          </a:prstGeom>
+        </p:spPr>
+        <p:txBody>
+          <a:bodyPr spcFirstLastPara="1" wrap="square" lIns="91425" tIns="91425" rIns="91425" bIns="91425" anchor="t" anchorCtr="0">
+            <a:noAutofit/>
+          </a:bodyPr>
+          <a:lstStyle/>
+          <a:p>
+            <a:pPr marL="0" lvl="0" indent="0" algn="l" rtl="0">
+              <a:spcBef>
+                <a:spcPts val="0"/>
+              </a:spcBef>
+              <a:spcAft>
+                <a:spcPts val="0"/>
+              </a:spcAft>
+              <a:buNone/>
+            </a:pPr>
+            <a:endParaRPr/>
+          </a:p>
+        </p:txBody>
+      </p:sp>
+    </p:spTree>
+    <p:extLst>
+      <p:ext uri="{BB962C8B-B14F-4D97-AF65-F5344CB8AC3E}">
+        <p14:creationId xmlns:p14="http://schemas.microsoft.com/office/powerpoint/2010/main" val="2517228890"/>
+      </p:ext>
+    </p:extLst>
+  </p:cSld>
+  <p:clrMapOvr>
+    <a:masterClrMapping/>
+  </p:clrMapOvr>
+</p:notes>
+</file>
+
+<file path=ppt/notesSlides/notesSlide12.xml><?xml version="1.0" encoding="utf-8"?>
+<p:notes xmlns:a="http://schemas.openxmlformats.org/drawingml/2006/main" xmlns:r="http://schemas.openxmlformats.org/officeDocument/2006/relationships" xmlns:p="http://schemas.openxmlformats.org/presentationml/2006/main" showMasterSp="0" showMasterPhAnim="0">
+  <p:cSld>
+    <p:spTree>
+      <p:nvGrpSpPr>
+        <p:cNvPr id="1" name="Shape 75"/>
+        <p:cNvGrpSpPr/>
+        <p:nvPr/>
+      </p:nvGrpSpPr>
+      <p:grpSpPr>
+        <a:xfrm>
+          <a:off x="0" y="0"/>
+          <a:ext cx="0" cy="0"/>
+          <a:chOff x="0" y="0"/>
+          <a:chExt cx="0" cy="0"/>
+        </a:xfrm>
+      </p:grpSpPr>
+      <p:sp>
+        <p:nvSpPr>
+          <p:cNvPr id="76" name="Google Shape;76;g1139d5a3aa1_0_3:notes"/>
+          <p:cNvSpPr>
+            <a:spLocks noGrp="1" noRot="1" noChangeAspect="1"/>
+          </p:cNvSpPr>
+          <p:nvPr>
+            <p:ph type="sldImg" idx="2"/>
+          </p:nvPr>
+        </p:nvSpPr>
+        <p:spPr>
+          <a:xfrm>
+            <a:off x="381000" y="685800"/>
+            <a:ext cx="6096000" cy="3429000"/>
+          </a:xfrm>
+          <a:custGeom>
+            <a:avLst/>
+            <a:gdLst/>
+            <a:ahLst/>
+            <a:cxnLst/>
+            <a:rect l="l" t="t" r="r" b="b"/>
+            <a:pathLst>
+              <a:path w="120000" h="120000" extrusionOk="0">
+                <a:moveTo>
+                  <a:pt x="0" y="0"/>
+                </a:moveTo>
+                <a:lnTo>
+                  <a:pt x="120000" y="0"/>
+                </a:lnTo>
+                <a:lnTo>
+                  <a:pt x="120000" y="120000"/>
+                </a:lnTo>
+                <a:lnTo>
+                  <a:pt x="0" y="120000"/>
+                </a:lnTo>
+                <a:close/>
+              </a:path>
+            </a:pathLst>
+          </a:custGeom>
+        </p:spPr>
+      </p:sp>
+      <p:sp>
+        <p:nvSpPr>
+          <p:cNvPr id="77" name="Google Shape;77;g1139d5a3aa1_0_3:notes"/>
+          <p:cNvSpPr txBox="1">
+            <a:spLocks noGrp="1"/>
+          </p:cNvSpPr>
+          <p:nvPr>
+            <p:ph type="body" idx="1"/>
+          </p:nvPr>
+        </p:nvSpPr>
+        <p:spPr>
+          <a:xfrm>
+            <a:off x="685800" y="4343400"/>
+            <a:ext cx="5486400" cy="4114800"/>
+          </a:xfrm>
+          <a:prstGeom prst="rect">
+            <a:avLst/>
+          </a:prstGeom>
+        </p:spPr>
+        <p:txBody>
+          <a:bodyPr spcFirstLastPara="1" wrap="square" lIns="91425" tIns="91425" rIns="91425" bIns="91425" anchor="t" anchorCtr="0">
+            <a:noAutofit/>
+          </a:bodyPr>
+          <a:lstStyle/>
+          <a:p>
+            <a:pPr marL="0" lvl="0" indent="0" algn="l" rtl="0">
+              <a:spcBef>
+                <a:spcPts val="0"/>
+              </a:spcBef>
+              <a:spcAft>
+                <a:spcPts val="0"/>
+              </a:spcAft>
+              <a:buNone/>
+            </a:pPr>
+            <a:endParaRPr/>
+          </a:p>
+        </p:txBody>
+      </p:sp>
+    </p:spTree>
+    <p:extLst>
+      <p:ext uri="{BB962C8B-B14F-4D97-AF65-F5344CB8AC3E}">
+        <p14:creationId xmlns:p14="http://schemas.microsoft.com/office/powerpoint/2010/main" val="1362097733"/>
+      </p:ext>
+    </p:extLst>
+  </p:cSld>
+  <p:clrMapOvr>
+    <a:masterClrMapping/>
+  </p:clrMapOvr>
+</p:notes>
+</file>
+
 <file path=ppt/notesSlides/notesSlide2.xml><?xml version="1.0" encoding="utf-8"?>
 <p:notes xmlns:a="http://schemas.openxmlformats.org/drawingml/2006/main" xmlns:r="http://schemas.openxmlformats.org/officeDocument/2006/relationships" xmlns:p="http://schemas.openxmlformats.org/presentationml/2006/main" showMasterSp="0" showMasterPhAnim="0">
   <p:cSld>
@@ -1001,31 +1335,6 @@
           </a:bodyPr>
           <a:lstStyle/>
           <a:p>
-            <a:pPr lvl="1" indent="-342900">
-              <a:buSzPts val="1800"/>
-              <a:buChar char="●"/>
-            </a:pPr>
-            <a:r>
-              <a:rPr lang="en-US" sz="1100" dirty="0"/>
-              <a:t>Course materials are allowed. No generative AI allowed, e.g., </a:t>
-            </a:r>
-            <a:r>
-              <a:rPr lang="en-US" sz="1100" dirty="0" err="1"/>
-              <a:t>ChatGPT</a:t>
-            </a:r>
-            <a:endParaRPr lang="en-US" sz="1100" dirty="0"/>
-          </a:p>
-          <a:p>
-            <a:pPr lvl="1" indent="-342900">
-              <a:buSzPts val="1800"/>
-              <a:buChar char="●"/>
-            </a:pPr>
-            <a:r>
-              <a:rPr lang="en-US" sz="1100" dirty="0"/>
-              <a:t>For whatever resources you have used, citations are important. They need to be clear and relevant</a:t>
-            </a:r>
-          </a:p>
-          <a:p>
             <a:pPr marL="0" lvl="0" indent="0" algn="l" rtl="0">
               <a:spcBef>
                 <a:spcPts val="0"/>
@@ -1035,14 +1344,14 @@
               </a:spcAft>
               <a:buNone/>
             </a:pPr>
-            <a:endParaRPr dirty="0"/>
+            <a:endParaRPr/>
           </a:p>
         </p:txBody>
       </p:sp>
     </p:spTree>
     <p:extLst>
       <p:ext uri="{BB962C8B-B14F-4D97-AF65-F5344CB8AC3E}">
-        <p14:creationId xmlns:p14="http://schemas.microsoft.com/office/powerpoint/2010/main" val="311885901"/>
+        <p14:creationId xmlns:p14="http://schemas.microsoft.com/office/powerpoint/2010/main" val="755306590"/>
       </p:ext>
     </p:extLst>
   </p:cSld>
@@ -1151,7 +1460,7 @@
     </p:spTree>
     <p:extLst>
       <p:ext uri="{BB962C8B-B14F-4D97-AF65-F5344CB8AC3E}">
-        <p14:creationId xmlns:p14="http://schemas.microsoft.com/office/powerpoint/2010/main" val="412730757"/>
+        <p14:creationId xmlns:p14="http://schemas.microsoft.com/office/powerpoint/2010/main" val="1837266723"/>
       </p:ext>
     </p:extLst>
   </p:cSld>
@@ -1244,10 +1553,6 @@
           </a:bodyPr>
           <a:lstStyle/>
           <a:p>
-            <a:pPr marL="1371600" lvl="3"/>
-            <a:endParaRPr lang="en-US" dirty="0"/>
-          </a:p>
-          <a:p>
             <a:pPr marL="0" lvl="0" indent="0" algn="l" rtl="0">
               <a:spcBef>
                 <a:spcPts val="0"/>
@@ -1257,14 +1562,524 @@
               </a:spcAft>
               <a:buNone/>
             </a:pPr>
-            <a:endParaRPr dirty="0"/>
+            <a:endParaRPr/>
           </a:p>
         </p:txBody>
       </p:sp>
     </p:spTree>
     <p:extLst>
       <p:ext uri="{BB962C8B-B14F-4D97-AF65-F5344CB8AC3E}">
-        <p14:creationId xmlns:p14="http://schemas.microsoft.com/office/powerpoint/2010/main" val="1891407907"/>
+        <p14:creationId xmlns:p14="http://schemas.microsoft.com/office/powerpoint/2010/main" val="240716534"/>
+      </p:ext>
+    </p:extLst>
+  </p:cSld>
+  <p:clrMapOvr>
+    <a:masterClrMapping/>
+  </p:clrMapOvr>
+</p:notes>
+</file>
+
+<file path=ppt/notesSlides/notesSlide6.xml><?xml version="1.0" encoding="utf-8"?>
+<p:notes xmlns:a="http://schemas.openxmlformats.org/drawingml/2006/main" xmlns:r="http://schemas.openxmlformats.org/officeDocument/2006/relationships" xmlns:p="http://schemas.openxmlformats.org/presentationml/2006/main" showMasterSp="0" showMasterPhAnim="0">
+  <p:cSld>
+    <p:spTree>
+      <p:nvGrpSpPr>
+        <p:cNvPr id="1" name="Shape 75"/>
+        <p:cNvGrpSpPr/>
+        <p:nvPr/>
+      </p:nvGrpSpPr>
+      <p:grpSpPr>
+        <a:xfrm>
+          <a:off x="0" y="0"/>
+          <a:ext cx="0" cy="0"/>
+          <a:chOff x="0" y="0"/>
+          <a:chExt cx="0" cy="0"/>
+        </a:xfrm>
+      </p:grpSpPr>
+      <p:sp>
+        <p:nvSpPr>
+          <p:cNvPr id="76" name="Google Shape;76;g1139d5a3aa1_0_3:notes"/>
+          <p:cNvSpPr>
+            <a:spLocks noGrp="1" noRot="1" noChangeAspect="1"/>
+          </p:cNvSpPr>
+          <p:nvPr>
+            <p:ph type="sldImg" idx="2"/>
+          </p:nvPr>
+        </p:nvSpPr>
+        <p:spPr>
+          <a:xfrm>
+            <a:off x="381000" y="685800"/>
+            <a:ext cx="6096000" cy="3429000"/>
+          </a:xfrm>
+          <a:custGeom>
+            <a:avLst/>
+            <a:gdLst/>
+            <a:ahLst/>
+            <a:cxnLst/>
+            <a:rect l="l" t="t" r="r" b="b"/>
+            <a:pathLst>
+              <a:path w="120000" h="120000" extrusionOk="0">
+                <a:moveTo>
+                  <a:pt x="0" y="0"/>
+                </a:moveTo>
+                <a:lnTo>
+                  <a:pt x="120000" y="0"/>
+                </a:lnTo>
+                <a:lnTo>
+                  <a:pt x="120000" y="120000"/>
+                </a:lnTo>
+                <a:lnTo>
+                  <a:pt x="0" y="120000"/>
+                </a:lnTo>
+                <a:close/>
+              </a:path>
+            </a:pathLst>
+          </a:custGeom>
+        </p:spPr>
+      </p:sp>
+      <p:sp>
+        <p:nvSpPr>
+          <p:cNvPr id="77" name="Google Shape;77;g1139d5a3aa1_0_3:notes"/>
+          <p:cNvSpPr txBox="1">
+            <a:spLocks noGrp="1"/>
+          </p:cNvSpPr>
+          <p:nvPr>
+            <p:ph type="body" idx="1"/>
+          </p:nvPr>
+        </p:nvSpPr>
+        <p:spPr>
+          <a:xfrm>
+            <a:off x="685800" y="4343400"/>
+            <a:ext cx="5486400" cy="4114800"/>
+          </a:xfrm>
+          <a:prstGeom prst="rect">
+            <a:avLst/>
+          </a:prstGeom>
+        </p:spPr>
+        <p:txBody>
+          <a:bodyPr spcFirstLastPara="1" wrap="square" lIns="91425" tIns="91425" rIns="91425" bIns="91425" anchor="t" anchorCtr="0">
+            <a:noAutofit/>
+          </a:bodyPr>
+          <a:lstStyle/>
+          <a:p>
+            <a:pPr marL="0" lvl="0" indent="0" algn="l" rtl="0">
+              <a:spcBef>
+                <a:spcPts val="0"/>
+              </a:spcBef>
+              <a:spcAft>
+                <a:spcPts val="0"/>
+              </a:spcAft>
+              <a:buNone/>
+            </a:pPr>
+            <a:endParaRPr/>
+          </a:p>
+        </p:txBody>
+      </p:sp>
+    </p:spTree>
+    <p:extLst>
+      <p:ext uri="{BB962C8B-B14F-4D97-AF65-F5344CB8AC3E}">
+        <p14:creationId xmlns:p14="http://schemas.microsoft.com/office/powerpoint/2010/main" val="4093296396"/>
+      </p:ext>
+    </p:extLst>
+  </p:cSld>
+  <p:clrMapOvr>
+    <a:masterClrMapping/>
+  </p:clrMapOvr>
+</p:notes>
+</file>
+
+<file path=ppt/notesSlides/notesSlide7.xml><?xml version="1.0" encoding="utf-8"?>
+<p:notes xmlns:a="http://schemas.openxmlformats.org/drawingml/2006/main" xmlns:r="http://schemas.openxmlformats.org/officeDocument/2006/relationships" xmlns:p="http://schemas.openxmlformats.org/presentationml/2006/main" showMasterSp="0" showMasterPhAnim="0">
+  <p:cSld>
+    <p:spTree>
+      <p:nvGrpSpPr>
+        <p:cNvPr id="1" name="Shape 75"/>
+        <p:cNvGrpSpPr/>
+        <p:nvPr/>
+      </p:nvGrpSpPr>
+      <p:grpSpPr>
+        <a:xfrm>
+          <a:off x="0" y="0"/>
+          <a:ext cx="0" cy="0"/>
+          <a:chOff x="0" y="0"/>
+          <a:chExt cx="0" cy="0"/>
+        </a:xfrm>
+      </p:grpSpPr>
+      <p:sp>
+        <p:nvSpPr>
+          <p:cNvPr id="76" name="Google Shape;76;g1139d5a3aa1_0_3:notes"/>
+          <p:cNvSpPr>
+            <a:spLocks noGrp="1" noRot="1" noChangeAspect="1"/>
+          </p:cNvSpPr>
+          <p:nvPr>
+            <p:ph type="sldImg" idx="2"/>
+          </p:nvPr>
+        </p:nvSpPr>
+        <p:spPr>
+          <a:xfrm>
+            <a:off x="381000" y="685800"/>
+            <a:ext cx="6096000" cy="3429000"/>
+          </a:xfrm>
+          <a:custGeom>
+            <a:avLst/>
+            <a:gdLst/>
+            <a:ahLst/>
+            <a:cxnLst/>
+            <a:rect l="l" t="t" r="r" b="b"/>
+            <a:pathLst>
+              <a:path w="120000" h="120000" extrusionOk="0">
+                <a:moveTo>
+                  <a:pt x="0" y="0"/>
+                </a:moveTo>
+                <a:lnTo>
+                  <a:pt x="120000" y="0"/>
+                </a:lnTo>
+                <a:lnTo>
+                  <a:pt x="120000" y="120000"/>
+                </a:lnTo>
+                <a:lnTo>
+                  <a:pt x="0" y="120000"/>
+                </a:lnTo>
+                <a:close/>
+              </a:path>
+            </a:pathLst>
+          </a:custGeom>
+        </p:spPr>
+      </p:sp>
+      <p:sp>
+        <p:nvSpPr>
+          <p:cNvPr id="77" name="Google Shape;77;g1139d5a3aa1_0_3:notes"/>
+          <p:cNvSpPr txBox="1">
+            <a:spLocks noGrp="1"/>
+          </p:cNvSpPr>
+          <p:nvPr>
+            <p:ph type="body" idx="1"/>
+          </p:nvPr>
+        </p:nvSpPr>
+        <p:spPr>
+          <a:xfrm>
+            <a:off x="685800" y="4343400"/>
+            <a:ext cx="5486400" cy="4114800"/>
+          </a:xfrm>
+          <a:prstGeom prst="rect">
+            <a:avLst/>
+          </a:prstGeom>
+        </p:spPr>
+        <p:txBody>
+          <a:bodyPr spcFirstLastPara="1" wrap="square" lIns="91425" tIns="91425" rIns="91425" bIns="91425" anchor="t" anchorCtr="0">
+            <a:noAutofit/>
+          </a:bodyPr>
+          <a:lstStyle/>
+          <a:p>
+            <a:pPr marL="0" lvl="0" indent="0" algn="l" rtl="0">
+              <a:spcBef>
+                <a:spcPts val="0"/>
+              </a:spcBef>
+              <a:spcAft>
+                <a:spcPts val="0"/>
+              </a:spcAft>
+              <a:buNone/>
+            </a:pPr>
+            <a:r>
+              <a:rPr lang="en-US" altLang="en-US" sz="1100" dirty="0"/>
+              <a:t>Usurpation: </a:t>
+            </a:r>
+            <a:r>
+              <a:rPr lang="en-US" b="0" i="0" dirty="0" err="1">
+                <a:solidFill>
+                  <a:srgbClr val="202124"/>
+                </a:solidFill>
+                <a:effectLst/>
+                <a:latin typeface="Roboto" panose="02000000000000000000" pitchFamily="2" charset="0"/>
+              </a:rPr>
+              <a:t>yoo</a:t>
+            </a:r>
+            <a:r>
+              <a:rPr lang="en-US" b="0" i="0" dirty="0" err="1">
+                <a:solidFill>
+                  <a:srgbClr val="3C4043"/>
+                </a:solidFill>
+                <a:effectLst/>
+                <a:latin typeface="Roboto" panose="020F0502020204030204" pitchFamily="34" charset="0"/>
+              </a:rPr>
+              <a:t>·</a:t>
+            </a:r>
+            <a:r>
+              <a:rPr lang="en-US" b="0" i="0" dirty="0" err="1">
+                <a:solidFill>
+                  <a:srgbClr val="202124"/>
+                </a:solidFill>
+                <a:effectLst/>
+                <a:latin typeface="Roboto" panose="02000000000000000000" pitchFamily="2" charset="0"/>
+              </a:rPr>
+              <a:t>sr</a:t>
+            </a:r>
+            <a:r>
+              <a:rPr lang="en-US" b="0" i="0" dirty="0" err="1">
+                <a:solidFill>
+                  <a:srgbClr val="3C4043"/>
+                </a:solidFill>
+                <a:effectLst/>
+                <a:latin typeface="Roboto" panose="02000000000000000000" pitchFamily="2" charset="0"/>
+              </a:rPr>
+              <a:t>·</a:t>
+            </a:r>
+            <a:r>
+              <a:rPr lang="en-US" b="1" i="0" dirty="0" err="1">
+                <a:solidFill>
+                  <a:srgbClr val="202124"/>
+                </a:solidFill>
+                <a:effectLst/>
+                <a:latin typeface="Roboto" panose="02000000000000000000" pitchFamily="2" charset="0"/>
+              </a:rPr>
+              <a:t>pay</a:t>
+            </a:r>
+            <a:r>
+              <a:rPr lang="en-US" b="0" i="0" dirty="0" err="1">
+                <a:solidFill>
+                  <a:srgbClr val="3C4043"/>
+                </a:solidFill>
+                <a:effectLst/>
+                <a:latin typeface="Roboto" panose="02000000000000000000" pitchFamily="2" charset="0"/>
+              </a:rPr>
+              <a:t>·</a:t>
+            </a:r>
+            <a:r>
+              <a:rPr lang="en-US" b="0" i="0" dirty="0" err="1">
+                <a:solidFill>
+                  <a:srgbClr val="202124"/>
+                </a:solidFill>
+                <a:effectLst/>
+                <a:latin typeface="Roboto" panose="02000000000000000000" pitchFamily="2" charset="0"/>
+              </a:rPr>
+              <a:t>shn</a:t>
+            </a:r>
+            <a:endParaRPr dirty="0"/>
+          </a:p>
+        </p:txBody>
+      </p:sp>
+    </p:spTree>
+    <p:extLst>
+      <p:ext uri="{BB962C8B-B14F-4D97-AF65-F5344CB8AC3E}">
+        <p14:creationId xmlns:p14="http://schemas.microsoft.com/office/powerpoint/2010/main" val="973088344"/>
+      </p:ext>
+    </p:extLst>
+  </p:cSld>
+  <p:clrMapOvr>
+    <a:masterClrMapping/>
+  </p:clrMapOvr>
+</p:notes>
+</file>
+
+<file path=ppt/notesSlides/notesSlide8.xml><?xml version="1.0" encoding="utf-8"?>
+<p:notes xmlns:a="http://schemas.openxmlformats.org/drawingml/2006/main" xmlns:r="http://schemas.openxmlformats.org/officeDocument/2006/relationships" xmlns:p="http://schemas.openxmlformats.org/presentationml/2006/main" showMasterSp="0" showMasterPhAnim="0">
+  <p:cSld>
+    <p:spTree>
+      <p:nvGrpSpPr>
+        <p:cNvPr id="1" name="Shape 75"/>
+        <p:cNvGrpSpPr/>
+        <p:nvPr/>
+      </p:nvGrpSpPr>
+      <p:grpSpPr>
+        <a:xfrm>
+          <a:off x="0" y="0"/>
+          <a:ext cx="0" cy="0"/>
+          <a:chOff x="0" y="0"/>
+          <a:chExt cx="0" cy="0"/>
+        </a:xfrm>
+      </p:grpSpPr>
+      <p:sp>
+        <p:nvSpPr>
+          <p:cNvPr id="76" name="Google Shape;76;g1139d5a3aa1_0_3:notes"/>
+          <p:cNvSpPr>
+            <a:spLocks noGrp="1" noRot="1" noChangeAspect="1"/>
+          </p:cNvSpPr>
+          <p:nvPr>
+            <p:ph type="sldImg" idx="2"/>
+          </p:nvPr>
+        </p:nvSpPr>
+        <p:spPr>
+          <a:xfrm>
+            <a:off x="381000" y="685800"/>
+            <a:ext cx="6096000" cy="3429000"/>
+          </a:xfrm>
+          <a:custGeom>
+            <a:avLst/>
+            <a:gdLst/>
+            <a:ahLst/>
+            <a:cxnLst/>
+            <a:rect l="l" t="t" r="r" b="b"/>
+            <a:pathLst>
+              <a:path w="120000" h="120000" extrusionOk="0">
+                <a:moveTo>
+                  <a:pt x="0" y="0"/>
+                </a:moveTo>
+                <a:lnTo>
+                  <a:pt x="120000" y="0"/>
+                </a:lnTo>
+                <a:lnTo>
+                  <a:pt x="120000" y="120000"/>
+                </a:lnTo>
+                <a:lnTo>
+                  <a:pt x="0" y="120000"/>
+                </a:lnTo>
+                <a:close/>
+              </a:path>
+            </a:pathLst>
+          </a:custGeom>
+        </p:spPr>
+      </p:sp>
+      <p:sp>
+        <p:nvSpPr>
+          <p:cNvPr id="77" name="Google Shape;77;g1139d5a3aa1_0_3:notes"/>
+          <p:cNvSpPr txBox="1">
+            <a:spLocks noGrp="1"/>
+          </p:cNvSpPr>
+          <p:nvPr>
+            <p:ph type="body" idx="1"/>
+          </p:nvPr>
+        </p:nvSpPr>
+        <p:spPr>
+          <a:xfrm>
+            <a:off x="685800" y="4343400"/>
+            <a:ext cx="5486400" cy="4114800"/>
+          </a:xfrm>
+          <a:prstGeom prst="rect">
+            <a:avLst/>
+          </a:prstGeom>
+        </p:spPr>
+        <p:txBody>
+          <a:bodyPr spcFirstLastPara="1" wrap="square" lIns="91425" tIns="91425" rIns="91425" bIns="91425" anchor="t" anchorCtr="0">
+            <a:noAutofit/>
+          </a:bodyPr>
+          <a:lstStyle/>
+          <a:p>
+            <a:pPr marL="0" lvl="0" indent="0" algn="l" rtl="0">
+              <a:spcBef>
+                <a:spcPts val="0"/>
+              </a:spcBef>
+              <a:spcAft>
+                <a:spcPts val="0"/>
+              </a:spcAft>
+              <a:buNone/>
+            </a:pPr>
+            <a:endParaRPr/>
+          </a:p>
+        </p:txBody>
+      </p:sp>
+    </p:spTree>
+    <p:extLst>
+      <p:ext uri="{BB962C8B-B14F-4D97-AF65-F5344CB8AC3E}">
+        <p14:creationId xmlns:p14="http://schemas.microsoft.com/office/powerpoint/2010/main" val="884656788"/>
+      </p:ext>
+    </p:extLst>
+  </p:cSld>
+  <p:clrMapOvr>
+    <a:masterClrMapping/>
+  </p:clrMapOvr>
+</p:notes>
+</file>
+
+<file path=ppt/notesSlides/notesSlide9.xml><?xml version="1.0" encoding="utf-8"?>
+<p:notes xmlns:a="http://schemas.openxmlformats.org/drawingml/2006/main" xmlns:r="http://schemas.openxmlformats.org/officeDocument/2006/relationships" xmlns:p="http://schemas.openxmlformats.org/presentationml/2006/main" showMasterSp="0" showMasterPhAnim="0">
+  <p:cSld>
+    <p:spTree>
+      <p:nvGrpSpPr>
+        <p:cNvPr id="1" name="Shape 75"/>
+        <p:cNvGrpSpPr/>
+        <p:nvPr/>
+      </p:nvGrpSpPr>
+      <p:grpSpPr>
+        <a:xfrm>
+          <a:off x="0" y="0"/>
+          <a:ext cx="0" cy="0"/>
+          <a:chOff x="0" y="0"/>
+          <a:chExt cx="0" cy="0"/>
+        </a:xfrm>
+      </p:grpSpPr>
+      <p:sp>
+        <p:nvSpPr>
+          <p:cNvPr id="76" name="Google Shape;76;g1139d5a3aa1_0_3:notes"/>
+          <p:cNvSpPr>
+            <a:spLocks noGrp="1" noRot="1" noChangeAspect="1"/>
+          </p:cNvSpPr>
+          <p:nvPr>
+            <p:ph type="sldImg" idx="2"/>
+          </p:nvPr>
+        </p:nvSpPr>
+        <p:spPr>
+          <a:xfrm>
+            <a:off x="381000" y="685800"/>
+            <a:ext cx="6096000" cy="3429000"/>
+          </a:xfrm>
+          <a:custGeom>
+            <a:avLst/>
+            <a:gdLst/>
+            <a:ahLst/>
+            <a:cxnLst/>
+            <a:rect l="l" t="t" r="r" b="b"/>
+            <a:pathLst>
+              <a:path w="120000" h="120000" extrusionOk="0">
+                <a:moveTo>
+                  <a:pt x="0" y="0"/>
+                </a:moveTo>
+                <a:lnTo>
+                  <a:pt x="120000" y="0"/>
+                </a:lnTo>
+                <a:lnTo>
+                  <a:pt x="120000" y="120000"/>
+                </a:lnTo>
+                <a:lnTo>
+                  <a:pt x="0" y="120000"/>
+                </a:lnTo>
+                <a:close/>
+              </a:path>
+            </a:pathLst>
+          </a:custGeom>
+        </p:spPr>
+      </p:sp>
+      <p:sp>
+        <p:nvSpPr>
+          <p:cNvPr id="77" name="Google Shape;77;g1139d5a3aa1_0_3:notes"/>
+          <p:cNvSpPr txBox="1">
+            <a:spLocks noGrp="1"/>
+          </p:cNvSpPr>
+          <p:nvPr>
+            <p:ph type="body" idx="1"/>
+          </p:nvPr>
+        </p:nvSpPr>
+        <p:spPr>
+          <a:xfrm>
+            <a:off x="685800" y="4343400"/>
+            <a:ext cx="5486400" cy="4114800"/>
+          </a:xfrm>
+          <a:prstGeom prst="rect">
+            <a:avLst/>
+          </a:prstGeom>
+        </p:spPr>
+        <p:txBody>
+          <a:bodyPr spcFirstLastPara="1" wrap="square" lIns="91425" tIns="91425" rIns="91425" bIns="91425" anchor="t" anchorCtr="0">
+            <a:noAutofit/>
+          </a:bodyPr>
+          <a:lstStyle/>
+          <a:p>
+            <a:pPr marL="0" lvl="0" indent="0" algn="l" rtl="0">
+              <a:spcBef>
+                <a:spcPts val="0"/>
+              </a:spcBef>
+              <a:spcAft>
+                <a:spcPts val="0"/>
+              </a:spcAft>
+              <a:buNone/>
+            </a:pPr>
+            <a:endParaRPr/>
+          </a:p>
+        </p:txBody>
+      </p:sp>
+    </p:spTree>
+    <p:extLst>
+      <p:ext uri="{BB962C8B-B14F-4D97-AF65-F5344CB8AC3E}">
+        <p14:creationId xmlns:p14="http://schemas.microsoft.com/office/powerpoint/2010/main" val="2824404521"/>
       </p:ext>
     </p:extLst>
   </p:cSld>
@@ -5220,7 +6035,782 @@
             </a:pPr>
             <a:r>
               <a:rPr lang="en" dirty="0"/>
-              <a:t>Announcement &amp; Update to Syllabus</a:t>
+              <a:t>Announcement</a:t>
+            </a:r>
+            <a:endParaRPr dirty="0"/>
+          </a:p>
+        </p:txBody>
+      </p:sp>
+      <p:sp>
+        <p:nvSpPr>
+          <p:cNvPr id="80" name="Google Shape;80;p18"/>
+          <p:cNvSpPr txBox="1">
+            <a:spLocks noGrp="1"/>
+          </p:cNvSpPr>
+          <p:nvPr>
+            <p:ph type="body" idx="1"/>
+          </p:nvPr>
+        </p:nvSpPr>
+        <p:spPr>
+          <a:xfrm>
+            <a:off x="198500" y="1246825"/>
+            <a:ext cx="8520600" cy="3765600"/>
+          </a:xfrm>
+          <a:prstGeom prst="rect">
+            <a:avLst/>
+          </a:prstGeom>
+        </p:spPr>
+        <p:txBody>
+          <a:bodyPr spcFirstLastPara="1" wrap="square" lIns="91425" tIns="91425" rIns="91425" bIns="91425" anchor="t" anchorCtr="0">
+            <a:normAutofit fontScale="85000" lnSpcReduction="20000"/>
+          </a:bodyPr>
+          <a:lstStyle/>
+          <a:p>
+            <a:pPr marL="457200" lvl="0" indent="-342900" algn="l" rtl="0">
+              <a:lnSpc>
+                <a:spcPct val="125000"/>
+              </a:lnSpc>
+              <a:spcBef>
+                <a:spcPts val="0"/>
+              </a:spcBef>
+              <a:spcAft>
+                <a:spcPts val="0"/>
+              </a:spcAft>
+              <a:buSzPts val="1800"/>
+              <a:buChar char="●"/>
+            </a:pPr>
+            <a:r>
+              <a:rPr lang="en-US" sz="3300" dirty="0">
+                <a:solidFill>
+                  <a:schemeClr val="tx1"/>
+                </a:solidFill>
+              </a:rPr>
+              <a:t>Midterm</a:t>
+            </a:r>
+            <a:endParaRPr lang="en-US" sz="2800" dirty="0">
+              <a:solidFill>
+                <a:schemeClr val="tx1"/>
+              </a:solidFill>
+            </a:endParaRPr>
+          </a:p>
+          <a:p>
+            <a:pPr lvl="1" indent="-342900">
+              <a:lnSpc>
+                <a:spcPct val="125000"/>
+              </a:lnSpc>
+              <a:buSzPts val="1800"/>
+              <a:buChar char="●"/>
+            </a:pPr>
+            <a:r>
+              <a:rPr lang="en-US" sz="2400" dirty="0">
+                <a:solidFill>
+                  <a:schemeClr val="tx1"/>
+                </a:solidFill>
+                <a:effectLst/>
+                <a:latin typeface="Helvetica Neue" panose="02000503000000020004" pitchFamily="2" charset="0"/>
+              </a:rPr>
+              <a:t>Lockdown mode in Canvas</a:t>
+            </a:r>
+          </a:p>
+          <a:p>
+            <a:pPr lvl="2" indent="-342900">
+              <a:lnSpc>
+                <a:spcPct val="125000"/>
+              </a:lnSpc>
+              <a:buSzPts val="1800"/>
+              <a:buChar char="●"/>
+            </a:pPr>
+            <a:r>
+              <a:rPr lang="en-US" sz="2400" dirty="0">
+                <a:solidFill>
+                  <a:schemeClr val="tx1"/>
+                </a:solidFill>
+                <a:latin typeface="Helvetica Neue" panose="02000503000000020004" pitchFamily="2" charset="0"/>
+              </a:rPr>
+              <a:t>Recording with webcam</a:t>
+            </a:r>
+          </a:p>
+          <a:p>
+            <a:pPr lvl="2" indent="-342900">
+              <a:lnSpc>
+                <a:spcPct val="125000"/>
+              </a:lnSpc>
+              <a:buSzPts val="1800"/>
+              <a:buChar char="●"/>
+            </a:pPr>
+            <a:r>
+              <a:rPr lang="en-US" sz="2400" dirty="0">
+                <a:solidFill>
+                  <a:schemeClr val="tx1"/>
+                </a:solidFill>
+                <a:latin typeface="Helvetica Neue" panose="02000503000000020004" pitchFamily="2" charset="0"/>
+              </a:rPr>
+              <a:t>A quiz for testing purpose</a:t>
+            </a:r>
+          </a:p>
+          <a:p>
+            <a:pPr lvl="2" indent="-342900">
+              <a:lnSpc>
+                <a:spcPct val="125000"/>
+              </a:lnSpc>
+              <a:buSzPts val="1800"/>
+              <a:buChar char="●"/>
+            </a:pPr>
+            <a:r>
+              <a:rPr lang="en-US" sz="2400" dirty="0">
+                <a:solidFill>
+                  <a:schemeClr val="tx1"/>
+                </a:solidFill>
+                <a:latin typeface="Helvetica Neue" panose="02000503000000020004" pitchFamily="2" charset="0"/>
+              </a:rPr>
+              <a:t>No access to anything other than Canvas</a:t>
+            </a:r>
+            <a:endParaRPr lang="en-US" sz="2400" dirty="0">
+              <a:solidFill>
+                <a:schemeClr val="tx1"/>
+              </a:solidFill>
+              <a:effectLst/>
+              <a:latin typeface="Helvetica Neue" panose="02000503000000020004" pitchFamily="2" charset="0"/>
+            </a:endParaRPr>
+          </a:p>
+          <a:p>
+            <a:pPr lvl="1" indent="-342900">
+              <a:lnSpc>
+                <a:spcPct val="125000"/>
+              </a:lnSpc>
+              <a:buSzPts val="1800"/>
+              <a:buChar char="●"/>
+            </a:pPr>
+            <a:endParaRPr lang="en-US" sz="2400" dirty="0">
+              <a:solidFill>
+                <a:schemeClr val="tx1"/>
+              </a:solidFill>
+              <a:effectLst/>
+              <a:latin typeface="Helvetica Neue" panose="02000503000000020004" pitchFamily="2" charset="0"/>
+            </a:endParaRPr>
+          </a:p>
+          <a:p>
+            <a:pPr>
+              <a:lnSpc>
+                <a:spcPct val="125000"/>
+              </a:lnSpc>
+            </a:pPr>
+            <a:r>
+              <a:rPr lang="en-US" sz="3300" dirty="0">
+                <a:solidFill>
+                  <a:schemeClr val="tx1"/>
+                </a:solidFill>
+                <a:latin typeface="Helvetica Neue" panose="02000503000000020004" pitchFamily="2" charset="0"/>
+              </a:rPr>
+              <a:t>UNCC security sympathism: (extra credit) 1% </a:t>
+            </a:r>
+          </a:p>
+          <a:p>
+            <a:pPr lvl="1">
+              <a:lnSpc>
+                <a:spcPct val="125000"/>
+              </a:lnSpc>
+            </a:pPr>
+            <a:r>
+              <a:rPr lang="en-US" sz="2400" dirty="0">
+                <a:solidFill>
+                  <a:schemeClr val="tx1"/>
+                </a:solidFill>
+                <a:effectLst/>
+                <a:latin typeface="Helvetica Neue" panose="02000503000000020004" pitchFamily="2" charset="0"/>
+              </a:rPr>
+              <a:t>Upload one or two paragraphs about: </a:t>
+            </a:r>
+          </a:p>
+          <a:p>
+            <a:pPr lvl="2">
+              <a:lnSpc>
+                <a:spcPct val="125000"/>
+              </a:lnSpc>
+            </a:pPr>
+            <a:r>
+              <a:rPr lang="en-US" sz="2400" dirty="0">
+                <a:solidFill>
+                  <a:schemeClr val="tx1"/>
+                </a:solidFill>
+                <a:latin typeface="Helvetica Neue" panose="02000503000000020004" pitchFamily="2" charset="0"/>
+              </a:rPr>
+              <a:t>The talk(s) you went</a:t>
+            </a:r>
+          </a:p>
+          <a:p>
+            <a:pPr lvl="2">
+              <a:lnSpc>
+                <a:spcPct val="125000"/>
+              </a:lnSpc>
+            </a:pPr>
+            <a:r>
+              <a:rPr lang="en-US" sz="2400" dirty="0">
+                <a:solidFill>
+                  <a:schemeClr val="tx1"/>
+                </a:solidFill>
+                <a:effectLst/>
+                <a:latin typeface="Helvetica Neue" panose="02000503000000020004" pitchFamily="2" charset="0"/>
+              </a:rPr>
+              <a:t>What do you think about the contents of the talk(s)</a:t>
+            </a:r>
+          </a:p>
+        </p:txBody>
+      </p:sp>
+      <p:sp>
+        <p:nvSpPr>
+          <p:cNvPr id="81" name="Google Shape;81;p18"/>
+          <p:cNvSpPr txBox="1">
+            <a:spLocks noGrp="1"/>
+          </p:cNvSpPr>
+          <p:nvPr>
+            <p:ph type="sldNum" idx="12"/>
+          </p:nvPr>
+        </p:nvSpPr>
+        <p:spPr>
+          <a:xfrm>
+            <a:off x="8472458" y="4663217"/>
+            <a:ext cx="548700" cy="393600"/>
+          </a:xfrm>
+          <a:prstGeom prst="rect">
+            <a:avLst/>
+          </a:prstGeom>
+        </p:spPr>
+        <p:txBody>
+          <a:bodyPr spcFirstLastPara="1" wrap="square" lIns="91425" tIns="91425" rIns="91425" bIns="91425" anchor="ctr" anchorCtr="0">
+            <a:normAutofit/>
+          </a:bodyPr>
+          <a:lstStyle/>
+          <a:p>
+            <a:pPr marL="0" lvl="0" indent="0" algn="r" rtl="0">
+              <a:spcBef>
+                <a:spcPts val="0"/>
+              </a:spcBef>
+              <a:spcAft>
+                <a:spcPts val="0"/>
+              </a:spcAft>
+              <a:buNone/>
+            </a:pPr>
+            <a:fld id="{00000000-1234-1234-1234-123412341234}" type="slidenum">
+              <a:rPr lang="en"/>
+              <a:t>1</a:t>
+            </a:fld>
+            <a:endParaRPr/>
+          </a:p>
+        </p:txBody>
+      </p:sp>
+    </p:spTree>
+  </p:cSld>
+  <p:clrMapOvr>
+    <a:masterClrMapping/>
+  </p:clrMapOvr>
+</p:sld>
+</file>
+
+<file path=ppt/slides/slide10.xml><?xml version="1.0" encoding="utf-8"?>
+<p:sld xmlns:a="http://schemas.openxmlformats.org/drawingml/2006/main" xmlns:r="http://schemas.openxmlformats.org/officeDocument/2006/relationships" xmlns:p="http://schemas.openxmlformats.org/presentationml/2006/main">
+  <p:cSld>
+    <p:spTree>
+      <p:nvGrpSpPr>
+        <p:cNvPr id="1" name="Shape 78"/>
+        <p:cNvGrpSpPr/>
+        <p:nvPr/>
+      </p:nvGrpSpPr>
+      <p:grpSpPr>
+        <a:xfrm>
+          <a:off x="0" y="0"/>
+          <a:ext cx="0" cy="0"/>
+          <a:chOff x="0" y="0"/>
+          <a:chExt cx="0" cy="0"/>
+        </a:xfrm>
+      </p:grpSpPr>
+      <p:sp>
+        <p:nvSpPr>
+          <p:cNvPr id="79" name="Google Shape;79;p18"/>
+          <p:cNvSpPr txBox="1">
+            <a:spLocks noGrp="1"/>
+          </p:cNvSpPr>
+          <p:nvPr>
+            <p:ph type="title"/>
+          </p:nvPr>
+        </p:nvSpPr>
+        <p:spPr>
+          <a:xfrm>
+            <a:off x="102700" y="270875"/>
+            <a:ext cx="8520600" cy="572700"/>
+          </a:xfrm>
+          <a:prstGeom prst="rect">
+            <a:avLst/>
+          </a:prstGeom>
+        </p:spPr>
+        <p:txBody>
+          <a:bodyPr spcFirstLastPara="1" wrap="square" lIns="91425" tIns="91425" rIns="91425" bIns="91425" anchor="t" anchorCtr="0">
+            <a:normAutofit fontScale="90000"/>
+          </a:bodyPr>
+          <a:lstStyle/>
+          <a:p>
+            <a:pPr marL="0" lvl="0" indent="0" algn="l" rtl="0">
+              <a:spcBef>
+                <a:spcPts val="0"/>
+              </a:spcBef>
+              <a:spcAft>
+                <a:spcPts val="0"/>
+              </a:spcAft>
+              <a:buNone/>
+            </a:pPr>
+            <a:r>
+              <a:rPr lang="en" dirty="0"/>
+              <a:t>Example Policies &amp; Mechanisms </a:t>
+            </a:r>
+            <a:endParaRPr dirty="0"/>
+          </a:p>
+        </p:txBody>
+      </p:sp>
+      <p:sp>
+        <p:nvSpPr>
+          <p:cNvPr id="80" name="Google Shape;80;p18"/>
+          <p:cNvSpPr txBox="1">
+            <a:spLocks noGrp="1"/>
+          </p:cNvSpPr>
+          <p:nvPr>
+            <p:ph type="body" idx="1"/>
+          </p:nvPr>
+        </p:nvSpPr>
+        <p:spPr>
+          <a:xfrm>
+            <a:off x="198500" y="1246825"/>
+            <a:ext cx="8520600" cy="3765600"/>
+          </a:xfrm>
+          <a:prstGeom prst="rect">
+            <a:avLst/>
+          </a:prstGeom>
+        </p:spPr>
+        <p:txBody>
+          <a:bodyPr spcFirstLastPara="1" wrap="square" lIns="91425" tIns="91425" rIns="91425" bIns="91425" anchor="t" anchorCtr="0">
+            <a:normAutofit fontScale="92500" lnSpcReduction="10000"/>
+          </a:bodyPr>
+          <a:lstStyle/>
+          <a:p>
+            <a:pPr eaLnBrk="1" hangingPunct="1">
+              <a:lnSpc>
+                <a:spcPct val="134000"/>
+              </a:lnSpc>
+            </a:pPr>
+            <a:r>
+              <a:rPr lang="en-US" altLang="en-US" sz="2400" dirty="0"/>
+              <a:t>Policies examples</a:t>
+            </a:r>
+            <a:endParaRPr lang="en-US" altLang="en-US" sz="2800" dirty="0"/>
+          </a:p>
+          <a:p>
+            <a:pPr lvl="1">
+              <a:lnSpc>
+                <a:spcPct val="134000"/>
+              </a:lnSpc>
+            </a:pPr>
+            <a:r>
+              <a:rPr lang="en-US" altLang="en-US" sz="1600" dirty="0"/>
+              <a:t>Confidentiality: Eavesdropper (e.g., Eve) should not be able to see the content of messages between two parties (e.g., Alice and Bob)</a:t>
+            </a:r>
+          </a:p>
+          <a:p>
+            <a:pPr lvl="1">
+              <a:lnSpc>
+                <a:spcPct val="134000"/>
+              </a:lnSpc>
+            </a:pPr>
+            <a:r>
+              <a:rPr lang="en-US" altLang="en-US" sz="1600" dirty="0"/>
+              <a:t>Integrity: A manipulator (e.g., Mallory) should not be able to modify the messages without being noticed</a:t>
+            </a:r>
+          </a:p>
+          <a:p>
+            <a:pPr lvl="1">
+              <a:lnSpc>
+                <a:spcPct val="134000"/>
+              </a:lnSpc>
+            </a:pPr>
+            <a:r>
+              <a:rPr lang="en-US" altLang="en-US" sz="1600" dirty="0"/>
+              <a:t>Availability: The server (e.g., AWS) should be able to function 99.99% of the time</a:t>
+            </a:r>
+            <a:endParaRPr lang="en-US" altLang="en-US" sz="2000" dirty="0"/>
+          </a:p>
+          <a:p>
+            <a:pPr eaLnBrk="1" hangingPunct="1">
+              <a:lnSpc>
+                <a:spcPct val="134000"/>
+              </a:lnSpc>
+            </a:pPr>
+            <a:r>
+              <a:rPr lang="en-US" altLang="en-US" sz="2400" dirty="0"/>
+              <a:t>Mechanisms</a:t>
+            </a:r>
+          </a:p>
+          <a:p>
+            <a:pPr lvl="1">
+              <a:lnSpc>
+                <a:spcPct val="134000"/>
+              </a:lnSpc>
+            </a:pPr>
+            <a:r>
+              <a:rPr lang="en-US" altLang="en-US" sz="1600" dirty="0"/>
+              <a:t>Cryptographic techniques</a:t>
+            </a:r>
+          </a:p>
+          <a:p>
+            <a:pPr lvl="1">
+              <a:lnSpc>
+                <a:spcPct val="134000"/>
+              </a:lnSpc>
+            </a:pPr>
+            <a:r>
+              <a:rPr lang="en-US" altLang="en-US" sz="1600" dirty="0"/>
+              <a:t>Access control</a:t>
+            </a:r>
+          </a:p>
+          <a:p>
+            <a:pPr lvl="1">
+              <a:lnSpc>
+                <a:spcPct val="134000"/>
+              </a:lnSpc>
+            </a:pPr>
+            <a:r>
+              <a:rPr lang="en-US" altLang="en-US" sz="1600" dirty="0"/>
+              <a:t>Security enclaves</a:t>
+            </a:r>
+          </a:p>
+          <a:p>
+            <a:pPr lvl="1">
+              <a:lnSpc>
+                <a:spcPct val="134000"/>
+              </a:lnSpc>
+            </a:pPr>
+            <a:r>
+              <a:rPr lang="en-US" altLang="en-US" sz="1600" dirty="0"/>
+              <a:t>Formal methods</a:t>
+            </a:r>
+          </a:p>
+        </p:txBody>
+      </p:sp>
+      <p:sp>
+        <p:nvSpPr>
+          <p:cNvPr id="81" name="Google Shape;81;p18"/>
+          <p:cNvSpPr txBox="1">
+            <a:spLocks noGrp="1"/>
+          </p:cNvSpPr>
+          <p:nvPr>
+            <p:ph type="sldNum" idx="12"/>
+          </p:nvPr>
+        </p:nvSpPr>
+        <p:spPr>
+          <a:xfrm>
+            <a:off x="8472458" y="4663217"/>
+            <a:ext cx="548700" cy="393600"/>
+          </a:xfrm>
+          <a:prstGeom prst="rect">
+            <a:avLst/>
+          </a:prstGeom>
+        </p:spPr>
+        <p:txBody>
+          <a:bodyPr spcFirstLastPara="1" wrap="square" lIns="91425" tIns="91425" rIns="91425" bIns="91425" anchor="ctr" anchorCtr="0">
+            <a:normAutofit/>
+          </a:bodyPr>
+          <a:lstStyle/>
+          <a:p>
+            <a:pPr marL="0" lvl="0" indent="0" algn="r" rtl="0">
+              <a:spcBef>
+                <a:spcPts val="0"/>
+              </a:spcBef>
+              <a:spcAft>
+                <a:spcPts val="0"/>
+              </a:spcAft>
+              <a:buNone/>
+            </a:pPr>
+            <a:fld id="{00000000-1234-1234-1234-123412341234}" type="slidenum">
+              <a:rPr lang="en"/>
+              <a:t>10</a:t>
+            </a:fld>
+            <a:endParaRPr/>
+          </a:p>
+        </p:txBody>
+      </p:sp>
+    </p:spTree>
+    <p:extLst>
+      <p:ext uri="{BB962C8B-B14F-4D97-AF65-F5344CB8AC3E}">
+        <p14:creationId xmlns:p14="http://schemas.microsoft.com/office/powerpoint/2010/main" val="1591477557"/>
+      </p:ext>
+    </p:extLst>
+  </p:cSld>
+  <p:clrMapOvr>
+    <a:masterClrMapping/>
+  </p:clrMapOvr>
+</p:sld>
+</file>
+
+<file path=ppt/slides/slide11.xml><?xml version="1.0" encoding="utf-8"?>
+<p:sld xmlns:a="http://schemas.openxmlformats.org/drawingml/2006/main" xmlns:r="http://schemas.openxmlformats.org/officeDocument/2006/relationships" xmlns:p="http://schemas.openxmlformats.org/presentationml/2006/main">
+  <p:cSld>
+    <p:spTree>
+      <p:nvGrpSpPr>
+        <p:cNvPr id="1" name="Shape 78"/>
+        <p:cNvGrpSpPr/>
+        <p:nvPr/>
+      </p:nvGrpSpPr>
+      <p:grpSpPr>
+        <a:xfrm>
+          <a:off x="0" y="0"/>
+          <a:ext cx="0" cy="0"/>
+          <a:chOff x="0" y="0"/>
+          <a:chExt cx="0" cy="0"/>
+        </a:xfrm>
+      </p:grpSpPr>
+      <p:sp>
+        <p:nvSpPr>
+          <p:cNvPr id="79" name="Google Shape;79;p18"/>
+          <p:cNvSpPr txBox="1">
+            <a:spLocks noGrp="1"/>
+          </p:cNvSpPr>
+          <p:nvPr>
+            <p:ph type="title"/>
+          </p:nvPr>
+        </p:nvSpPr>
+        <p:spPr>
+          <a:xfrm>
+            <a:off x="102700" y="270875"/>
+            <a:ext cx="8520600" cy="572700"/>
+          </a:xfrm>
+          <a:prstGeom prst="rect">
+            <a:avLst/>
+          </a:prstGeom>
+        </p:spPr>
+        <p:txBody>
+          <a:bodyPr spcFirstLastPara="1" wrap="square" lIns="91425" tIns="91425" rIns="91425" bIns="91425" anchor="t" anchorCtr="0">
+            <a:normAutofit fontScale="90000"/>
+          </a:bodyPr>
+          <a:lstStyle/>
+          <a:p>
+            <a:pPr eaLnBrk="1" hangingPunct="1">
+              <a:lnSpc>
+                <a:spcPct val="134000"/>
+              </a:lnSpc>
+            </a:pPr>
+            <a:r>
+              <a:rPr lang="en-US" altLang="en-US" dirty="0"/>
+              <a:t>Assumptions:</a:t>
+            </a:r>
+          </a:p>
+        </p:txBody>
+      </p:sp>
+      <p:sp>
+        <p:nvSpPr>
+          <p:cNvPr id="80" name="Google Shape;80;p18"/>
+          <p:cNvSpPr txBox="1">
+            <a:spLocks noGrp="1"/>
+          </p:cNvSpPr>
+          <p:nvPr>
+            <p:ph type="body" idx="1"/>
+          </p:nvPr>
+        </p:nvSpPr>
+        <p:spPr>
+          <a:xfrm>
+            <a:off x="198500" y="1246825"/>
+            <a:ext cx="8520600" cy="3765600"/>
+          </a:xfrm>
+          <a:prstGeom prst="rect">
+            <a:avLst/>
+          </a:prstGeom>
+        </p:spPr>
+        <p:txBody>
+          <a:bodyPr spcFirstLastPara="1" wrap="square" lIns="91425" tIns="91425" rIns="91425" bIns="91425" anchor="t" anchorCtr="0">
+            <a:normAutofit fontScale="85000" lnSpcReduction="10000"/>
+          </a:bodyPr>
+          <a:lstStyle/>
+          <a:p>
+            <a:pPr>
+              <a:lnSpc>
+                <a:spcPct val="134000"/>
+              </a:lnSpc>
+            </a:pPr>
+            <a:r>
+              <a:rPr lang="en-US" altLang="en-US" sz="2800" dirty="0"/>
+              <a:t>Security rests on assumptions of the required security and application environments</a:t>
+            </a:r>
+          </a:p>
+          <a:p>
+            <a:pPr>
+              <a:lnSpc>
+                <a:spcPct val="134000"/>
+              </a:lnSpc>
+            </a:pPr>
+            <a:r>
+              <a:rPr lang="en-US" altLang="en-US" sz="2800" dirty="0"/>
+              <a:t>Assumptions of a security policy</a:t>
+            </a:r>
+          </a:p>
+          <a:p>
+            <a:pPr lvl="1">
+              <a:lnSpc>
+                <a:spcPct val="134000"/>
+              </a:lnSpc>
+            </a:pPr>
+            <a:r>
+              <a:rPr lang="en-US" altLang="en-US" sz="2000" dirty="0"/>
+              <a:t>A policy can correctly and unambiguously partitions system states into secure and insecure</a:t>
+            </a:r>
+          </a:p>
+          <a:p>
+            <a:pPr lvl="1">
+              <a:lnSpc>
+                <a:spcPct val="134000"/>
+              </a:lnSpc>
+            </a:pPr>
+            <a:r>
+              <a:rPr lang="en-US" altLang="en-US" sz="2000" dirty="0"/>
+              <a:t>A security mechanism will prevent a system from entering an insecure state</a:t>
+            </a:r>
+          </a:p>
+          <a:p>
+            <a:pPr lvl="1">
+              <a:lnSpc>
+                <a:spcPct val="134000"/>
+              </a:lnSpc>
+            </a:pPr>
+            <a:r>
+              <a:rPr lang="en-US" altLang="en-US" sz="2000" dirty="0"/>
+              <a:t>Define a security mechanism as secure, precise, or broad (the example of highway)</a:t>
+            </a:r>
+          </a:p>
+          <a:p>
+            <a:pPr lvl="1">
+              <a:lnSpc>
+                <a:spcPct val="134000"/>
+              </a:lnSpc>
+            </a:pPr>
+            <a:r>
+              <a:rPr lang="en-US" altLang="en-US" sz="2000" dirty="0"/>
+              <a:t>In real life, security mechanisms are usually broad (Why?)</a:t>
+            </a:r>
+          </a:p>
+          <a:p>
+            <a:pPr eaLnBrk="1" hangingPunct="1">
+              <a:lnSpc>
+                <a:spcPct val="134000"/>
+              </a:lnSpc>
+            </a:pPr>
+            <a:endParaRPr lang="en-US" altLang="en-US" sz="2000" dirty="0"/>
+          </a:p>
+        </p:txBody>
+      </p:sp>
+      <p:sp>
+        <p:nvSpPr>
+          <p:cNvPr id="81" name="Google Shape;81;p18"/>
+          <p:cNvSpPr txBox="1">
+            <a:spLocks noGrp="1"/>
+          </p:cNvSpPr>
+          <p:nvPr>
+            <p:ph type="sldNum" idx="12"/>
+          </p:nvPr>
+        </p:nvSpPr>
+        <p:spPr>
+          <a:xfrm>
+            <a:off x="8472458" y="4663217"/>
+            <a:ext cx="548700" cy="393600"/>
+          </a:xfrm>
+          <a:prstGeom prst="rect">
+            <a:avLst/>
+          </a:prstGeom>
+        </p:spPr>
+        <p:txBody>
+          <a:bodyPr spcFirstLastPara="1" wrap="square" lIns="91425" tIns="91425" rIns="91425" bIns="91425" anchor="ctr" anchorCtr="0">
+            <a:normAutofit/>
+          </a:bodyPr>
+          <a:lstStyle/>
+          <a:p>
+            <a:pPr marL="0" lvl="0" indent="0" algn="r" rtl="0">
+              <a:spcBef>
+                <a:spcPts val="0"/>
+              </a:spcBef>
+              <a:spcAft>
+                <a:spcPts val="0"/>
+              </a:spcAft>
+              <a:buNone/>
+            </a:pPr>
+            <a:fld id="{00000000-1234-1234-1234-123412341234}" type="slidenum">
+              <a:rPr lang="en"/>
+              <a:t>11</a:t>
+            </a:fld>
+            <a:endParaRPr/>
+          </a:p>
+        </p:txBody>
+      </p:sp>
+    </p:spTree>
+    <p:extLst>
+      <p:ext uri="{BB962C8B-B14F-4D97-AF65-F5344CB8AC3E}">
+        <p14:creationId xmlns:p14="http://schemas.microsoft.com/office/powerpoint/2010/main" val="3489123996"/>
+      </p:ext>
+    </p:extLst>
+  </p:cSld>
+  <p:clrMapOvr>
+    <a:masterClrMapping/>
+  </p:clrMapOvr>
+</p:sld>
+</file>
+
+<file path=ppt/slides/slide12.xml><?xml version="1.0" encoding="utf-8"?>
+<p:sld xmlns:a="http://schemas.openxmlformats.org/drawingml/2006/main" xmlns:r="http://schemas.openxmlformats.org/officeDocument/2006/relationships" xmlns:p="http://schemas.openxmlformats.org/presentationml/2006/main">
+  <p:cSld>
+    <p:spTree>
+      <p:nvGrpSpPr>
+        <p:cNvPr id="1" name="Shape 78"/>
+        <p:cNvGrpSpPr/>
+        <p:nvPr/>
+      </p:nvGrpSpPr>
+      <p:grpSpPr>
+        <a:xfrm>
+          <a:off x="0" y="0"/>
+          <a:ext cx="0" cy="0"/>
+          <a:chOff x="0" y="0"/>
+          <a:chExt cx="0" cy="0"/>
+        </a:xfrm>
+      </p:grpSpPr>
+      <p:sp>
+        <p:nvSpPr>
+          <p:cNvPr id="79" name="Google Shape;79;p18"/>
+          <p:cNvSpPr txBox="1">
+            <a:spLocks noGrp="1"/>
+          </p:cNvSpPr>
+          <p:nvPr>
+            <p:ph type="title"/>
+          </p:nvPr>
+        </p:nvSpPr>
+        <p:spPr>
+          <a:xfrm>
+            <a:off x="102700" y="270875"/>
+            <a:ext cx="8520600" cy="572700"/>
+          </a:xfrm>
+          <a:prstGeom prst="rect">
+            <a:avLst/>
+          </a:prstGeom>
+        </p:spPr>
+        <p:txBody>
+          <a:bodyPr spcFirstLastPara="1" wrap="square" lIns="91425" tIns="91425" rIns="91425" bIns="91425" anchor="t" anchorCtr="0">
+            <a:normAutofit fontScale="90000"/>
+          </a:bodyPr>
+          <a:lstStyle/>
+          <a:p>
+            <a:pPr marL="0" lvl="0" indent="0" algn="l" rtl="0">
+              <a:spcBef>
+                <a:spcPts val="0"/>
+              </a:spcBef>
+              <a:spcAft>
+                <a:spcPts val="0"/>
+              </a:spcAft>
+              <a:buNone/>
+            </a:pPr>
+            <a:r>
+              <a:rPr lang="en" dirty="0"/>
+              <a:t>Assignment #1 </a:t>
             </a:r>
             <a:endParaRPr dirty="0"/>
           </a:p>
@@ -5262,95 +6852,23 @@
               <a:buChar char="●"/>
             </a:pPr>
             <a:r>
-              <a:rPr lang="en-US" sz="2800" dirty="0">
-                <a:solidFill>
-                  <a:schemeClr val="tx1"/>
-                </a:solidFill>
-              </a:rPr>
-              <a:t>Grading structure</a:t>
-            </a:r>
-          </a:p>
-          <a:p>
-            <a:pPr lvl="1" indent="-342900">
-              <a:buSzPts val="1800"/>
-              <a:buChar char="●"/>
-            </a:pPr>
-            <a:r>
-              <a:rPr lang="en-US" sz="2400" dirty="0">
-                <a:solidFill>
-                  <a:schemeClr val="tx1"/>
-                </a:solidFill>
-                <a:effectLst/>
-                <a:latin typeface="Helvetica Neue" panose="02000503000000020004" pitchFamily="2" charset="0"/>
-              </a:rPr>
-              <a:t>Assignments: 35%</a:t>
-            </a:r>
-          </a:p>
-          <a:p>
-            <a:pPr lvl="1" indent="-342900">
-              <a:buSzPts val="1800"/>
-              <a:buChar char="●"/>
-            </a:pPr>
-            <a:r>
               <a:rPr lang="en-US" sz="2400" dirty="0">
                 <a:solidFill>
                   <a:schemeClr val="tx1"/>
                 </a:solidFill>
                 <a:latin typeface="Helvetica Neue" panose="02000503000000020004" pitchFamily="2" charset="0"/>
               </a:rPr>
-              <a:t>Projects: 15%</a:t>
-            </a:r>
-          </a:p>
-          <a:p>
-            <a:pPr lvl="1" indent="-342900">
-              <a:buSzPts val="1800"/>
-              <a:buChar char="●"/>
-            </a:pPr>
-            <a:r>
-              <a:rPr lang="en-US" sz="2400" b="1" dirty="0">
-                <a:solidFill>
-                  <a:schemeClr val="tx1"/>
-                </a:solidFill>
-                <a:effectLst/>
-                <a:latin typeface="Helvetica Neue" panose="02000503000000020004" pitchFamily="2" charset="0"/>
-              </a:rPr>
-              <a:t>Quiz: 10% (4 quizzes total)</a:t>
-            </a:r>
-          </a:p>
-          <a:p>
-            <a:pPr lvl="1" indent="-342900">
-              <a:buSzPts val="1800"/>
-              <a:buChar char="●"/>
-            </a:pPr>
-            <a:r>
-              <a:rPr lang="en-US" sz="2400" dirty="0">
-                <a:solidFill>
-                  <a:schemeClr val="tx1"/>
-                </a:solidFill>
-                <a:effectLst/>
-                <a:latin typeface="Helvetica Neue" panose="02000503000000020004" pitchFamily="2" charset="0"/>
-              </a:rPr>
-              <a:t>Midterm: 20%</a:t>
-            </a:r>
-          </a:p>
-          <a:p>
-            <a:pPr lvl="1" indent="-342900">
-              <a:buSzPts val="1800"/>
-              <a:buChar char="●"/>
-            </a:pPr>
-            <a:r>
-              <a:rPr lang="en-US" sz="2400" dirty="0">
-                <a:solidFill>
-                  <a:schemeClr val="tx1"/>
-                </a:solidFill>
-                <a:effectLst/>
-                <a:latin typeface="Helvetica Neue" panose="02000503000000020004" pitchFamily="2" charset="0"/>
-              </a:rPr>
-              <a:t>Final: 20%</a:t>
-            </a:r>
-          </a:p>
-          <a:p>
-            <a:pPr lvl="1" indent="-342900">
+              <a:t>Question 1</a:t>
+            </a:r>
+          </a:p>
+          <a:p>
+            <a:pPr marL="457200" lvl="0" indent="-342900" algn="l" rtl="0">
+              <a:spcBef>
+                <a:spcPts val="0"/>
+              </a:spcBef>
+              <a:spcAft>
+                <a:spcPts val="0"/>
+              </a:spcAft>
               <a:buSzPts val="1800"/>
               <a:buChar char="●"/>
             </a:pPr>
@@ -5358,15 +6876,28 @@
               <a:solidFill>
                 <a:schemeClr val="tx1"/>
               </a:solidFill>
-              <a:effectLst/>
               <a:latin typeface="Helvetica Neue" panose="02000503000000020004" pitchFamily="2" charset="0"/>
             </a:endParaRPr>
           </a:p>
           <a:p>
-            <a:pPr lvl="1" indent="-342900">
+            <a:pPr marL="457200" lvl="0" indent="-342900" algn="l" rtl="0">
+              <a:spcBef>
+                <a:spcPts val="0"/>
+              </a:spcBef>
+              <a:spcAft>
+                <a:spcPts val="0"/>
+              </a:spcAft>
               <a:buSzPts val="1800"/>
               <a:buChar char="●"/>
             </a:pPr>
+            <a:endParaRPr lang="en-US" sz="2400" dirty="0">
+              <a:solidFill>
+                <a:schemeClr val="tx1"/>
+              </a:solidFill>
+              <a:latin typeface="Helvetica Neue" panose="02000503000000020004" pitchFamily="2" charset="0"/>
+            </a:endParaRPr>
+          </a:p>
+          <a:p>
             <a:r>
               <a:rPr lang="en-US" sz="2400" dirty="0">
                 <a:solidFill>
@@ -5374,13 +6905,71 @@
                 </a:solidFill>
                 <a:latin typeface="Helvetica Neue" panose="02000503000000020004" pitchFamily="2" charset="0"/>
               </a:rPr>
-              <a:t>Class participation: (extra credit) 5% </a:t>
-            </a:r>
+              <a:t>Question 2</a:t>
+            </a:r>
+          </a:p>
+          <a:p>
+            <a:pPr marL="457200" lvl="0" indent="-342900" algn="l" rtl="0">
+              <a:spcBef>
+                <a:spcPts val="0"/>
+              </a:spcBef>
+              <a:spcAft>
+                <a:spcPts val="0"/>
+              </a:spcAft>
+              <a:buSzPts val="1800"/>
+              <a:buChar char="●"/>
+            </a:pPr>
             <a:endParaRPr lang="en-US" sz="2400" dirty="0">
               <a:solidFill>
                 <a:schemeClr val="tx1"/>
               </a:solidFill>
-              <a:effectLst/>
+              <a:latin typeface="Helvetica Neue" panose="02000503000000020004" pitchFamily="2" charset="0"/>
+            </a:endParaRPr>
+          </a:p>
+          <a:p>
+            <a:pPr marL="457200" lvl="0" indent="-342900" algn="l" rtl="0">
+              <a:spcBef>
+                <a:spcPts val="0"/>
+              </a:spcBef>
+              <a:spcAft>
+                <a:spcPts val="0"/>
+              </a:spcAft>
+              <a:buSzPts val="1800"/>
+              <a:buChar char="●"/>
+            </a:pPr>
+            <a:endParaRPr lang="en-US" sz="2400" dirty="0">
+              <a:solidFill>
+                <a:schemeClr val="tx1"/>
+              </a:solidFill>
+              <a:latin typeface="Helvetica Neue" panose="02000503000000020004" pitchFamily="2" charset="0"/>
+            </a:endParaRPr>
+          </a:p>
+          <a:p>
+            <a:r>
+              <a:rPr lang="en-US" sz="2400" dirty="0">
+                <a:solidFill>
+                  <a:schemeClr val="tx1"/>
+                </a:solidFill>
+                <a:latin typeface="Helvetica Neue" panose="02000503000000020004" pitchFamily="2" charset="0"/>
+              </a:rPr>
+              <a:t>Question 3</a:t>
+            </a:r>
+          </a:p>
+          <a:p>
+            <a:pPr marL="457200" lvl="0" indent="-342900" algn="l" rtl="0">
+              <a:spcBef>
+                <a:spcPts val="0"/>
+              </a:spcBef>
+              <a:spcAft>
+                <a:spcPts val="0"/>
+              </a:spcAft>
+              <a:buSzPts val="1800"/>
+              <a:buChar char="●"/>
+            </a:pPr>
+            <a:endParaRPr lang="en-US" sz="2400" dirty="0">
+              <a:solidFill>
+                <a:schemeClr val="tx1"/>
+              </a:solidFill>
               <a:latin typeface="Helvetica Neue" panose="02000503000000020004" pitchFamily="2" charset="0"/>
             </a:endParaRPr>
           </a:p>
@@ -5422,13 +7011,18 @@
             </a:pPr>
             <a:fld id="{00000000-1234-1234-1234-123412341234}" type="slidenum">
               <a:rPr lang="en"/>
-              <a:t>1</a:t>
+              <a:t>12</a:t>
             </a:fld>
             <a:endParaRPr/>
           </a:p>
         </p:txBody>
       </p:sp>
     </p:spTree>
+    <p:extLst>
+      <p:ext uri="{BB962C8B-B14F-4D97-AF65-F5344CB8AC3E}">
+        <p14:creationId xmlns:p14="http://schemas.microsoft.com/office/powerpoint/2010/main" val="3382800345"/>
+      </p:ext>
+    </p:extLst>
   </p:cSld>
   <p:clrMapOvr>
     <a:masterClrMapping/>
@@ -5489,7 +7083,7 @@
             </a:pPr>
             <a:r>
               <a:rPr lang="en" dirty="0"/>
-              <a:t>Announcement &amp; Update to Syllabus</a:t>
+              <a:t>Today’s plan: Some Review</a:t>
             </a:r>
             <a:endParaRPr dirty="0"/>
           </a:p>
@@ -5516,7 +7110,7 @@
         </p:spPr>
         <p:txBody>
           <a:bodyPr spcFirstLastPara="1" wrap="square" lIns="91425" tIns="91425" rIns="91425" bIns="91425" anchor="t" anchorCtr="0">
-            <a:normAutofit lnSpcReduction="10000"/>
+            <a:normAutofit/>
           </a:bodyPr>
           <a:lstStyle/>
           <a:p>
@@ -5531,71 +7125,104 @@
               <a:buChar char="●"/>
             </a:pPr>
             <a:r>
-              <a:rPr lang="en" sz="2800" dirty="0">
+              <a:rPr lang="en-US" sz="2800" dirty="0">
                 <a:solidFill>
                   <a:schemeClr val="tx1"/>
                 </a:solidFill>
               </a:rPr>
-              <a:t>Late submission policies</a:t>
-            </a:r>
-          </a:p>
-          <a:p>
-            <a:pPr lvl="1" indent="-342900">
+              <a:t>Properties</a:t>
+            </a:r>
+          </a:p>
+          <a:p>
+            <a:pPr marL="457200" lvl="0" indent="-342900" algn="l" rtl="0">
+              <a:spcBef>
+                <a:spcPts val="0"/>
+              </a:spcBef>
+              <a:spcAft>
+                <a:spcPts val="0"/>
+              </a:spcAft>
               <a:buSzPts val="1800"/>
-              <a:buFont typeface="Arial"/>
               <a:buChar char="●"/>
             </a:pPr>
-            <a:r>
-              <a:rPr lang="en-US" sz="2400" dirty="0">
+            <a:endParaRPr lang="en-US" sz="2800" dirty="0">
+              <a:solidFill>
+                <a:schemeClr val="tx1"/>
+              </a:solidFill>
+              <a:latin typeface="Helvetica Neue" panose="02000503000000020004" pitchFamily="2" charset="0"/>
+            </a:endParaRPr>
+          </a:p>
+          <a:p>
+            <a:pPr marL="457200" lvl="0" indent="-342900" algn="l" rtl="0">
+              <a:spcBef>
+                <a:spcPts val="0"/>
+              </a:spcBef>
+              <a:spcAft>
+                <a:spcPts val="0"/>
+              </a:spcAft>
+              <a:buSzPts val="1800"/>
+              <a:buChar char="●"/>
+            </a:pPr>
+            <a:r>
+              <a:rPr lang="en-US" sz="2800" dirty="0">
                 <a:solidFill>
                   <a:schemeClr val="tx1"/>
                 </a:solidFill>
                 <a:latin typeface="Helvetica Neue" panose="02000503000000020004" pitchFamily="2" charset="0"/>
               </a:rPr>
-              <a:t>Maximum time of delay: 3 days</a:t>
-            </a:r>
-          </a:p>
-          <a:p>
-            <a:pPr lvl="1" indent="-342900">
+              <a:t>Policies</a:t>
+            </a:r>
+          </a:p>
+          <a:p>
+            <a:pPr marL="457200" lvl="0" indent="-342900" algn="l" rtl="0">
+              <a:spcBef>
+                <a:spcPts val="0"/>
+              </a:spcBef>
+              <a:spcAft>
+                <a:spcPts val="0"/>
+              </a:spcAft>
               <a:buSzPts val="1800"/>
               <a:buChar char="●"/>
             </a:pPr>
-            <a:r>
-              <a:rPr lang="en-US" sz="2400" dirty="0">
-                <a:solidFill>
-                  <a:schemeClr val="tx1"/>
-                </a:solidFill>
-                <a:effectLst/>
-                <a:latin typeface="Helvetica Neue" panose="02000503000000020004" pitchFamily="2" charset="0"/>
-              </a:rPr>
-              <a:t>Penalty: 20% (1 day), 30% (</a:t>
-            </a:r>
-            <a:r>
-              <a:rPr lang="en-US" sz="2400" dirty="0">
+            <a:endParaRPr lang="en-US" sz="2800" dirty="0">
+              <a:solidFill>
+                <a:schemeClr val="tx1"/>
+              </a:solidFill>
+              <a:latin typeface="Helvetica Neue" panose="02000503000000020004" pitchFamily="2" charset="0"/>
+            </a:endParaRPr>
+          </a:p>
+          <a:p>
+            <a:pPr marL="457200" lvl="0" indent="-342900" algn="l" rtl="0">
+              <a:spcBef>
+                <a:spcPts val="0"/>
+              </a:spcBef>
+              <a:spcAft>
+                <a:spcPts val="0"/>
+              </a:spcAft>
+              <a:buSzPts val="1800"/>
+              <a:buChar char="●"/>
+            </a:pPr>
+            <a:r>
+              <a:rPr lang="en-US" sz="2800" dirty="0">
                 <a:solidFill>
                   <a:schemeClr val="tx1"/>
                 </a:solidFill>
                 <a:latin typeface="Helvetica Neue" panose="02000503000000020004" pitchFamily="2" charset="0"/>
               </a:rPr>
-              <a:t>2</a:t>
-            </a:r>
-            <a:r>
-              <a:rPr lang="en-US" sz="2400" dirty="0">
-                <a:solidFill>
-                  <a:schemeClr val="tx1"/>
-                </a:solidFill>
-                <a:effectLst/>
-                <a:latin typeface="Helvetica Neue" panose="02000503000000020004" pitchFamily="2" charset="0"/>
-              </a:rPr>
-              <a:t> days), or 40% (3 days) of the initial score</a:t>
-            </a:r>
-          </a:p>
-          <a:p>
-            <a:pPr lvl="1" indent="-342900">
+              <a:t>Mechanisms </a:t>
+            </a:r>
+          </a:p>
+          <a:p>
+            <a:pPr marL="457200" lvl="0" indent="-342900" algn="l" rtl="0">
+              <a:spcBef>
+                <a:spcPts val="0"/>
+              </a:spcBef>
+              <a:spcAft>
+                <a:spcPts val="0"/>
+              </a:spcAft>
               <a:buSzPts val="1800"/>
               <a:buChar char="●"/>
             </a:pPr>
-            <a:endParaRPr lang="en-US" sz="2400" dirty="0">
+            <a:endParaRPr lang="en-US" sz="2800" dirty="0">
               <a:solidFill>
                 <a:schemeClr val="tx1"/>
               </a:solidFill>
@@ -5603,18 +7230,24 @@
             </a:endParaRPr>
           </a:p>
           <a:p>
-            <a:pPr lvl="1" indent="-342900">
+            <a:pPr marL="457200" lvl="0" indent="-342900" algn="l" rtl="0">
+              <a:spcBef>
+                <a:spcPts val="0"/>
+              </a:spcBef>
+              <a:spcAft>
+                <a:spcPts val="0"/>
+              </a:spcAft>
               <a:buSzPts val="1800"/>
               <a:buChar char="●"/>
             </a:pPr>
             <a:r>
-              <a:rPr lang="en-US" sz="2400" dirty="0">
+              <a:rPr lang="en-US" sz="2800" dirty="0">
                 <a:solidFill>
                   <a:schemeClr val="tx1"/>
                 </a:solidFill>
                 <a:latin typeface="Helvetica Neue" panose="02000503000000020004" pitchFamily="2" charset="0"/>
               </a:rPr>
-              <a:t>Example: Alice was late for assignment #1 by 2 days, and her submission got 80 points for all the questions in the assignment. Then, her final score would be 80*(1-30%) = 56. </a:t>
+              <a:t>Assignment #1 Review</a:t>
             </a:r>
           </a:p>
         </p:txBody>
@@ -5727,7 +7360,7 @@
             </a:pPr>
             <a:r>
               <a:rPr lang="en" dirty="0"/>
-              <a:t>Announcement &amp; Update to Syllabus</a:t>
+              <a:t>Today’s plan: Review concepts in a more abstract way</a:t>
             </a:r>
             <a:endParaRPr dirty="0"/>
           </a:p>
@@ -5758,6 +7391,35 @@
           </a:bodyPr>
           <a:lstStyle/>
           <a:p>
+            <a:pPr eaLnBrk="1" hangingPunct="1"/>
+            <a:r>
+              <a:rPr lang="en-US" altLang="en-US" sz="2800" dirty="0"/>
+              <a:t>Properties: concepts of CIA</a:t>
+            </a:r>
+          </a:p>
+          <a:p>
+            <a:pPr lvl="1"/>
+            <a:r>
+              <a:rPr lang="en-US" altLang="en-US" sz="2400" dirty="0"/>
+              <a:t>Confidentiality</a:t>
+            </a:r>
+          </a:p>
+          <a:p>
+            <a:pPr lvl="1"/>
+            <a:r>
+              <a:rPr lang="en-US" altLang="en-US" sz="2400" dirty="0"/>
+              <a:t>Integrity</a:t>
+            </a:r>
+          </a:p>
+          <a:p>
+            <a:pPr lvl="1"/>
+            <a:r>
+              <a:rPr lang="en-US" altLang="en-US" sz="2400" dirty="0"/>
+              <a:t>availability</a:t>
+            </a:r>
+            <a:endParaRPr lang="en-US" altLang="en-US" sz="2800" dirty="0"/>
+          </a:p>
+          <a:p>
             <a:pPr marL="457200" lvl="0" indent="-342900" algn="l" rtl="0">
               <a:spcBef>
                 <a:spcPts val="0"/>
@@ -5768,51 +7430,12 @@
               <a:buSzPts val="1800"/>
               <a:buChar char="●"/>
             </a:pPr>
-            <a:r>
-              <a:rPr lang="en" sz="2800" dirty="0"/>
-              <a:t>Format of midterm and final</a:t>
-            </a:r>
-          </a:p>
-          <a:p>
-            <a:pPr lvl="1" indent="-342900">
-              <a:buSzPts val="1800"/>
-              <a:buChar char="●"/>
-            </a:pPr>
-            <a:r>
-              <a:rPr lang="en-US" sz="2400" dirty="0"/>
-              <a:t>Open book (instead of closed book)</a:t>
-            </a:r>
-          </a:p>
-          <a:p>
-            <a:pPr lvl="1" indent="-342900">
-              <a:buSzPts val="1800"/>
-              <a:buChar char="●"/>
-            </a:pPr>
-            <a:endParaRPr lang="en-US" sz="2400" dirty="0"/>
-          </a:p>
-          <a:p>
-            <a:pPr lvl="1" indent="-342900">
-              <a:buSzPts val="1800"/>
-              <a:buChar char="●"/>
-            </a:pPr>
-            <a:r>
-              <a:rPr lang="en-US" sz="2400" dirty="0"/>
-              <a:t>More details on policies coming soon</a:t>
-            </a:r>
-          </a:p>
-          <a:p>
-            <a:pPr lvl="1" indent="-342900">
-              <a:buSzPts val="1800"/>
-              <a:buChar char="●"/>
-            </a:pPr>
-            <a:endParaRPr lang="en-US" sz="2400" dirty="0"/>
-          </a:p>
-          <a:p>
-            <a:pPr lvl="1" indent="-342900">
-              <a:buSzPts val="1800"/>
-              <a:buChar char="●"/>
-            </a:pPr>
-            <a:endParaRPr sz="2400" dirty="0"/>
+            <a:endParaRPr lang="en-US" sz="2800" dirty="0">
+              <a:solidFill>
+                <a:schemeClr val="tx1"/>
+              </a:solidFill>
+              <a:latin typeface="Helvetica Neue" panose="02000503000000020004" pitchFamily="2" charset="0"/>
+            </a:endParaRPr>
           </a:p>
         </p:txBody>
       </p:sp>
@@ -5861,7 +7484,7 @@
     </p:spTree>
     <p:extLst>
       <p:ext uri="{BB962C8B-B14F-4D97-AF65-F5344CB8AC3E}">
-        <p14:creationId xmlns:p14="http://schemas.microsoft.com/office/powerpoint/2010/main" val="2896167470"/>
+        <p14:creationId xmlns:p14="http://schemas.microsoft.com/office/powerpoint/2010/main" val="87408544"/>
       </p:ext>
     </p:extLst>
   </p:cSld>
@@ -5924,7 +7547,7 @@
             </a:pPr>
             <a:r>
               <a:rPr lang="en" dirty="0"/>
-              <a:t>Announcement &amp; Update to Syllabus</a:t>
+              <a:t>Properties</a:t>
             </a:r>
             <a:endParaRPr dirty="0"/>
           </a:p>
@@ -5955,6 +7578,43 @@
           </a:bodyPr>
           <a:lstStyle/>
           <a:p>
+            <a:pPr eaLnBrk="1" hangingPunct="1"/>
+            <a:r>
+              <a:rPr lang="en-US" altLang="en-US" sz="2800" b="1" dirty="0"/>
+              <a:t>Confidentiality</a:t>
+            </a:r>
+            <a:r>
+              <a:rPr lang="en-US" altLang="en-US" sz="2800" dirty="0"/>
+              <a:t>: c</a:t>
+            </a:r>
+            <a:r>
+              <a:rPr lang="en-US" altLang="en-US" sz="2400" dirty="0"/>
+              <a:t>oncealment of information</a:t>
+            </a:r>
+          </a:p>
+          <a:p>
+            <a:pPr lvl="1" eaLnBrk="1" hangingPunct="1"/>
+            <a:r>
+              <a:rPr lang="en-US" altLang="en-US" sz="2400" dirty="0"/>
+              <a:t>The need arises from sensitive fields (military, industry)</a:t>
+            </a:r>
+          </a:p>
+          <a:p>
+            <a:pPr lvl="1" eaLnBrk="1" hangingPunct="1"/>
+            <a:r>
+              <a:rPr lang="en-US" altLang="en-US" sz="2400" dirty="0"/>
+              <a:t>Examples: encryption (protect the key), access control, </a:t>
+            </a:r>
+            <a:r>
+              <a:rPr lang="en-US" altLang="en-US" sz="2400" b="1" dirty="0"/>
+              <a:t>existence of the data</a:t>
+            </a:r>
+            <a:r>
+              <a:rPr lang="en-US" altLang="en-US" sz="2400" dirty="0"/>
+              <a:t>, resource hiding (configuration, how many servers does google have?)</a:t>
+            </a:r>
+          </a:p>
+          <a:p>
             <a:pPr marL="457200" lvl="0" indent="-342900" algn="l" rtl="0">
               <a:spcBef>
                 <a:spcPts val="0"/>
@@ -5962,34 +7622,6 @@
               <a:spcAft>
                 <a:spcPts val="0"/>
               </a:spcAft>
-              <a:buSzPts val="1800"/>
-              <a:buChar char="●"/>
-            </a:pPr>
-            <a:r>
-              <a:rPr lang="en" sz="2800" dirty="0">
-                <a:solidFill>
-                  <a:schemeClr val="tx1"/>
-                </a:solidFill>
-              </a:rPr>
-              <a:t>Teaching feedback</a:t>
-            </a:r>
-          </a:p>
-          <a:p>
-            <a:pPr lvl="1" indent="-342900">
-              <a:buSzPts val="1800"/>
-              <a:buChar char="●"/>
-            </a:pPr>
-            <a:r>
-              <a:rPr lang="en-US" sz="2400" dirty="0">
-                <a:solidFill>
-                  <a:schemeClr val="tx1"/>
-                </a:solidFill>
-              </a:rPr>
-              <a:t>More examples</a:t>
-            </a:r>
-          </a:p>
-          <a:p>
-            <a:pPr lvl="1" indent="-342900">
               <a:buSzPts val="1800"/>
               <a:buChar char="●"/>
             </a:pPr>
@@ -5997,64 +7629,7 @@
               <a:solidFill>
                 <a:schemeClr val="tx1"/>
               </a:solidFill>
-            </a:endParaRPr>
-          </a:p>
-          <a:p>
-            <a:pPr lvl="1" indent="-342900">
-              <a:buSzPts val="1800"/>
-              <a:buChar char="●"/>
-            </a:pPr>
-            <a:r>
-              <a:rPr lang="en-US" sz="2400" dirty="0">
-                <a:solidFill>
-                  <a:schemeClr val="tx1"/>
-                </a:solidFill>
-              </a:rPr>
-              <a:t>Going slower on slides</a:t>
-            </a:r>
-          </a:p>
-          <a:p>
-            <a:pPr lvl="1" indent="-342900">
-              <a:buSzPts val="1800"/>
-              <a:buChar char="●"/>
-            </a:pPr>
-            <a:endParaRPr lang="en-US" sz="2400" dirty="0">
-              <a:solidFill>
-                <a:schemeClr val="tx1"/>
-              </a:solidFill>
-            </a:endParaRPr>
-          </a:p>
-          <a:p>
-            <a:pPr lvl="1" indent="-342900">
-              <a:buSzPts val="1800"/>
-              <a:buChar char="●"/>
-            </a:pPr>
-            <a:endParaRPr lang="en-US" sz="2400" dirty="0">
-              <a:solidFill>
-                <a:schemeClr val="tx1"/>
-              </a:solidFill>
-            </a:endParaRPr>
-          </a:p>
-          <a:p>
-            <a:pPr lvl="1" indent="-342900">
-              <a:buSzPts val="1800"/>
-              <a:buChar char="●"/>
-            </a:pPr>
-            <a:endParaRPr lang="en-US" sz="2400" dirty="0">
-              <a:solidFill>
-                <a:schemeClr val="tx1"/>
-              </a:solidFill>
-            </a:endParaRPr>
-          </a:p>
-          <a:p>
-            <a:pPr lvl="1" indent="-342900">
-              <a:buSzPts val="1800"/>
-              <a:buChar char="●"/>
-            </a:pPr>
-            <a:endParaRPr sz="2400" dirty="0">
-              <a:solidFill>
-                <a:schemeClr val="tx1"/>
-              </a:solidFill>
+              <a:latin typeface="Helvetica Neue" panose="02000503000000020004" pitchFamily="2" charset="0"/>
             </a:endParaRPr>
           </a:p>
         </p:txBody>
@@ -6104,7 +7679,7 @@
     </p:spTree>
     <p:extLst>
       <p:ext uri="{BB962C8B-B14F-4D97-AF65-F5344CB8AC3E}">
-        <p14:creationId xmlns:p14="http://schemas.microsoft.com/office/powerpoint/2010/main" val="635951652"/>
+        <p14:creationId xmlns:p14="http://schemas.microsoft.com/office/powerpoint/2010/main" val="35571549"/>
       </p:ext>
     </p:extLst>
   </p:cSld>
@@ -6156,30 +7731,140 @@
           </a:bodyPr>
           <a:lstStyle/>
           <a:p>
-            <a:r>
-              <a:rPr lang="en" sz="2800" dirty="0">
-                <a:solidFill>
-                  <a:schemeClr val="tx1"/>
-                </a:solidFill>
-              </a:rPr>
-              <a:t>More about the course objectives: </a:t>
-            </a:r>
-            <a:r>
-              <a:rPr lang="en" b="1" dirty="0">
-                <a:solidFill>
-                  <a:schemeClr val="tx1"/>
-                </a:solidFill>
-              </a:rPr>
-              <a:t>Introduction</a:t>
-            </a:r>
-            <a:br>
-              <a:rPr lang="en" sz="2800" dirty="0">
-                <a:solidFill>
-                  <a:schemeClr val="tx1"/>
-                </a:solidFill>
-              </a:rPr>
-            </a:br>
+            <a:pPr marL="0" lvl="0" indent="0" algn="l" rtl="0">
+              <a:spcBef>
+                <a:spcPts val="0"/>
+              </a:spcBef>
+              <a:spcAft>
+                <a:spcPts val="0"/>
+              </a:spcAft>
+              <a:buNone/>
+            </a:pPr>
+            <a:r>
+              <a:rPr lang="en" dirty="0"/>
+              <a:t>Properties</a:t>
+            </a:r>
             <a:endParaRPr dirty="0"/>
+          </a:p>
+        </p:txBody>
+      </p:sp>
+      <p:sp>
+        <p:nvSpPr>
+          <p:cNvPr id="80" name="Google Shape;80;p18"/>
+          <p:cNvSpPr txBox="1">
+            <a:spLocks noGrp="1"/>
+          </p:cNvSpPr>
+          <p:nvPr>
+            <p:ph type="body" idx="1"/>
+          </p:nvPr>
+        </p:nvSpPr>
+        <p:spPr>
+          <a:xfrm>
+            <a:off x="198500" y="1246825"/>
+            <a:ext cx="8520600" cy="3765600"/>
+          </a:xfrm>
+          <a:prstGeom prst="rect">
+            <a:avLst/>
+          </a:prstGeom>
+        </p:spPr>
+        <p:txBody>
+          <a:bodyPr spcFirstLastPara="1" wrap="square" lIns="91425" tIns="91425" rIns="91425" bIns="91425" anchor="t" anchorCtr="0">
+            <a:normAutofit lnSpcReduction="10000"/>
+          </a:bodyPr>
+          <a:lstStyle/>
+          <a:p>
+            <a:pPr eaLnBrk="1" hangingPunct="1">
+              <a:lnSpc>
+                <a:spcPct val="114000"/>
+              </a:lnSpc>
+            </a:pPr>
+            <a:r>
+              <a:rPr lang="en-US" altLang="en-US" sz="2800" b="1" dirty="0"/>
+              <a:t>Integrity</a:t>
+            </a:r>
+            <a:r>
+              <a:rPr lang="en-US" altLang="en-US" sz="2800" dirty="0"/>
+              <a:t>: prevent unauthorized or improper changes, is directly related to trustworthiness of data and sources</a:t>
+            </a:r>
+          </a:p>
+          <a:p>
+            <a:pPr lvl="1" eaLnBrk="1" hangingPunct="1">
+              <a:lnSpc>
+                <a:spcPct val="114000"/>
+              </a:lnSpc>
+            </a:pPr>
+            <a:r>
+              <a:rPr lang="en-US" altLang="en-US" sz="2400" dirty="0"/>
+              <a:t>Include data integrity and origin integrity (has impact on trust), therefore, related to credibility</a:t>
+            </a:r>
+          </a:p>
+          <a:p>
+            <a:pPr lvl="1" eaLnBrk="1" hangingPunct="1">
+              <a:lnSpc>
+                <a:spcPct val="114000"/>
+              </a:lnSpc>
+            </a:pPr>
+            <a:r>
+              <a:rPr lang="en-US" altLang="en-US" sz="2400" dirty="0"/>
+              <a:t>Prevention: </a:t>
+            </a:r>
+          </a:p>
+          <a:p>
+            <a:pPr lvl="2" eaLnBrk="1" hangingPunct="1">
+              <a:lnSpc>
+                <a:spcPct val="114000"/>
+              </a:lnSpc>
+            </a:pPr>
+            <a:r>
+              <a:rPr lang="en-US" altLang="en-US" dirty="0"/>
+              <a:t>prevent unauthorized changes </a:t>
+            </a:r>
+          </a:p>
+          <a:p>
+            <a:pPr lvl="2" eaLnBrk="1" hangingPunct="1">
+              <a:lnSpc>
+                <a:spcPct val="114000"/>
+              </a:lnSpc>
+            </a:pPr>
+            <a:r>
+              <a:rPr lang="en-US" altLang="en-US" dirty="0"/>
+              <a:t>changes in unauthorized ways</a:t>
+            </a:r>
+          </a:p>
+          <a:p>
+            <a:pPr lvl="1" eaLnBrk="1" hangingPunct="1">
+              <a:lnSpc>
+                <a:spcPct val="114000"/>
+              </a:lnSpc>
+            </a:pPr>
+            <a:r>
+              <a:rPr lang="en-US" altLang="en-US" sz="2400" dirty="0"/>
+              <a:t>Detection</a:t>
+            </a:r>
+          </a:p>
+          <a:p>
+            <a:pPr lvl="2" eaLnBrk="1" hangingPunct="1">
+              <a:lnSpc>
+                <a:spcPct val="114000"/>
+              </a:lnSpc>
+            </a:pPr>
+            <a:r>
+              <a:rPr lang="en-US" altLang="en-US" dirty="0"/>
+              <a:t>Report integrity violation (confine dirty data??)</a:t>
+            </a:r>
+          </a:p>
+          <a:p>
+            <a:pPr lvl="1" eaLnBrk="1" hangingPunct="1">
+              <a:lnSpc>
+                <a:spcPct val="114000"/>
+              </a:lnSpc>
+            </a:pPr>
+            <a:endParaRPr lang="en-US" sz="2400" dirty="0">
+              <a:solidFill>
+                <a:schemeClr val="tx1"/>
+              </a:solidFill>
+              <a:latin typeface="Helvetica Neue" panose="02000503000000020004" pitchFamily="2" charset="0"/>
+            </a:endParaRPr>
           </a:p>
         </p:txBody>
       </p:sp>
@@ -6225,1373 +7910,869 @@
           </a:p>
         </p:txBody>
       </p:sp>
+    </p:spTree>
+    <p:extLst>
+      <p:ext uri="{BB962C8B-B14F-4D97-AF65-F5344CB8AC3E}">
+        <p14:creationId xmlns:p14="http://schemas.microsoft.com/office/powerpoint/2010/main" val="967297866"/>
+      </p:ext>
+    </p:extLst>
+  </p:cSld>
+  <p:clrMapOvr>
+    <a:masterClrMapping/>
+  </p:clrMapOvr>
+</p:sld>
+</file>
+
+<file path=ppt/slides/slide6.xml><?xml version="1.0" encoding="utf-8"?>
+<p:sld xmlns:a="http://schemas.openxmlformats.org/drawingml/2006/main" xmlns:r="http://schemas.openxmlformats.org/officeDocument/2006/relationships" xmlns:p="http://schemas.openxmlformats.org/presentationml/2006/main">
+  <p:cSld>
+    <p:spTree>
+      <p:nvGrpSpPr>
+        <p:cNvPr id="1" name="Shape 78"/>
+        <p:cNvGrpSpPr/>
+        <p:nvPr/>
+      </p:nvGrpSpPr>
+      <p:grpSpPr>
+        <a:xfrm>
+          <a:off x="0" y="0"/>
+          <a:ext cx="0" cy="0"/>
+          <a:chOff x="0" y="0"/>
+          <a:chExt cx="0" cy="0"/>
+        </a:xfrm>
+      </p:grpSpPr>
       <p:sp>
         <p:nvSpPr>
-          <p:cNvPr id="4" name="Google Shape;121;p23">
-            <a:extLst>
-              <a:ext uri="{FF2B5EF4-FFF2-40B4-BE49-F238E27FC236}">
-                <a16:creationId xmlns:a16="http://schemas.microsoft.com/office/drawing/2014/main" id="{377FD806-E52B-6459-057E-04974BB8A7CB}"/>
-              </a:ext>
-            </a:extLst>
-          </p:cNvPr>
-          <p:cNvSpPr/>
-          <p:nvPr/>
+          <p:cNvPr id="79" name="Google Shape;79;p18"/>
+          <p:cNvSpPr txBox="1">
+            <a:spLocks noGrp="1"/>
+          </p:cNvSpPr>
+          <p:nvPr>
+            <p:ph type="title"/>
+          </p:nvPr>
         </p:nvSpPr>
         <p:spPr>
           <a:xfrm>
-            <a:off x="0" y="1164566"/>
-            <a:ext cx="9086526" cy="951963"/>
+            <a:off x="102700" y="270875"/>
+            <a:ext cx="8520600" cy="572700"/>
           </a:xfrm>
           <a:prstGeom prst="rect">
             <a:avLst/>
           </a:prstGeom>
-          <a:noFill/>
-          <a:ln w="19050" cap="flat" cmpd="sng">
-            <a:solidFill>
-              <a:schemeClr val="dk1"/>
-            </a:solidFill>
-            <a:prstDash val="solid"/>
-            <a:round/>
-            <a:headEnd type="none" w="sm" len="sm"/>
-            <a:tailEnd type="none" w="sm" len="sm"/>
-          </a:ln>
         </p:spPr>
         <p:txBody>
-          <a:bodyPr spcFirstLastPara="1" wrap="square" lIns="91425" tIns="91425" rIns="91425" bIns="91425" anchor="ctr" anchorCtr="0">
-            <a:noAutofit/>
+          <a:bodyPr spcFirstLastPara="1" wrap="square" lIns="91425" tIns="91425" rIns="91425" bIns="91425" anchor="t" anchorCtr="0">
+            <a:normAutofit fontScale="90000"/>
           </a:bodyPr>
           <a:lstStyle/>
           <a:p>
-            <a:pPr marL="0" lvl="0" indent="0" rtl="0">
-              <a:spcBef>
-                <a:spcPts val="0"/>
-              </a:spcBef>
-              <a:spcAft>
-                <a:spcPts val="0"/>
-              </a:spcAft>
-              <a:buNone/>
-            </a:pPr>
-            <a:endParaRPr lang="en" sz="2400" b="1" i="1" dirty="0"/>
-          </a:p>
-          <a:p>
-            <a:pPr marL="342900" lvl="0" indent="-342900" rtl="0">
-              <a:lnSpc>
-                <a:spcPct val="150000"/>
-              </a:lnSpc>
-              <a:spcBef>
-                <a:spcPts val="0"/>
-              </a:spcBef>
-              <a:spcAft>
-                <a:spcPts val="0"/>
-              </a:spcAft>
-              <a:buFont typeface="Arial" panose="020B0604020202020204" pitchFamily="34" charset="0"/>
-              <a:buChar char="•"/>
-            </a:pPr>
-            <a:endParaRPr lang="en" sz="2000" i="1" dirty="0"/>
+            <a:pPr marL="0" lvl="0" indent="0" algn="l" rtl="0">
+              <a:spcBef>
+                <a:spcPts val="0"/>
+              </a:spcBef>
+              <a:spcAft>
+                <a:spcPts val="0"/>
+              </a:spcAft>
+              <a:buNone/>
+            </a:pPr>
+            <a:r>
+              <a:rPr lang="en" dirty="0"/>
+              <a:t>Properties</a:t>
+            </a:r>
+            <a:endParaRPr dirty="0"/>
           </a:p>
         </p:txBody>
       </p:sp>
       <p:sp>
         <p:nvSpPr>
-          <p:cNvPr id="29" name="TextBox 28">
-            <a:extLst>
-              <a:ext uri="{FF2B5EF4-FFF2-40B4-BE49-F238E27FC236}">
-                <a16:creationId xmlns:a16="http://schemas.microsoft.com/office/drawing/2014/main" id="{57868CA0-6345-2A98-6BDA-491CAC0802E8}"/>
-              </a:ext>
-            </a:extLst>
-          </p:cNvPr>
-          <p:cNvSpPr txBox="1"/>
-          <p:nvPr/>
+          <p:cNvPr id="80" name="Google Shape;80;p18"/>
+          <p:cNvSpPr txBox="1">
+            <a:spLocks noGrp="1"/>
+          </p:cNvSpPr>
+          <p:nvPr>
+            <p:ph type="body" idx="1"/>
+          </p:nvPr>
         </p:nvSpPr>
         <p:spPr>
           <a:xfrm>
-            <a:off x="6224728" y="3434872"/>
-            <a:ext cx="1094756" cy="738664"/>
+            <a:off x="198500" y="1246825"/>
+            <a:ext cx="8520600" cy="3765600"/>
           </a:xfrm>
           <a:prstGeom prst="rect">
             <a:avLst/>
           </a:prstGeom>
-          <a:noFill/>
         </p:spPr>
         <p:txBody>
-          <a:bodyPr wrap="square" rtlCol="0">
-            <a:spAutoFit/>
+          <a:bodyPr spcFirstLastPara="1" wrap="square" lIns="91425" tIns="91425" rIns="91425" bIns="91425" anchor="t" anchorCtr="0">
+            <a:normAutofit/>
           </a:bodyPr>
           <a:lstStyle/>
           <a:p>
-            <a:pPr algn="ctr"/>
-            <a:r>
-              <a:rPr lang="en-US" dirty="0">
-                <a:effectLst/>
-                <a:latin typeface="+mn-lt"/>
-              </a:rPr>
-              <a:t>ITIS 5250 Computer Forensics</a:t>
-            </a:r>
+            <a:pPr eaLnBrk="1" hangingPunct="1">
+              <a:lnSpc>
+                <a:spcPct val="114000"/>
+              </a:lnSpc>
+            </a:pPr>
+            <a:r>
+              <a:rPr lang="en-US" altLang="en-US" sz="2800" b="1" dirty="0"/>
+              <a:t>Availability</a:t>
+            </a:r>
+            <a:r>
+              <a:rPr lang="en-US" altLang="en-US" sz="2800" dirty="0"/>
+              <a:t>: ability to use the data or resources</a:t>
+            </a:r>
+          </a:p>
+          <a:p>
+            <a:pPr lvl="1" eaLnBrk="1" hangingPunct="1">
+              <a:lnSpc>
+                <a:spcPct val="114000"/>
+              </a:lnSpc>
+            </a:pPr>
+            <a:r>
+              <a:rPr lang="en-US" altLang="en-US" sz="2400" dirty="0"/>
+              <a:t>Example of highway</a:t>
+            </a:r>
+          </a:p>
+          <a:p>
+            <a:pPr lvl="1" eaLnBrk="1" hangingPunct="1">
+              <a:lnSpc>
+                <a:spcPct val="114000"/>
+              </a:lnSpc>
+            </a:pPr>
+            <a:r>
+              <a:rPr lang="en-US" altLang="en-US" sz="2400" dirty="0"/>
+              <a:t>DoS or DDoS attacks </a:t>
+            </a:r>
+          </a:p>
+          <a:p>
+            <a:pPr lvl="1" eaLnBrk="1" hangingPunct="1">
+              <a:lnSpc>
+                <a:spcPct val="114000"/>
+              </a:lnSpc>
+            </a:pPr>
+            <a:r>
+              <a:rPr lang="en-US" altLang="en-US" sz="2400" dirty="0"/>
+              <a:t>Very difficult to detect</a:t>
+            </a:r>
+          </a:p>
+          <a:p>
+            <a:pPr lvl="2" eaLnBrk="1" hangingPunct="1">
+              <a:lnSpc>
+                <a:spcPct val="114000"/>
+              </a:lnSpc>
+            </a:pPr>
+            <a:r>
+              <a:rPr lang="en-US" altLang="en-US" dirty="0"/>
+              <a:t>Is it attack or we are unlucky today</a:t>
+            </a:r>
+          </a:p>
+          <a:p>
+            <a:pPr lvl="2" eaLnBrk="1" hangingPunct="1">
+              <a:lnSpc>
+                <a:spcPct val="114000"/>
+              </a:lnSpc>
+            </a:pPr>
+            <a:r>
+              <a:rPr lang="en-US" altLang="en-US" dirty="0"/>
+              <a:t>Attacker will mess with the security methods as well (packet tracing) </a:t>
+            </a:r>
+          </a:p>
+          <a:p>
+            <a:pPr marL="457200" lvl="0" indent="-342900" algn="l" rtl="0">
+              <a:lnSpc>
+                <a:spcPct val="114000"/>
+              </a:lnSpc>
+              <a:spcBef>
+                <a:spcPts val="0"/>
+              </a:spcBef>
+              <a:spcAft>
+                <a:spcPts val="0"/>
+              </a:spcAft>
+              <a:buSzPts val="1800"/>
+              <a:buChar char="●"/>
+            </a:pPr>
+            <a:endParaRPr lang="en-US" sz="2400" dirty="0">
+              <a:solidFill>
+                <a:schemeClr val="tx1"/>
+              </a:solidFill>
+              <a:latin typeface="Helvetica Neue" panose="02000503000000020004" pitchFamily="2" charset="0"/>
+            </a:endParaRPr>
           </a:p>
         </p:txBody>
       </p:sp>
       <p:sp>
         <p:nvSpPr>
-          <p:cNvPr id="31" name="TextBox 30">
-            <a:extLst>
-              <a:ext uri="{FF2B5EF4-FFF2-40B4-BE49-F238E27FC236}">
-                <a16:creationId xmlns:a16="http://schemas.microsoft.com/office/drawing/2014/main" id="{1F71D78B-8F2D-79CB-E016-3A3026FE057B}"/>
-              </a:ext>
-            </a:extLst>
-          </p:cNvPr>
-          <p:cNvSpPr txBox="1"/>
-          <p:nvPr/>
+          <p:cNvPr id="81" name="Google Shape;81;p18"/>
+          <p:cNvSpPr txBox="1">
+            <a:spLocks noGrp="1"/>
+          </p:cNvSpPr>
+          <p:nvPr>
+            <p:ph type="sldNum" idx="12"/>
+          </p:nvPr>
         </p:nvSpPr>
         <p:spPr>
           <a:xfrm>
-            <a:off x="4230791" y="2167544"/>
-            <a:ext cx="1539647" cy="523220"/>
+            <a:off x="8472458" y="4663217"/>
+            <a:ext cx="548700" cy="393600"/>
           </a:xfrm>
           <a:prstGeom prst="rect">
             <a:avLst/>
           </a:prstGeom>
-          <a:noFill/>
-        </p:spPr>
-        <p:txBody>
-          <a:bodyPr wrap="square" rtlCol="0">
-            <a:spAutoFit/>
-          </a:bodyPr>
-          <a:lstStyle/>
-          <a:p>
-            <a:pPr algn="ctr"/>
-            <a:r>
-              <a:rPr lang="en-US" dirty="0">
-                <a:latin typeface="+mn-lt"/>
-              </a:rPr>
-              <a:t>ITIS 6167 Network Security</a:t>
-            </a:r>
-          </a:p>
-        </p:txBody>
-      </p:sp>
-      <p:sp>
-        <p:nvSpPr>
-          <p:cNvPr id="32" name="TextBox 31">
-            <a:extLst>
-              <a:ext uri="{FF2B5EF4-FFF2-40B4-BE49-F238E27FC236}">
-                <a16:creationId xmlns:a16="http://schemas.microsoft.com/office/drawing/2014/main" id="{93C81E7A-4445-02A1-6097-EC331CF007AB}"/>
-              </a:ext>
-            </a:extLst>
-          </p:cNvPr>
-          <p:cNvSpPr txBox="1"/>
-          <p:nvPr/>
-        </p:nvSpPr>
-        <p:spPr>
-          <a:xfrm>
-            <a:off x="0" y="2299088"/>
-            <a:ext cx="1439476" cy="738664"/>
-          </a:xfrm>
-          <a:prstGeom prst="rect">
-            <a:avLst/>
-          </a:prstGeom>
-          <a:noFill/>
-        </p:spPr>
-        <p:txBody>
-          <a:bodyPr wrap="square" rtlCol="0">
-            <a:spAutoFit/>
-          </a:bodyPr>
-          <a:lstStyle/>
-          <a:p>
-            <a:pPr algn="ctr"/>
-            <a:r>
-              <a:rPr lang="en-US" dirty="0">
-                <a:latin typeface="+mn-lt"/>
-              </a:rPr>
-              <a:t>ITIS 6240 </a:t>
-            </a:r>
-          </a:p>
-          <a:p>
-            <a:pPr algn="ctr"/>
-            <a:r>
-              <a:rPr lang="en-US" dirty="0">
-                <a:latin typeface="+mn-lt"/>
-              </a:rPr>
-              <a:t>Applied Cryptography</a:t>
-            </a:r>
-          </a:p>
-        </p:txBody>
-      </p:sp>
-      <p:sp>
-        <p:nvSpPr>
-          <p:cNvPr id="33" name="TextBox 32">
-            <a:extLst>
-              <a:ext uri="{FF2B5EF4-FFF2-40B4-BE49-F238E27FC236}">
-                <a16:creationId xmlns:a16="http://schemas.microsoft.com/office/drawing/2014/main" id="{4FF2E705-8B99-4C78-63EE-796F7B7A5942}"/>
-              </a:ext>
-            </a:extLst>
-          </p:cNvPr>
-          <p:cNvSpPr txBox="1"/>
-          <p:nvPr/>
-        </p:nvSpPr>
-        <p:spPr>
-          <a:xfrm>
-            <a:off x="4266622" y="3571241"/>
-            <a:ext cx="1511213" cy="954107"/>
-          </a:xfrm>
-          <a:prstGeom prst="rect">
-            <a:avLst/>
-          </a:prstGeom>
-          <a:noFill/>
-        </p:spPr>
-        <p:txBody>
-          <a:bodyPr wrap="square" rtlCol="0">
-            <a:spAutoFit/>
-          </a:bodyPr>
-          <a:lstStyle/>
-          <a:p>
-            <a:pPr algn="ctr"/>
-            <a:r>
-              <a:rPr lang="en-US" dirty="0">
-                <a:latin typeface="+mn-lt"/>
-              </a:rPr>
-              <a:t>ITIS 6166 Computer Communication and Networks</a:t>
-            </a:r>
-          </a:p>
-        </p:txBody>
-      </p:sp>
-      <p:sp>
-        <p:nvSpPr>
-          <p:cNvPr id="34" name="TextBox 33">
-            <a:extLst>
-              <a:ext uri="{FF2B5EF4-FFF2-40B4-BE49-F238E27FC236}">
-                <a16:creationId xmlns:a16="http://schemas.microsoft.com/office/drawing/2014/main" id="{E8D4CA34-A8CD-D49F-E754-60FF4886BA52}"/>
-              </a:ext>
-            </a:extLst>
-          </p:cNvPr>
-          <p:cNvSpPr txBox="1"/>
-          <p:nvPr/>
-        </p:nvSpPr>
-        <p:spPr>
-          <a:xfrm>
-            <a:off x="6140912" y="2190925"/>
-            <a:ext cx="1297396" cy="1169551"/>
-          </a:xfrm>
-          <a:prstGeom prst="rect">
-            <a:avLst/>
-          </a:prstGeom>
-          <a:noFill/>
-        </p:spPr>
-        <p:txBody>
-          <a:bodyPr wrap="square" rtlCol="0">
-            <a:spAutoFit/>
-          </a:bodyPr>
-          <a:lstStyle/>
-          <a:p>
-            <a:pPr algn="ctr"/>
-            <a:r>
-              <a:rPr lang="en-US" dirty="0">
-                <a:latin typeface="+mn-lt"/>
-              </a:rPr>
-              <a:t>ITIS 6230 Enterprise and Infrastructure Protection</a:t>
-            </a:r>
-          </a:p>
-        </p:txBody>
-      </p:sp>
-      <p:sp>
-        <p:nvSpPr>
-          <p:cNvPr id="37" name="TextBox 36">
-            <a:extLst>
-              <a:ext uri="{FF2B5EF4-FFF2-40B4-BE49-F238E27FC236}">
-                <a16:creationId xmlns:a16="http://schemas.microsoft.com/office/drawing/2014/main" id="{204F8D85-E95B-9094-80D5-8A10BBA8957D}"/>
-              </a:ext>
-            </a:extLst>
-          </p:cNvPr>
-          <p:cNvSpPr txBox="1"/>
-          <p:nvPr/>
-        </p:nvSpPr>
-        <p:spPr>
-          <a:xfrm>
-            <a:off x="163082" y="1640547"/>
-            <a:ext cx="1105001" cy="400110"/>
-          </a:xfrm>
-          <a:prstGeom prst="rect">
-            <a:avLst/>
-          </a:prstGeom>
-          <a:noFill/>
-          <a:ln>
-            <a:solidFill>
-              <a:schemeClr val="dk1"/>
-            </a:solidFill>
-          </a:ln>
-        </p:spPr>
-        <p:txBody>
-          <a:bodyPr wrap="square" rtlCol="0">
-            <a:spAutoFit/>
-          </a:bodyPr>
-          <a:lstStyle/>
-          <a:p>
-            <a:pPr algn="ctr"/>
-            <a:r>
-              <a:rPr lang="en-US" sz="2000" dirty="0">
-                <a:latin typeface="+mn-lt"/>
-              </a:rPr>
-              <a:t>Crypto</a:t>
-            </a:r>
-            <a:endParaRPr lang="en-US" sz="2000" dirty="0">
-              <a:effectLst/>
-              <a:latin typeface="+mn-lt"/>
-            </a:endParaRPr>
-          </a:p>
-        </p:txBody>
-      </p:sp>
-      <p:sp>
-        <p:nvSpPr>
-          <p:cNvPr id="39" name="TextBox 38">
-            <a:extLst>
-              <a:ext uri="{FF2B5EF4-FFF2-40B4-BE49-F238E27FC236}">
-                <a16:creationId xmlns:a16="http://schemas.microsoft.com/office/drawing/2014/main" id="{3C281E58-4EAA-EAA3-278F-B553FA5E50B6}"/>
-              </a:ext>
-            </a:extLst>
-          </p:cNvPr>
-          <p:cNvSpPr txBox="1"/>
-          <p:nvPr/>
-        </p:nvSpPr>
-        <p:spPr>
-          <a:xfrm>
-            <a:off x="1635890" y="1350068"/>
-            <a:ext cx="1023252" cy="707886"/>
-          </a:xfrm>
-          <a:prstGeom prst="rect">
-            <a:avLst/>
-          </a:prstGeom>
-          <a:noFill/>
-          <a:ln>
-            <a:solidFill>
-              <a:schemeClr val="dk1"/>
-            </a:solidFill>
-          </a:ln>
-        </p:spPr>
-        <p:txBody>
-          <a:bodyPr wrap="square">
-            <a:spAutoFit/>
-          </a:bodyPr>
-          <a:lstStyle/>
-          <a:p>
-            <a:pPr lvl="0" algn="ctr" rtl="0">
-              <a:spcBef>
-                <a:spcPts val="0"/>
-              </a:spcBef>
-              <a:spcAft>
-                <a:spcPts val="0"/>
-              </a:spcAft>
-            </a:pPr>
-            <a:r>
-              <a:rPr lang="en" sz="2000" i="1" dirty="0"/>
-              <a:t>Access control</a:t>
-            </a:r>
-          </a:p>
-        </p:txBody>
-      </p:sp>
-      <p:sp>
-        <p:nvSpPr>
-          <p:cNvPr id="41" name="TextBox 40">
-            <a:extLst>
-              <a:ext uri="{FF2B5EF4-FFF2-40B4-BE49-F238E27FC236}">
-                <a16:creationId xmlns:a16="http://schemas.microsoft.com/office/drawing/2014/main" id="{96A5AACA-BB8E-1CC6-84A4-D9F2458F20AB}"/>
-              </a:ext>
-            </a:extLst>
-          </p:cNvPr>
-          <p:cNvSpPr txBox="1"/>
-          <p:nvPr/>
-        </p:nvSpPr>
-        <p:spPr>
-          <a:xfrm>
-            <a:off x="2945740" y="1350068"/>
-            <a:ext cx="1091870" cy="707886"/>
-          </a:xfrm>
-          <a:prstGeom prst="rect">
-            <a:avLst/>
-          </a:prstGeom>
-          <a:noFill/>
-          <a:ln>
-            <a:solidFill>
-              <a:schemeClr val="dk1"/>
-            </a:solidFill>
-          </a:ln>
-        </p:spPr>
-        <p:txBody>
-          <a:bodyPr wrap="square">
-            <a:spAutoFit/>
-          </a:bodyPr>
-          <a:lstStyle/>
-          <a:p>
-            <a:pPr lvl="0" algn="ctr" rtl="0">
-              <a:spcBef>
-                <a:spcPts val="0"/>
-              </a:spcBef>
-              <a:spcAft>
-                <a:spcPts val="0"/>
-              </a:spcAft>
-            </a:pPr>
-            <a:r>
-              <a:rPr lang="en" sz="2000" i="1" dirty="0"/>
-              <a:t>Web </a:t>
-            </a:r>
-          </a:p>
-          <a:p>
-            <a:pPr lvl="0" algn="ctr" rtl="0">
-              <a:spcBef>
-                <a:spcPts val="0"/>
-              </a:spcBef>
-              <a:spcAft>
-                <a:spcPts val="0"/>
-              </a:spcAft>
-            </a:pPr>
-            <a:r>
-              <a:rPr lang="en" sz="2000" i="1" dirty="0"/>
-              <a:t>security</a:t>
-            </a:r>
-          </a:p>
-        </p:txBody>
-      </p:sp>
-      <p:sp>
-        <p:nvSpPr>
-          <p:cNvPr id="43" name="TextBox 42">
-            <a:extLst>
-              <a:ext uri="{FF2B5EF4-FFF2-40B4-BE49-F238E27FC236}">
-                <a16:creationId xmlns:a16="http://schemas.microsoft.com/office/drawing/2014/main" id="{995AE475-AF02-FADF-B450-6BBAD86BB1F7}"/>
-              </a:ext>
-            </a:extLst>
-          </p:cNvPr>
-          <p:cNvSpPr txBox="1"/>
-          <p:nvPr/>
-        </p:nvSpPr>
-        <p:spPr>
-          <a:xfrm>
-            <a:off x="4481438" y="1341294"/>
-            <a:ext cx="1134985" cy="707886"/>
-          </a:xfrm>
-          <a:prstGeom prst="rect">
-            <a:avLst/>
-          </a:prstGeom>
-          <a:noFill/>
-          <a:ln>
-            <a:solidFill>
-              <a:schemeClr val="dk1"/>
-            </a:solidFill>
-          </a:ln>
-        </p:spPr>
-        <p:txBody>
-          <a:bodyPr wrap="square">
-            <a:spAutoFit/>
-          </a:bodyPr>
-          <a:lstStyle/>
-          <a:p>
-            <a:pPr lvl="0" algn="ctr" rtl="0">
-              <a:spcBef>
-                <a:spcPts val="0"/>
-              </a:spcBef>
-              <a:spcAft>
-                <a:spcPts val="0"/>
-              </a:spcAft>
-            </a:pPr>
-            <a:r>
-              <a:rPr lang="en" sz="2000" i="1" dirty="0"/>
-              <a:t>Network security</a:t>
-            </a:r>
-          </a:p>
-        </p:txBody>
-      </p:sp>
-      <p:sp>
-        <p:nvSpPr>
-          <p:cNvPr id="45" name="TextBox 44">
-            <a:extLst>
-              <a:ext uri="{FF2B5EF4-FFF2-40B4-BE49-F238E27FC236}">
-                <a16:creationId xmlns:a16="http://schemas.microsoft.com/office/drawing/2014/main" id="{8BEC3733-A0B8-9424-D2A3-0E95CDC9E488}"/>
-              </a:ext>
-            </a:extLst>
-          </p:cNvPr>
-          <p:cNvSpPr txBox="1"/>
-          <p:nvPr/>
-        </p:nvSpPr>
-        <p:spPr>
-          <a:xfrm>
-            <a:off x="6211616" y="1350460"/>
-            <a:ext cx="1107868" cy="707886"/>
-          </a:xfrm>
-          <a:prstGeom prst="rect">
-            <a:avLst/>
-          </a:prstGeom>
-          <a:noFill/>
-          <a:ln>
-            <a:solidFill>
-              <a:schemeClr val="dk1"/>
-            </a:solidFill>
-          </a:ln>
-        </p:spPr>
-        <p:txBody>
-          <a:bodyPr wrap="square">
-            <a:spAutoFit/>
-          </a:bodyPr>
-          <a:lstStyle/>
-          <a:p>
-            <a:pPr lvl="0" algn="ctr" rtl="0">
-              <a:spcBef>
-                <a:spcPts val="0"/>
-              </a:spcBef>
-              <a:spcAft>
-                <a:spcPts val="0"/>
-              </a:spcAft>
-            </a:pPr>
-            <a:r>
-              <a:rPr lang="en" sz="2000" i="1" dirty="0"/>
-              <a:t>System security</a:t>
-            </a:r>
-          </a:p>
-        </p:txBody>
-      </p:sp>
-      <p:sp>
-        <p:nvSpPr>
-          <p:cNvPr id="47" name="TextBox 46">
-            <a:extLst>
-              <a:ext uri="{FF2B5EF4-FFF2-40B4-BE49-F238E27FC236}">
-                <a16:creationId xmlns:a16="http://schemas.microsoft.com/office/drawing/2014/main" id="{9CBA0E03-4158-6638-FF58-46CCD90887BD}"/>
-              </a:ext>
-            </a:extLst>
-          </p:cNvPr>
-          <p:cNvSpPr txBox="1"/>
-          <p:nvPr/>
-        </p:nvSpPr>
-        <p:spPr>
-          <a:xfrm>
-            <a:off x="10479" y="1114785"/>
-            <a:ext cx="1854725" cy="461665"/>
-          </a:xfrm>
-          <a:prstGeom prst="rect">
-            <a:avLst/>
-          </a:prstGeom>
-          <a:noFill/>
-        </p:spPr>
-        <p:txBody>
-          <a:bodyPr wrap="square">
-            <a:spAutoFit/>
-          </a:bodyPr>
-          <a:lstStyle/>
-          <a:p>
-            <a:pPr marL="0" lvl="0" indent="0" rtl="0">
-              <a:spcBef>
-                <a:spcPts val="0"/>
-              </a:spcBef>
-              <a:spcAft>
-                <a:spcPts val="0"/>
-              </a:spcAft>
-              <a:buNone/>
-            </a:pPr>
-            <a:r>
-              <a:rPr lang="en" sz="2400" b="1" i="1" dirty="0"/>
-              <a:t>ITIS 6200</a:t>
-            </a:r>
-          </a:p>
-        </p:txBody>
-      </p:sp>
-      <p:sp>
-        <p:nvSpPr>
-          <p:cNvPr id="54" name="TextBox 53">
-            <a:extLst>
-              <a:ext uri="{FF2B5EF4-FFF2-40B4-BE49-F238E27FC236}">
-                <a16:creationId xmlns:a16="http://schemas.microsoft.com/office/drawing/2014/main" id="{EB840578-37E4-0D54-79E8-47D3AEACB874}"/>
-              </a:ext>
-            </a:extLst>
-          </p:cNvPr>
-          <p:cNvSpPr txBox="1"/>
-          <p:nvPr/>
-        </p:nvSpPr>
-        <p:spPr>
-          <a:xfrm>
-            <a:off x="4249917" y="2788225"/>
-            <a:ext cx="1539647" cy="738664"/>
-          </a:xfrm>
-          <a:prstGeom prst="rect">
-            <a:avLst/>
-          </a:prstGeom>
-          <a:noFill/>
-        </p:spPr>
-        <p:txBody>
-          <a:bodyPr wrap="square" rtlCol="0">
-            <a:spAutoFit/>
-          </a:bodyPr>
-          <a:lstStyle/>
-          <a:p>
-            <a:pPr algn="ctr"/>
-            <a:r>
-              <a:rPr lang="en-US" dirty="0">
-                <a:latin typeface="+mn-lt"/>
-              </a:rPr>
-              <a:t>ITIS 6268 Wireless Network Security</a:t>
-            </a:r>
-          </a:p>
-        </p:txBody>
-      </p:sp>
-      <p:sp>
-        <p:nvSpPr>
-          <p:cNvPr id="55" name="TextBox 54">
-            <a:extLst>
-              <a:ext uri="{FF2B5EF4-FFF2-40B4-BE49-F238E27FC236}">
-                <a16:creationId xmlns:a16="http://schemas.microsoft.com/office/drawing/2014/main" id="{58BF7471-64C8-75A2-F9DA-644F2F604773}"/>
-              </a:ext>
-            </a:extLst>
-          </p:cNvPr>
-          <p:cNvSpPr txBox="1"/>
-          <p:nvPr/>
-        </p:nvSpPr>
-        <p:spPr>
-          <a:xfrm>
-            <a:off x="7549712" y="3028101"/>
-            <a:ext cx="1471445" cy="1169551"/>
-          </a:xfrm>
-          <a:prstGeom prst="rect">
-            <a:avLst/>
-          </a:prstGeom>
-          <a:noFill/>
-        </p:spPr>
-        <p:txBody>
-          <a:bodyPr wrap="square" rtlCol="0">
-            <a:spAutoFit/>
-          </a:bodyPr>
-          <a:lstStyle/>
-          <a:p>
-            <a:pPr algn="ctr"/>
-            <a:r>
-              <a:rPr lang="en-US" dirty="0">
-                <a:latin typeface="+mn-lt"/>
-              </a:rPr>
-              <a:t>ITIS 5221 Secure Programming and Penetration Testing</a:t>
-            </a:r>
-          </a:p>
-        </p:txBody>
-      </p:sp>
-      <p:sp>
-        <p:nvSpPr>
-          <p:cNvPr id="56" name="TextBox 55">
-            <a:extLst>
-              <a:ext uri="{FF2B5EF4-FFF2-40B4-BE49-F238E27FC236}">
-                <a16:creationId xmlns:a16="http://schemas.microsoft.com/office/drawing/2014/main" id="{176E2E0F-53A1-14D2-E3F5-5B4FC1D01E68}"/>
-              </a:ext>
-            </a:extLst>
-          </p:cNvPr>
-          <p:cNvSpPr txBox="1"/>
-          <p:nvPr/>
-        </p:nvSpPr>
-        <p:spPr>
-          <a:xfrm>
-            <a:off x="7670826" y="2202418"/>
-            <a:ext cx="1271222" cy="738664"/>
-          </a:xfrm>
-          <a:prstGeom prst="rect">
-            <a:avLst/>
-          </a:prstGeom>
-          <a:noFill/>
-        </p:spPr>
-        <p:txBody>
-          <a:bodyPr wrap="square" rtlCol="0">
-            <a:spAutoFit/>
-          </a:bodyPr>
-          <a:lstStyle/>
-          <a:p>
-            <a:pPr algn="ctr"/>
-            <a:r>
-              <a:rPr lang="en-US" dirty="0">
-                <a:latin typeface="+mn-lt"/>
-              </a:rPr>
-              <a:t>ITIS 6150 Software Assurance</a:t>
-            </a:r>
-          </a:p>
-        </p:txBody>
-      </p:sp>
-      <p:sp>
-        <p:nvSpPr>
-          <p:cNvPr id="57" name="TextBox 56">
-            <a:extLst>
-              <a:ext uri="{FF2B5EF4-FFF2-40B4-BE49-F238E27FC236}">
-                <a16:creationId xmlns:a16="http://schemas.microsoft.com/office/drawing/2014/main" id="{BF689FA4-8E23-73A3-01BB-4A836922A243}"/>
-              </a:ext>
-            </a:extLst>
-          </p:cNvPr>
-          <p:cNvSpPr txBox="1"/>
-          <p:nvPr/>
-        </p:nvSpPr>
-        <p:spPr>
-          <a:xfrm>
-            <a:off x="122842" y="4368479"/>
-            <a:ext cx="1541931" cy="738664"/>
-          </a:xfrm>
-          <a:prstGeom prst="rect">
-            <a:avLst/>
-          </a:prstGeom>
-          <a:noFill/>
-        </p:spPr>
-        <p:txBody>
-          <a:bodyPr wrap="square" rtlCol="0">
-            <a:spAutoFit/>
-          </a:bodyPr>
-          <a:lstStyle/>
-          <a:p>
-            <a:pPr algn="ctr"/>
-            <a:r>
-              <a:rPr lang="en-US" dirty="0">
-                <a:latin typeface="+mn-lt"/>
-              </a:rPr>
-              <a:t>ITIS 5260 Introduction to Secure Analytics</a:t>
-            </a:r>
-          </a:p>
-        </p:txBody>
-      </p:sp>
-      <p:sp>
-        <p:nvSpPr>
-          <p:cNvPr id="14" name="TextBox 13">
-            <a:extLst>
-              <a:ext uri="{FF2B5EF4-FFF2-40B4-BE49-F238E27FC236}">
-                <a16:creationId xmlns:a16="http://schemas.microsoft.com/office/drawing/2014/main" id="{E0F5FA2B-890F-23DD-7180-85D69000F893}"/>
-              </a:ext>
-            </a:extLst>
-          </p:cNvPr>
-          <p:cNvSpPr txBox="1"/>
-          <p:nvPr/>
-        </p:nvSpPr>
-        <p:spPr>
-          <a:xfrm>
-            <a:off x="7612161" y="1350068"/>
-            <a:ext cx="1368757" cy="707886"/>
-          </a:xfrm>
-          <a:prstGeom prst="rect">
-            <a:avLst/>
-          </a:prstGeom>
-          <a:noFill/>
-          <a:ln>
-            <a:solidFill>
-              <a:schemeClr val="dk1"/>
-            </a:solidFill>
-          </a:ln>
-        </p:spPr>
-        <p:txBody>
-          <a:bodyPr wrap="square">
-            <a:spAutoFit/>
-          </a:bodyPr>
-          <a:lstStyle/>
-          <a:p>
-            <a:pPr lvl="0" algn="ctr" rtl="0">
-              <a:spcBef>
-                <a:spcPts val="0"/>
-              </a:spcBef>
-              <a:spcAft>
-                <a:spcPts val="0"/>
-              </a:spcAft>
-            </a:pPr>
-            <a:r>
-              <a:rPr lang="en" sz="2000" i="1" dirty="0"/>
-              <a:t>Security</a:t>
-            </a:r>
-          </a:p>
-          <a:p>
-            <a:pPr lvl="0" algn="ctr" rtl="0">
-              <a:spcBef>
-                <a:spcPts val="0"/>
-              </a:spcBef>
-              <a:spcAft>
-                <a:spcPts val="0"/>
-              </a:spcAft>
-            </a:pPr>
-            <a:r>
-              <a:rPr lang="en" sz="2000" i="1" dirty="0"/>
-              <a:t>assurance</a:t>
-            </a:r>
-          </a:p>
-        </p:txBody>
-      </p:sp>
-      <p:sp>
-        <p:nvSpPr>
-          <p:cNvPr id="16" name="TextBox 15">
-            <a:extLst>
-              <a:ext uri="{FF2B5EF4-FFF2-40B4-BE49-F238E27FC236}">
-                <a16:creationId xmlns:a16="http://schemas.microsoft.com/office/drawing/2014/main" id="{F11F8C63-DE3D-463E-7526-F71C8FBF2D66}"/>
-              </a:ext>
-            </a:extLst>
-          </p:cNvPr>
-          <p:cNvSpPr txBox="1"/>
-          <p:nvPr/>
-        </p:nvSpPr>
-        <p:spPr>
-          <a:xfrm>
-            <a:off x="6032761" y="4272048"/>
-            <a:ext cx="1623442" cy="954107"/>
-          </a:xfrm>
-          <a:prstGeom prst="rect">
-            <a:avLst/>
-          </a:prstGeom>
-          <a:noFill/>
-        </p:spPr>
-        <p:txBody>
-          <a:bodyPr wrap="square" rtlCol="0">
-            <a:spAutoFit/>
-          </a:bodyPr>
-          <a:lstStyle/>
-          <a:p>
-            <a:pPr algn="ctr"/>
-            <a:r>
-              <a:rPr lang="en-US" dirty="0">
-                <a:latin typeface="+mn-lt"/>
-              </a:rPr>
-              <a:t>ITIS 5331 Web-based Mobile and IoT Firmware Security</a:t>
-            </a:r>
-          </a:p>
-        </p:txBody>
-      </p:sp>
-      <p:sp>
-        <p:nvSpPr>
-          <p:cNvPr id="17" name="TextBox 16">
-            <a:extLst>
-              <a:ext uri="{FF2B5EF4-FFF2-40B4-BE49-F238E27FC236}">
-                <a16:creationId xmlns:a16="http://schemas.microsoft.com/office/drawing/2014/main" id="{6E5AE74F-163D-A2B4-FABB-3AB5E80A7A1C}"/>
-              </a:ext>
-            </a:extLst>
-          </p:cNvPr>
-          <p:cNvSpPr txBox="1"/>
-          <p:nvPr/>
-        </p:nvSpPr>
-        <p:spPr>
-          <a:xfrm>
-            <a:off x="1526952" y="2237552"/>
-            <a:ext cx="1192607" cy="1169551"/>
-          </a:xfrm>
-          <a:prstGeom prst="rect">
-            <a:avLst/>
-          </a:prstGeom>
-          <a:noFill/>
-        </p:spPr>
-        <p:txBody>
-          <a:bodyPr wrap="square" rtlCol="0">
-            <a:spAutoFit/>
-          </a:bodyPr>
-          <a:lstStyle/>
-          <a:p>
-            <a:pPr algn="ctr"/>
-            <a:r>
-              <a:rPr lang="en-US" dirty="0">
-                <a:latin typeface="+mn-lt"/>
-              </a:rPr>
-              <a:t>ITIS 6210 Access Control and Security Architecture</a:t>
-            </a:r>
-          </a:p>
-        </p:txBody>
-      </p:sp>
-      <p:sp>
-        <p:nvSpPr>
-          <p:cNvPr id="18" name="TextBox 17">
-            <a:extLst>
-              <a:ext uri="{FF2B5EF4-FFF2-40B4-BE49-F238E27FC236}">
-                <a16:creationId xmlns:a16="http://schemas.microsoft.com/office/drawing/2014/main" id="{7E0EBD12-B902-E2BF-EBCA-C325AC4B09A1}"/>
-              </a:ext>
-            </a:extLst>
-          </p:cNvPr>
-          <p:cNvSpPr txBox="1"/>
-          <p:nvPr/>
-        </p:nvSpPr>
-        <p:spPr>
-          <a:xfrm>
-            <a:off x="2912901" y="2262546"/>
-            <a:ext cx="1150774" cy="738664"/>
-          </a:xfrm>
-          <a:prstGeom prst="rect">
-            <a:avLst/>
-          </a:prstGeom>
-          <a:noFill/>
-        </p:spPr>
-        <p:txBody>
-          <a:bodyPr wrap="square" rtlCol="0">
-            <a:spAutoFit/>
-          </a:bodyPr>
-          <a:lstStyle/>
-          <a:p>
-            <a:pPr algn="ctr"/>
-            <a:r>
-              <a:rPr lang="en-US" dirty="0">
-                <a:latin typeface="+mn-lt"/>
-              </a:rPr>
-              <a:t>ITIS 6220 Data Privacy</a:t>
-            </a:r>
-          </a:p>
-        </p:txBody>
-      </p:sp>
-      <p:sp>
-        <p:nvSpPr>
-          <p:cNvPr id="19" name="TextBox 18">
-            <a:extLst>
-              <a:ext uri="{FF2B5EF4-FFF2-40B4-BE49-F238E27FC236}">
-                <a16:creationId xmlns:a16="http://schemas.microsoft.com/office/drawing/2014/main" id="{26C07AC2-299A-A94C-88F1-004722BA15D7}"/>
-              </a:ext>
-            </a:extLst>
-          </p:cNvPr>
-          <p:cNvSpPr txBox="1"/>
-          <p:nvPr/>
-        </p:nvSpPr>
-        <p:spPr>
-          <a:xfrm>
-            <a:off x="4249917" y="4593791"/>
-            <a:ext cx="1572739" cy="523220"/>
-          </a:xfrm>
-          <a:prstGeom prst="rect">
-            <a:avLst/>
-          </a:prstGeom>
-          <a:noFill/>
-        </p:spPr>
-        <p:txBody>
-          <a:bodyPr wrap="square" rtlCol="0">
-            <a:spAutoFit/>
-          </a:bodyPr>
-          <a:lstStyle/>
-          <a:p>
-            <a:pPr algn="ctr"/>
-            <a:r>
-              <a:rPr lang="en-US" dirty="0">
-                <a:latin typeface="+mn-lt"/>
-              </a:rPr>
-              <a:t>ITIS 6330 Malware Analysis</a:t>
-            </a:r>
-          </a:p>
-        </p:txBody>
-      </p:sp>
-      <p:sp>
-        <p:nvSpPr>
-          <p:cNvPr id="20" name="TextBox 19">
-            <a:extLst>
-              <a:ext uri="{FF2B5EF4-FFF2-40B4-BE49-F238E27FC236}">
-                <a16:creationId xmlns:a16="http://schemas.microsoft.com/office/drawing/2014/main" id="{79BE27C5-0D13-5220-6E79-9A6540FE32CD}"/>
-              </a:ext>
-            </a:extLst>
-          </p:cNvPr>
-          <p:cNvSpPr txBox="1"/>
-          <p:nvPr/>
-        </p:nvSpPr>
-        <p:spPr>
-          <a:xfrm>
-            <a:off x="1675036" y="4381691"/>
-            <a:ext cx="1460146" cy="738664"/>
-          </a:xfrm>
-          <a:prstGeom prst="rect">
-            <a:avLst/>
-          </a:prstGeom>
-          <a:noFill/>
-        </p:spPr>
-        <p:txBody>
-          <a:bodyPr wrap="square" rtlCol="0">
-            <a:spAutoFit/>
-          </a:bodyPr>
-          <a:lstStyle/>
-          <a:p>
-            <a:pPr algn="ctr"/>
-            <a:r>
-              <a:rPr lang="en-US" dirty="0">
-                <a:latin typeface="+mn-lt"/>
-              </a:rPr>
-              <a:t>ITIS 6429 Usable Security and Privacy</a:t>
-            </a:r>
-          </a:p>
-        </p:txBody>
-      </p:sp>
-      <p:sp>
-        <p:nvSpPr>
-          <p:cNvPr id="21" name="Google Shape;121;p23">
-            <a:extLst>
-              <a:ext uri="{FF2B5EF4-FFF2-40B4-BE49-F238E27FC236}">
-                <a16:creationId xmlns:a16="http://schemas.microsoft.com/office/drawing/2014/main" id="{1CA36982-3D09-649C-7CC3-645E9D08C3A6}"/>
-              </a:ext>
-            </a:extLst>
-          </p:cNvPr>
-          <p:cNvSpPr/>
-          <p:nvPr/>
-        </p:nvSpPr>
-        <p:spPr>
-          <a:xfrm>
-            <a:off x="57474" y="1500997"/>
-            <a:ext cx="1340005" cy="1958196"/>
-          </a:xfrm>
-          <a:prstGeom prst="rect">
-            <a:avLst/>
-          </a:prstGeom>
-          <a:noFill/>
-          <a:ln w="19050" cap="flat" cmpd="sng">
-            <a:solidFill>
-              <a:schemeClr val="dk1"/>
-            </a:solidFill>
-            <a:prstDash val="dash"/>
-            <a:round/>
-            <a:headEnd type="none" w="sm" len="sm"/>
-            <a:tailEnd type="none" w="sm" len="sm"/>
-          </a:ln>
         </p:spPr>
         <p:txBody>
           <a:bodyPr spcFirstLastPara="1" wrap="square" lIns="91425" tIns="91425" rIns="91425" bIns="91425" anchor="ctr" anchorCtr="0">
-            <a:noAutofit/>
+            <a:normAutofit/>
           </a:bodyPr>
           <a:lstStyle/>
           <a:p>
-            <a:pPr marL="0" lvl="0" indent="0" rtl="0">
-              <a:spcBef>
-                <a:spcPts val="0"/>
-              </a:spcBef>
-              <a:spcAft>
-                <a:spcPts val="0"/>
-              </a:spcAft>
-              <a:buNone/>
-            </a:pPr>
-            <a:endParaRPr lang="en" sz="2400" b="1" i="1" dirty="0"/>
-          </a:p>
-          <a:p>
-            <a:pPr marL="342900" lvl="0" indent="-342900" rtl="0">
-              <a:lnSpc>
-                <a:spcPct val="150000"/>
-              </a:lnSpc>
-              <a:spcBef>
-                <a:spcPts val="0"/>
-              </a:spcBef>
-              <a:spcAft>
-                <a:spcPts val="0"/>
-              </a:spcAft>
-              <a:buFont typeface="Arial" panose="020B0604020202020204" pitchFamily="34" charset="0"/>
-              <a:buChar char="•"/>
-            </a:pPr>
-            <a:endParaRPr lang="en" sz="2000" i="1" dirty="0"/>
-          </a:p>
-        </p:txBody>
-      </p:sp>
-      <p:sp>
-        <p:nvSpPr>
-          <p:cNvPr id="22" name="Google Shape;121;p23">
-            <a:extLst>
-              <a:ext uri="{FF2B5EF4-FFF2-40B4-BE49-F238E27FC236}">
-                <a16:creationId xmlns:a16="http://schemas.microsoft.com/office/drawing/2014/main" id="{81EE77C4-805D-95ED-2D2A-811AB5AAA8BF}"/>
-              </a:ext>
-            </a:extLst>
-          </p:cNvPr>
-          <p:cNvSpPr/>
-          <p:nvPr/>
-        </p:nvSpPr>
-        <p:spPr>
-          <a:xfrm>
-            <a:off x="1590821" y="1260461"/>
-            <a:ext cx="1149625" cy="2198731"/>
-          </a:xfrm>
-          <a:prstGeom prst="rect">
-            <a:avLst/>
-          </a:prstGeom>
-          <a:noFill/>
-          <a:ln w="19050" cap="flat" cmpd="sng">
-            <a:solidFill>
-              <a:schemeClr val="dk1"/>
-            </a:solidFill>
-            <a:prstDash val="dash"/>
-            <a:round/>
-            <a:headEnd type="none" w="sm" len="sm"/>
-            <a:tailEnd type="none" w="sm" len="sm"/>
-          </a:ln>
-        </p:spPr>
-        <p:txBody>
-          <a:bodyPr spcFirstLastPara="1" wrap="square" lIns="91425" tIns="91425" rIns="91425" bIns="91425" anchor="ctr" anchorCtr="0">
-            <a:noAutofit/>
-          </a:bodyPr>
-          <a:lstStyle/>
-          <a:p>
-            <a:pPr marL="0" lvl="0" indent="0" rtl="0">
-              <a:spcBef>
-                <a:spcPts val="0"/>
-              </a:spcBef>
-              <a:spcAft>
-                <a:spcPts val="0"/>
-              </a:spcAft>
-              <a:buNone/>
-            </a:pPr>
-            <a:endParaRPr lang="en" sz="2400" b="1" i="1" dirty="0"/>
-          </a:p>
-          <a:p>
-            <a:pPr marL="342900" lvl="0" indent="-342900" rtl="0">
-              <a:lnSpc>
-                <a:spcPct val="150000"/>
-              </a:lnSpc>
-              <a:spcBef>
-                <a:spcPts val="0"/>
-              </a:spcBef>
-              <a:spcAft>
-                <a:spcPts val="0"/>
-              </a:spcAft>
-              <a:buFont typeface="Arial" panose="020B0604020202020204" pitchFamily="34" charset="0"/>
-              <a:buChar char="•"/>
-            </a:pPr>
-            <a:endParaRPr lang="en" sz="2000" i="1" dirty="0"/>
-          </a:p>
-        </p:txBody>
-      </p:sp>
-      <p:sp>
-        <p:nvSpPr>
-          <p:cNvPr id="23" name="Google Shape;121;p23">
-            <a:extLst>
-              <a:ext uri="{FF2B5EF4-FFF2-40B4-BE49-F238E27FC236}">
-                <a16:creationId xmlns:a16="http://schemas.microsoft.com/office/drawing/2014/main" id="{C50EABB8-85F4-C86A-5C32-09401655F535}"/>
-              </a:ext>
-            </a:extLst>
-          </p:cNvPr>
-          <p:cNvSpPr/>
-          <p:nvPr/>
-        </p:nvSpPr>
-        <p:spPr>
-          <a:xfrm>
-            <a:off x="2888248" y="1249977"/>
-            <a:ext cx="1218372" cy="2209216"/>
-          </a:xfrm>
-          <a:prstGeom prst="rect">
-            <a:avLst/>
-          </a:prstGeom>
-          <a:noFill/>
-          <a:ln w="19050" cap="flat" cmpd="sng">
-            <a:solidFill>
-              <a:schemeClr val="dk1"/>
-            </a:solidFill>
-            <a:prstDash val="dash"/>
-            <a:round/>
-            <a:headEnd type="none" w="sm" len="sm"/>
-            <a:tailEnd type="none" w="sm" len="sm"/>
-          </a:ln>
-        </p:spPr>
-        <p:txBody>
-          <a:bodyPr spcFirstLastPara="1" wrap="square" lIns="91425" tIns="91425" rIns="91425" bIns="91425" anchor="ctr" anchorCtr="0">
-            <a:noAutofit/>
-          </a:bodyPr>
-          <a:lstStyle/>
-          <a:p>
-            <a:pPr marL="0" lvl="0" indent="0" rtl="0">
-              <a:spcBef>
-                <a:spcPts val="0"/>
-              </a:spcBef>
-              <a:spcAft>
-                <a:spcPts val="0"/>
-              </a:spcAft>
-              <a:buNone/>
-            </a:pPr>
-            <a:endParaRPr lang="en" sz="2400" b="1" i="1" dirty="0"/>
-          </a:p>
-          <a:p>
-            <a:pPr marL="342900" lvl="0" indent="-342900" rtl="0">
-              <a:lnSpc>
-                <a:spcPct val="150000"/>
-              </a:lnSpc>
-              <a:spcBef>
-                <a:spcPts val="0"/>
-              </a:spcBef>
-              <a:spcAft>
-                <a:spcPts val="0"/>
-              </a:spcAft>
-              <a:buFont typeface="Arial" panose="020B0604020202020204" pitchFamily="34" charset="0"/>
-              <a:buChar char="•"/>
-            </a:pPr>
-            <a:endParaRPr lang="en" sz="2000" i="1" dirty="0"/>
-          </a:p>
-        </p:txBody>
-      </p:sp>
-      <p:sp>
-        <p:nvSpPr>
-          <p:cNvPr id="24" name="Google Shape;121;p23">
-            <a:extLst>
-              <a:ext uri="{FF2B5EF4-FFF2-40B4-BE49-F238E27FC236}">
-                <a16:creationId xmlns:a16="http://schemas.microsoft.com/office/drawing/2014/main" id="{534D6610-5AE1-7195-45BA-374F275775D5}"/>
-              </a:ext>
-            </a:extLst>
-          </p:cNvPr>
-          <p:cNvSpPr/>
-          <p:nvPr/>
-        </p:nvSpPr>
-        <p:spPr>
-          <a:xfrm>
-            <a:off x="4249917" y="1226683"/>
-            <a:ext cx="1623442" cy="3916817"/>
-          </a:xfrm>
-          <a:prstGeom prst="rect">
-            <a:avLst/>
-          </a:prstGeom>
-          <a:noFill/>
-          <a:ln w="19050" cap="flat" cmpd="sng">
-            <a:solidFill>
-              <a:schemeClr val="dk1"/>
-            </a:solidFill>
-            <a:prstDash val="dash"/>
-            <a:round/>
-            <a:headEnd type="none" w="sm" len="sm"/>
-            <a:tailEnd type="none" w="sm" len="sm"/>
-          </a:ln>
-        </p:spPr>
-        <p:txBody>
-          <a:bodyPr spcFirstLastPara="1" wrap="square" lIns="91425" tIns="91425" rIns="91425" bIns="91425" anchor="ctr" anchorCtr="0">
-            <a:noAutofit/>
-          </a:bodyPr>
-          <a:lstStyle/>
-          <a:p>
-            <a:pPr marL="0" lvl="0" indent="0" rtl="0">
-              <a:spcBef>
-                <a:spcPts val="0"/>
-              </a:spcBef>
-              <a:spcAft>
-                <a:spcPts val="0"/>
-              </a:spcAft>
-              <a:buNone/>
-            </a:pPr>
-            <a:endParaRPr lang="en" sz="2400" b="1" i="1" dirty="0"/>
-          </a:p>
-          <a:p>
-            <a:pPr marL="342900" lvl="0" indent="-342900" rtl="0">
-              <a:lnSpc>
-                <a:spcPct val="150000"/>
-              </a:lnSpc>
-              <a:spcBef>
-                <a:spcPts val="0"/>
-              </a:spcBef>
-              <a:spcAft>
-                <a:spcPts val="0"/>
-              </a:spcAft>
-              <a:buFont typeface="Arial" panose="020B0604020202020204" pitchFamily="34" charset="0"/>
-              <a:buChar char="•"/>
-            </a:pPr>
-            <a:endParaRPr lang="en" sz="2000" i="1" dirty="0"/>
-          </a:p>
-        </p:txBody>
-      </p:sp>
-      <p:sp>
-        <p:nvSpPr>
-          <p:cNvPr id="25" name="Google Shape;121;p23">
-            <a:extLst>
-              <a:ext uri="{FF2B5EF4-FFF2-40B4-BE49-F238E27FC236}">
-                <a16:creationId xmlns:a16="http://schemas.microsoft.com/office/drawing/2014/main" id="{4431A4E3-DBFD-2B59-305B-E8EE8D813587}"/>
-              </a:ext>
-            </a:extLst>
-          </p:cNvPr>
-          <p:cNvSpPr/>
-          <p:nvPr/>
-        </p:nvSpPr>
-        <p:spPr>
-          <a:xfrm>
-            <a:off x="6084148" y="1217667"/>
-            <a:ext cx="1335019" cy="2955870"/>
-          </a:xfrm>
-          <a:prstGeom prst="rect">
-            <a:avLst/>
-          </a:prstGeom>
-          <a:noFill/>
-          <a:ln w="19050" cap="flat" cmpd="sng">
-            <a:solidFill>
-              <a:schemeClr val="dk1"/>
-            </a:solidFill>
-            <a:prstDash val="dash"/>
-            <a:round/>
-            <a:headEnd type="none" w="sm" len="sm"/>
-            <a:tailEnd type="none" w="sm" len="sm"/>
-          </a:ln>
-        </p:spPr>
-        <p:txBody>
-          <a:bodyPr spcFirstLastPara="1" wrap="square" lIns="91425" tIns="91425" rIns="91425" bIns="91425" anchor="ctr" anchorCtr="0">
-            <a:noAutofit/>
-          </a:bodyPr>
-          <a:lstStyle/>
-          <a:p>
-            <a:pPr marL="0" lvl="0" indent="0" rtl="0">
-              <a:spcBef>
-                <a:spcPts val="0"/>
-              </a:spcBef>
-              <a:spcAft>
-                <a:spcPts val="0"/>
-              </a:spcAft>
-              <a:buNone/>
-            </a:pPr>
-            <a:endParaRPr lang="en" sz="2400" b="1" i="1" dirty="0"/>
-          </a:p>
-          <a:p>
-            <a:pPr marL="342900" lvl="0" indent="-342900" rtl="0">
-              <a:lnSpc>
-                <a:spcPct val="150000"/>
-              </a:lnSpc>
-              <a:spcBef>
-                <a:spcPts val="0"/>
-              </a:spcBef>
-              <a:spcAft>
-                <a:spcPts val="0"/>
-              </a:spcAft>
-              <a:buFont typeface="Arial" panose="020B0604020202020204" pitchFamily="34" charset="0"/>
-              <a:buChar char="•"/>
-            </a:pPr>
-            <a:endParaRPr lang="en" sz="2000" i="1" dirty="0"/>
-          </a:p>
-        </p:txBody>
-      </p:sp>
-      <p:sp>
-        <p:nvSpPr>
-          <p:cNvPr id="26" name="Google Shape;121;p23">
-            <a:extLst>
-              <a:ext uri="{FF2B5EF4-FFF2-40B4-BE49-F238E27FC236}">
-                <a16:creationId xmlns:a16="http://schemas.microsoft.com/office/drawing/2014/main" id="{24B03F95-22E8-F939-CD81-03A0AADCE562}"/>
-              </a:ext>
-            </a:extLst>
-          </p:cNvPr>
-          <p:cNvSpPr/>
-          <p:nvPr/>
-        </p:nvSpPr>
-        <p:spPr>
-          <a:xfrm>
-            <a:off x="7557941" y="1226684"/>
-            <a:ext cx="1479741" cy="2955870"/>
-          </a:xfrm>
-          <a:prstGeom prst="rect">
-            <a:avLst/>
-          </a:prstGeom>
-          <a:noFill/>
-          <a:ln w="19050" cap="flat" cmpd="sng">
-            <a:solidFill>
-              <a:schemeClr val="dk1"/>
-            </a:solidFill>
-            <a:prstDash val="dash"/>
-            <a:round/>
-            <a:headEnd type="none" w="sm" len="sm"/>
-            <a:tailEnd type="none" w="sm" len="sm"/>
-          </a:ln>
-        </p:spPr>
-        <p:txBody>
-          <a:bodyPr spcFirstLastPara="1" wrap="square" lIns="91425" tIns="91425" rIns="91425" bIns="91425" anchor="ctr" anchorCtr="0">
-            <a:noAutofit/>
-          </a:bodyPr>
-          <a:lstStyle/>
-          <a:p>
-            <a:pPr marL="0" lvl="0" indent="0" rtl="0">
-              <a:spcBef>
-                <a:spcPts val="0"/>
-              </a:spcBef>
-              <a:spcAft>
-                <a:spcPts val="0"/>
-              </a:spcAft>
-              <a:buNone/>
-            </a:pPr>
-            <a:endParaRPr lang="en" sz="2400" b="1" i="1" dirty="0"/>
-          </a:p>
-          <a:p>
-            <a:pPr marL="342900" lvl="0" indent="-342900" rtl="0">
-              <a:lnSpc>
-                <a:spcPct val="150000"/>
-              </a:lnSpc>
-              <a:spcBef>
-                <a:spcPts val="0"/>
-              </a:spcBef>
-              <a:spcAft>
-                <a:spcPts val="0"/>
-              </a:spcAft>
-              <a:buFont typeface="Arial" panose="020B0604020202020204" pitchFamily="34" charset="0"/>
-              <a:buChar char="•"/>
-            </a:pPr>
-            <a:endParaRPr lang="en" sz="2000" i="1" dirty="0"/>
+            <a:pPr marL="0" lvl="0" indent="0" algn="r" rtl="0">
+              <a:spcBef>
+                <a:spcPts val="0"/>
+              </a:spcBef>
+              <a:spcAft>
+                <a:spcPts val="0"/>
+              </a:spcAft>
+              <a:buNone/>
+            </a:pPr>
+            <a:fld id="{00000000-1234-1234-1234-123412341234}" type="slidenum">
+              <a:rPr lang="en"/>
+              <a:t>6</a:t>
+            </a:fld>
+            <a:endParaRPr/>
           </a:p>
         </p:txBody>
       </p:sp>
     </p:spTree>
     <p:extLst>
       <p:ext uri="{BB962C8B-B14F-4D97-AF65-F5344CB8AC3E}">
-        <p14:creationId xmlns:p14="http://schemas.microsoft.com/office/powerpoint/2010/main" val="3633999802"/>
+        <p14:creationId xmlns:p14="http://schemas.microsoft.com/office/powerpoint/2010/main" val="2003111158"/>
+      </p:ext>
+    </p:extLst>
+  </p:cSld>
+  <p:clrMapOvr>
+    <a:masterClrMapping/>
+  </p:clrMapOvr>
+</p:sld>
+</file>
+
+<file path=ppt/slides/slide7.xml><?xml version="1.0" encoding="utf-8"?>
+<p:sld xmlns:a="http://schemas.openxmlformats.org/drawingml/2006/main" xmlns:r="http://schemas.openxmlformats.org/officeDocument/2006/relationships" xmlns:p="http://schemas.openxmlformats.org/presentationml/2006/main">
+  <p:cSld>
+    <p:spTree>
+      <p:nvGrpSpPr>
+        <p:cNvPr id="1" name="Shape 78"/>
+        <p:cNvGrpSpPr/>
+        <p:nvPr/>
+      </p:nvGrpSpPr>
+      <p:grpSpPr>
+        <a:xfrm>
+          <a:off x="0" y="0"/>
+          <a:ext cx="0" cy="0"/>
+          <a:chOff x="0" y="0"/>
+          <a:chExt cx="0" cy="0"/>
+        </a:xfrm>
+      </p:grpSpPr>
+      <p:sp>
+        <p:nvSpPr>
+          <p:cNvPr id="79" name="Google Shape;79;p18"/>
+          <p:cNvSpPr txBox="1">
+            <a:spLocks noGrp="1"/>
+          </p:cNvSpPr>
+          <p:nvPr>
+            <p:ph type="title"/>
+          </p:nvPr>
+        </p:nvSpPr>
+        <p:spPr>
+          <a:xfrm>
+            <a:off x="102700" y="270875"/>
+            <a:ext cx="8520600" cy="572700"/>
+          </a:xfrm>
+          <a:prstGeom prst="rect">
+            <a:avLst/>
+          </a:prstGeom>
+        </p:spPr>
+        <p:txBody>
+          <a:bodyPr spcFirstLastPara="1" wrap="square" lIns="91425" tIns="91425" rIns="91425" bIns="91425" anchor="t" anchorCtr="0">
+            <a:normAutofit fontScale="90000"/>
+          </a:bodyPr>
+          <a:lstStyle/>
+          <a:p>
+            <a:pPr marL="0" lvl="0" indent="0" algn="l" rtl="0">
+              <a:spcBef>
+                <a:spcPts val="0"/>
+              </a:spcBef>
+              <a:spcAft>
+                <a:spcPts val="0"/>
+              </a:spcAft>
+              <a:buNone/>
+            </a:pPr>
+            <a:r>
+              <a:rPr lang="en" dirty="0"/>
+              <a:t>Threats</a:t>
+            </a:r>
+            <a:endParaRPr dirty="0"/>
+          </a:p>
+        </p:txBody>
+      </p:sp>
+      <p:sp>
+        <p:nvSpPr>
+          <p:cNvPr id="80" name="Google Shape;80;p18"/>
+          <p:cNvSpPr txBox="1">
+            <a:spLocks noGrp="1"/>
+          </p:cNvSpPr>
+          <p:nvPr>
+            <p:ph type="body" idx="1"/>
+          </p:nvPr>
+        </p:nvSpPr>
+        <p:spPr>
+          <a:xfrm>
+            <a:off x="198500" y="1246825"/>
+            <a:ext cx="8520600" cy="3765600"/>
+          </a:xfrm>
+          <a:prstGeom prst="rect">
+            <a:avLst/>
+          </a:prstGeom>
+        </p:spPr>
+        <p:txBody>
+          <a:bodyPr spcFirstLastPara="1" wrap="square" lIns="91425" tIns="91425" rIns="91425" bIns="91425" anchor="t" anchorCtr="0">
+            <a:normAutofit/>
+          </a:bodyPr>
+          <a:lstStyle/>
+          <a:p>
+            <a:pPr eaLnBrk="1" hangingPunct="1"/>
+            <a:r>
+              <a:rPr lang="en-US" altLang="en-US" sz="2800" b="1" dirty="0"/>
+              <a:t>Threats</a:t>
+            </a:r>
+            <a:endParaRPr lang="en-US" altLang="en-US" sz="2400" dirty="0"/>
+          </a:p>
+          <a:p>
+            <a:pPr lvl="1" eaLnBrk="1" hangingPunct="1"/>
+            <a:r>
+              <a:rPr lang="en-US" altLang="en-US" sz="1800" dirty="0"/>
+              <a:t>A potential violation of security (not necessarily occur at this moment). </a:t>
+            </a:r>
+          </a:p>
+          <a:p>
+            <a:pPr lvl="2" eaLnBrk="1" hangingPunct="1"/>
+            <a:r>
+              <a:rPr lang="en-US" altLang="en-US" sz="1800" dirty="0"/>
+              <a:t>The actions that cause such violations are called attacks.</a:t>
+            </a:r>
+          </a:p>
+          <a:p>
+            <a:pPr lvl="2" eaLnBrk="1" hangingPunct="1"/>
+            <a:r>
+              <a:rPr lang="en-US" altLang="en-US" sz="1800" dirty="0"/>
+              <a:t>4 classes of threats:</a:t>
+            </a:r>
+          </a:p>
+          <a:p>
+            <a:pPr lvl="3" eaLnBrk="1" hangingPunct="1"/>
+            <a:r>
+              <a:rPr lang="en-US" altLang="en-US" sz="1800" dirty="0"/>
+              <a:t>Disclosure: unauthorized access to data</a:t>
+            </a:r>
+          </a:p>
+          <a:p>
+            <a:pPr lvl="3" eaLnBrk="1" hangingPunct="1"/>
+            <a:r>
+              <a:rPr lang="en-US" altLang="en-US" sz="1800" dirty="0"/>
+              <a:t>Deception: acceptance of false data</a:t>
+            </a:r>
+          </a:p>
+          <a:p>
+            <a:pPr lvl="3" eaLnBrk="1" hangingPunct="1"/>
+            <a:r>
+              <a:rPr lang="en-US" altLang="en-US" sz="1800" dirty="0"/>
+              <a:t>Disruption: interruption or prevention of correct operation</a:t>
+            </a:r>
+          </a:p>
+          <a:p>
+            <a:pPr lvl="3" eaLnBrk="1" hangingPunct="1"/>
+            <a:r>
+              <a:rPr lang="en-US" altLang="en-US" sz="1800" dirty="0"/>
+              <a:t>Usurpation: unauthorized control of the system</a:t>
+            </a:r>
+          </a:p>
+        </p:txBody>
+      </p:sp>
+      <p:sp>
+        <p:nvSpPr>
+          <p:cNvPr id="81" name="Google Shape;81;p18"/>
+          <p:cNvSpPr txBox="1">
+            <a:spLocks noGrp="1"/>
+          </p:cNvSpPr>
+          <p:nvPr>
+            <p:ph type="sldNum" idx="12"/>
+          </p:nvPr>
+        </p:nvSpPr>
+        <p:spPr>
+          <a:xfrm>
+            <a:off x="8472458" y="4663217"/>
+            <a:ext cx="548700" cy="393600"/>
+          </a:xfrm>
+          <a:prstGeom prst="rect">
+            <a:avLst/>
+          </a:prstGeom>
+        </p:spPr>
+        <p:txBody>
+          <a:bodyPr spcFirstLastPara="1" wrap="square" lIns="91425" tIns="91425" rIns="91425" bIns="91425" anchor="ctr" anchorCtr="0">
+            <a:normAutofit/>
+          </a:bodyPr>
+          <a:lstStyle/>
+          <a:p>
+            <a:pPr marL="0" lvl="0" indent="0" algn="r" rtl="0">
+              <a:spcBef>
+                <a:spcPts val="0"/>
+              </a:spcBef>
+              <a:spcAft>
+                <a:spcPts val="0"/>
+              </a:spcAft>
+              <a:buNone/>
+            </a:pPr>
+            <a:fld id="{00000000-1234-1234-1234-123412341234}" type="slidenum">
+              <a:rPr lang="en"/>
+              <a:t>7</a:t>
+            </a:fld>
+            <a:endParaRPr/>
+          </a:p>
+        </p:txBody>
+      </p:sp>
+    </p:spTree>
+    <p:extLst>
+      <p:ext uri="{BB962C8B-B14F-4D97-AF65-F5344CB8AC3E}">
+        <p14:creationId xmlns:p14="http://schemas.microsoft.com/office/powerpoint/2010/main" val="1746584"/>
+      </p:ext>
+    </p:extLst>
+  </p:cSld>
+  <p:clrMapOvr>
+    <a:masterClrMapping/>
+  </p:clrMapOvr>
+</p:sld>
+</file>
+
+<file path=ppt/slides/slide8.xml><?xml version="1.0" encoding="utf-8"?>
+<p:sld xmlns:a="http://schemas.openxmlformats.org/drawingml/2006/main" xmlns:r="http://schemas.openxmlformats.org/officeDocument/2006/relationships" xmlns:p="http://schemas.openxmlformats.org/presentationml/2006/main">
+  <p:cSld>
+    <p:spTree>
+      <p:nvGrpSpPr>
+        <p:cNvPr id="1" name="Shape 78"/>
+        <p:cNvGrpSpPr/>
+        <p:nvPr/>
+      </p:nvGrpSpPr>
+      <p:grpSpPr>
+        <a:xfrm>
+          <a:off x="0" y="0"/>
+          <a:ext cx="0" cy="0"/>
+          <a:chOff x="0" y="0"/>
+          <a:chExt cx="0" cy="0"/>
+        </a:xfrm>
+      </p:grpSpPr>
+      <p:sp>
+        <p:nvSpPr>
+          <p:cNvPr id="79" name="Google Shape;79;p18"/>
+          <p:cNvSpPr txBox="1">
+            <a:spLocks noGrp="1"/>
+          </p:cNvSpPr>
+          <p:nvPr>
+            <p:ph type="title"/>
+          </p:nvPr>
+        </p:nvSpPr>
+        <p:spPr>
+          <a:xfrm>
+            <a:off x="102700" y="270875"/>
+            <a:ext cx="8520600" cy="572700"/>
+          </a:xfrm>
+          <a:prstGeom prst="rect">
+            <a:avLst/>
+          </a:prstGeom>
+        </p:spPr>
+        <p:txBody>
+          <a:bodyPr spcFirstLastPara="1" wrap="square" lIns="91425" tIns="91425" rIns="91425" bIns="91425" anchor="t" anchorCtr="0">
+            <a:normAutofit fontScale="90000"/>
+          </a:bodyPr>
+          <a:lstStyle/>
+          <a:p>
+            <a:pPr marL="0" lvl="0" indent="0" algn="l" rtl="0">
+              <a:spcBef>
+                <a:spcPts val="0"/>
+              </a:spcBef>
+              <a:spcAft>
+                <a:spcPts val="0"/>
+              </a:spcAft>
+              <a:buNone/>
+            </a:pPr>
+            <a:r>
+              <a:rPr lang="en" dirty="0"/>
+              <a:t>Threats</a:t>
+            </a:r>
+            <a:endParaRPr dirty="0"/>
+          </a:p>
+        </p:txBody>
+      </p:sp>
+      <p:sp>
+        <p:nvSpPr>
+          <p:cNvPr id="80" name="Google Shape;80;p18"/>
+          <p:cNvSpPr txBox="1">
+            <a:spLocks noGrp="1"/>
+          </p:cNvSpPr>
+          <p:nvPr>
+            <p:ph type="body" idx="1"/>
+          </p:nvPr>
+        </p:nvSpPr>
+        <p:spPr>
+          <a:xfrm>
+            <a:off x="198500" y="1246825"/>
+            <a:ext cx="8520600" cy="3765600"/>
+          </a:xfrm>
+          <a:prstGeom prst="rect">
+            <a:avLst/>
+          </a:prstGeom>
+        </p:spPr>
+        <p:txBody>
+          <a:bodyPr spcFirstLastPara="1" wrap="square" lIns="91425" tIns="91425" rIns="91425" bIns="91425" anchor="t" anchorCtr="0">
+            <a:normAutofit fontScale="85000" lnSpcReduction="10000"/>
+          </a:bodyPr>
+          <a:lstStyle/>
+          <a:p>
+            <a:pPr eaLnBrk="1" hangingPunct="1"/>
+            <a:r>
+              <a:rPr lang="en-US" altLang="en-US" sz="2800" b="1" dirty="0"/>
+              <a:t>Examples of threats:</a:t>
+            </a:r>
+          </a:p>
+          <a:p>
+            <a:pPr lvl="1" eaLnBrk="1" hangingPunct="1"/>
+            <a:r>
+              <a:rPr lang="en-US" altLang="en-US" sz="2400" b="1" dirty="0"/>
+              <a:t>Snooping</a:t>
+            </a:r>
+            <a:r>
+              <a:rPr lang="en-US" altLang="en-US" sz="2400" dirty="0"/>
+              <a:t>: unauthorized interception, is a kind of disclosure (eavesdrop on wireless). Countered by confidentiality or other information hiding methods.</a:t>
+            </a:r>
+          </a:p>
+          <a:p>
+            <a:pPr lvl="1" eaLnBrk="1" hangingPunct="1"/>
+            <a:r>
+              <a:rPr lang="en-US" altLang="en-US" sz="2400" b="1" dirty="0"/>
+              <a:t>Modification</a:t>
+            </a:r>
+            <a:r>
+              <a:rPr lang="en-US" altLang="en-US" sz="2400" dirty="0"/>
+              <a:t>: unauthorized change of data, may lead to deception, disruption, and usurpation. Countered by integrity.</a:t>
+            </a:r>
+          </a:p>
+          <a:p>
+            <a:pPr lvl="1" eaLnBrk="1" hangingPunct="1"/>
+            <a:r>
+              <a:rPr lang="en-US" altLang="en-US" sz="2400" b="1" dirty="0"/>
+              <a:t>Spoofing</a:t>
+            </a:r>
+            <a:r>
+              <a:rPr lang="en-US" altLang="en-US" sz="2400" dirty="0"/>
+              <a:t>: impersonation, may lead to deception and usurpation. Countered by integrity.</a:t>
+            </a:r>
+          </a:p>
+          <a:p>
+            <a:pPr lvl="2" eaLnBrk="1" hangingPunct="1"/>
+            <a:r>
+              <a:rPr lang="en-US" altLang="en-US" sz="2000" dirty="0"/>
+              <a:t>Difference b/w impersonation and delegation</a:t>
+            </a:r>
+          </a:p>
+          <a:p>
+            <a:pPr lvl="1" eaLnBrk="1" hangingPunct="1"/>
+            <a:r>
+              <a:rPr lang="en-US" altLang="en-US" sz="2400" b="1" dirty="0"/>
+              <a:t>Denial of receipt or origin</a:t>
+            </a:r>
+            <a:r>
+              <a:rPr lang="en-US" altLang="en-US" sz="2400" dirty="0"/>
+              <a:t>: is a kind of deception</a:t>
+            </a:r>
+          </a:p>
+          <a:p>
+            <a:pPr lvl="2" eaLnBrk="1" hangingPunct="1"/>
+            <a:r>
+              <a:rPr lang="en-US" altLang="en-US" sz="2000" dirty="0"/>
+              <a:t>Interesting questions: simultaneous contract signing</a:t>
+            </a:r>
+          </a:p>
+          <a:p>
+            <a:pPr eaLnBrk="1" hangingPunct="1"/>
+            <a:endParaRPr lang="en-US" altLang="en-US" sz="1800" dirty="0"/>
+          </a:p>
+        </p:txBody>
+      </p:sp>
+      <p:sp>
+        <p:nvSpPr>
+          <p:cNvPr id="81" name="Google Shape;81;p18"/>
+          <p:cNvSpPr txBox="1">
+            <a:spLocks noGrp="1"/>
+          </p:cNvSpPr>
+          <p:nvPr>
+            <p:ph type="sldNum" idx="12"/>
+          </p:nvPr>
+        </p:nvSpPr>
+        <p:spPr>
+          <a:xfrm>
+            <a:off x="8472458" y="4663217"/>
+            <a:ext cx="548700" cy="393600"/>
+          </a:xfrm>
+          <a:prstGeom prst="rect">
+            <a:avLst/>
+          </a:prstGeom>
+        </p:spPr>
+        <p:txBody>
+          <a:bodyPr spcFirstLastPara="1" wrap="square" lIns="91425" tIns="91425" rIns="91425" bIns="91425" anchor="ctr" anchorCtr="0">
+            <a:normAutofit/>
+          </a:bodyPr>
+          <a:lstStyle/>
+          <a:p>
+            <a:pPr marL="0" lvl="0" indent="0" algn="r" rtl="0">
+              <a:spcBef>
+                <a:spcPts val="0"/>
+              </a:spcBef>
+              <a:spcAft>
+                <a:spcPts val="0"/>
+              </a:spcAft>
+              <a:buNone/>
+            </a:pPr>
+            <a:fld id="{00000000-1234-1234-1234-123412341234}" type="slidenum">
+              <a:rPr lang="en"/>
+              <a:t>8</a:t>
+            </a:fld>
+            <a:endParaRPr/>
+          </a:p>
+        </p:txBody>
+      </p:sp>
+    </p:spTree>
+    <p:extLst>
+      <p:ext uri="{BB962C8B-B14F-4D97-AF65-F5344CB8AC3E}">
+        <p14:creationId xmlns:p14="http://schemas.microsoft.com/office/powerpoint/2010/main" val="4101707937"/>
+      </p:ext>
+    </p:extLst>
+  </p:cSld>
+  <p:clrMapOvr>
+    <a:masterClrMapping/>
+  </p:clrMapOvr>
+</p:sld>
+</file>
+
+<file path=ppt/slides/slide9.xml><?xml version="1.0" encoding="utf-8"?>
+<p:sld xmlns:a="http://schemas.openxmlformats.org/drawingml/2006/main" xmlns:r="http://schemas.openxmlformats.org/officeDocument/2006/relationships" xmlns:p="http://schemas.openxmlformats.org/presentationml/2006/main">
+  <p:cSld>
+    <p:spTree>
+      <p:nvGrpSpPr>
+        <p:cNvPr id="1" name="Shape 78"/>
+        <p:cNvGrpSpPr/>
+        <p:nvPr/>
+      </p:nvGrpSpPr>
+      <p:grpSpPr>
+        <a:xfrm>
+          <a:off x="0" y="0"/>
+          <a:ext cx="0" cy="0"/>
+          <a:chOff x="0" y="0"/>
+          <a:chExt cx="0" cy="0"/>
+        </a:xfrm>
+      </p:grpSpPr>
+      <p:sp>
+        <p:nvSpPr>
+          <p:cNvPr id="79" name="Google Shape;79;p18"/>
+          <p:cNvSpPr txBox="1">
+            <a:spLocks noGrp="1"/>
+          </p:cNvSpPr>
+          <p:nvPr>
+            <p:ph type="title"/>
+          </p:nvPr>
+        </p:nvSpPr>
+        <p:spPr>
+          <a:xfrm>
+            <a:off x="102700" y="270875"/>
+            <a:ext cx="8520600" cy="572700"/>
+          </a:xfrm>
+          <a:prstGeom prst="rect">
+            <a:avLst/>
+          </a:prstGeom>
+        </p:spPr>
+        <p:txBody>
+          <a:bodyPr spcFirstLastPara="1" wrap="square" lIns="91425" tIns="91425" rIns="91425" bIns="91425" anchor="t" anchorCtr="0">
+            <a:normAutofit fontScale="90000"/>
+          </a:bodyPr>
+          <a:lstStyle/>
+          <a:p>
+            <a:r>
+              <a:rPr lang="en-US" altLang="en-US" sz="2800" dirty="0"/>
+              <a:t>Policies and Mechanisms</a:t>
+            </a:r>
+            <a:br>
+              <a:rPr lang="en-US" altLang="en-US" sz="2800" dirty="0"/>
+            </a:br>
+            <a:endParaRPr dirty="0"/>
+          </a:p>
+        </p:txBody>
+      </p:sp>
+      <p:sp>
+        <p:nvSpPr>
+          <p:cNvPr id="80" name="Google Shape;80;p18"/>
+          <p:cNvSpPr txBox="1">
+            <a:spLocks noGrp="1"/>
+          </p:cNvSpPr>
+          <p:nvPr>
+            <p:ph type="body" idx="1"/>
+          </p:nvPr>
+        </p:nvSpPr>
+        <p:spPr>
+          <a:xfrm>
+            <a:off x="198500" y="1246825"/>
+            <a:ext cx="8520600" cy="3765600"/>
+          </a:xfrm>
+          <a:prstGeom prst="rect">
+            <a:avLst/>
+          </a:prstGeom>
+        </p:spPr>
+        <p:txBody>
+          <a:bodyPr spcFirstLastPara="1" wrap="square" lIns="91425" tIns="91425" rIns="91425" bIns="91425" anchor="t" anchorCtr="0">
+            <a:normAutofit lnSpcReduction="10000"/>
+          </a:bodyPr>
+          <a:lstStyle/>
+          <a:p>
+            <a:pPr>
+              <a:lnSpc>
+                <a:spcPct val="114000"/>
+              </a:lnSpc>
+            </a:pPr>
+            <a:r>
+              <a:rPr lang="en-US" altLang="en-US" sz="2800" dirty="0"/>
+              <a:t>Policy is a statement of what is and what is not allowed.</a:t>
+            </a:r>
+          </a:p>
+          <a:p>
+            <a:pPr lvl="1">
+              <a:lnSpc>
+                <a:spcPct val="114000"/>
+              </a:lnSpc>
+            </a:pPr>
+            <a:r>
+              <a:rPr lang="en-US" altLang="en-US" sz="2000" dirty="0"/>
+              <a:t>When two communicating parties have different policies, they may need to compromise (example b/w univ. and industry)</a:t>
+            </a:r>
+          </a:p>
+          <a:p>
+            <a:pPr>
+              <a:lnSpc>
+                <a:spcPct val="114000"/>
+              </a:lnSpc>
+            </a:pPr>
+            <a:r>
+              <a:rPr lang="en-US" altLang="en-US" sz="2800" dirty="0"/>
+              <a:t>Mechanism is a method to enforce a policy.</a:t>
+            </a:r>
+          </a:p>
+          <a:p>
+            <a:pPr lvl="1">
+              <a:lnSpc>
+                <a:spcPct val="114000"/>
+              </a:lnSpc>
+            </a:pPr>
+            <a:r>
+              <a:rPr lang="en-US" altLang="en-US" sz="2000" dirty="0"/>
+              <a:t>May impact the system performance</a:t>
+            </a:r>
+          </a:p>
+          <a:p>
+            <a:pPr lvl="1">
+              <a:lnSpc>
+                <a:spcPct val="114000"/>
+              </a:lnSpc>
+            </a:pPr>
+            <a:r>
+              <a:rPr lang="en-US" altLang="en-US" sz="2000" dirty="0"/>
+              <a:t>Prevention: to fail an attack</a:t>
+            </a:r>
+          </a:p>
+          <a:p>
+            <a:pPr lvl="1">
+              <a:lnSpc>
+                <a:spcPct val="114000"/>
+              </a:lnSpc>
+            </a:pPr>
+            <a:r>
+              <a:rPr lang="en-US" altLang="en-US" sz="2000" dirty="0"/>
+              <a:t>Detection</a:t>
+            </a:r>
+          </a:p>
+          <a:p>
+            <a:pPr lvl="1">
+              <a:lnSpc>
+                <a:spcPct val="114000"/>
+              </a:lnSpc>
+            </a:pPr>
+            <a:r>
+              <a:rPr lang="en-US" altLang="en-US" sz="2000" dirty="0"/>
+              <a:t>Recovery: fix not only data, but also vulnerabilities</a:t>
+            </a:r>
+          </a:p>
+          <a:p>
+            <a:pPr lvl="1">
+              <a:lnSpc>
+                <a:spcPct val="114000"/>
+              </a:lnSpc>
+            </a:pPr>
+            <a:r>
+              <a:rPr lang="en-US" altLang="en-US" sz="2000" dirty="0"/>
+              <a:t>Tolerance</a:t>
+            </a:r>
+          </a:p>
+        </p:txBody>
+      </p:sp>
+      <p:sp>
+        <p:nvSpPr>
+          <p:cNvPr id="81" name="Google Shape;81;p18"/>
+          <p:cNvSpPr txBox="1">
+            <a:spLocks noGrp="1"/>
+          </p:cNvSpPr>
+          <p:nvPr>
+            <p:ph type="sldNum" idx="12"/>
+          </p:nvPr>
+        </p:nvSpPr>
+        <p:spPr>
+          <a:xfrm>
+            <a:off x="8472458" y="4663217"/>
+            <a:ext cx="548700" cy="393600"/>
+          </a:xfrm>
+          <a:prstGeom prst="rect">
+            <a:avLst/>
+          </a:prstGeom>
+        </p:spPr>
+        <p:txBody>
+          <a:bodyPr spcFirstLastPara="1" wrap="square" lIns="91425" tIns="91425" rIns="91425" bIns="91425" anchor="ctr" anchorCtr="0">
+            <a:normAutofit/>
+          </a:bodyPr>
+          <a:lstStyle/>
+          <a:p>
+            <a:pPr marL="0" lvl="0" indent="0" algn="r" rtl="0">
+              <a:spcBef>
+                <a:spcPts val="0"/>
+              </a:spcBef>
+              <a:spcAft>
+                <a:spcPts val="0"/>
+              </a:spcAft>
+              <a:buNone/>
+            </a:pPr>
+            <a:fld id="{00000000-1234-1234-1234-123412341234}" type="slidenum">
+              <a:rPr lang="en"/>
+              <a:t>9</a:t>
+            </a:fld>
+            <a:endParaRPr/>
+          </a:p>
+        </p:txBody>
+      </p:sp>
+    </p:spTree>
+    <p:extLst>
+      <p:ext uri="{BB962C8B-B14F-4D97-AF65-F5344CB8AC3E}">
+        <p14:creationId xmlns:p14="http://schemas.microsoft.com/office/powerpoint/2010/main" val="1292805453"/>
       </p:ext>
     </p:extLst>
   </p:cSld>

--- a/teaching/ITIS6200/2023fa/lectures/Properties, policies, and mechanisms.pptx
+++ b/teaching/ITIS6200/2023fa/lectures/Properties, policies, and mechanisms.pptx
@@ -6387,7 +6387,7 @@
         </p:spPr>
         <p:txBody>
           <a:bodyPr spcFirstLastPara="1" wrap="square" lIns="91425" tIns="91425" rIns="91425" bIns="91425" anchor="t" anchorCtr="0">
-            <a:normAutofit fontScale="92500" lnSpcReduction="10000"/>
+            <a:normAutofit fontScale="92500" lnSpcReduction="20000"/>
           </a:bodyPr>
           <a:lstStyle/>
           <a:p>
@@ -6410,7 +6410,7 @@
             </a:pPr>
             <a:r>
               <a:rPr lang="en-US" altLang="en-US" sz="1600" dirty="0"/>
-              <a:t>Confidentiality: Eavesdropper (e.g., Eve) should not be able to see the content of messages between two parties (e.g., Alice and Bob)</a:t>
+              <a:t>Our course policies: e.g., no cheating is allowed</a:t>
             </a:r>
           </a:p>
           <a:p>
@@ -6421,7 +6421,7 @@
             </a:pPr>
             <a:r>
               <a:rPr lang="en-US" altLang="en-US" sz="1600" dirty="0"/>
-              <a:t>Integrity: A manipulator (e.g., Mallory) should not be able to modify the messages without being noticed</a:t>
+              <a:t>Confidentiality: Eavesdropper (e.g., Eve) should not be able to see the content of messages between two parties (e.g., Alice and Bob)</a:t>
             </a:r>
           </a:p>
           <a:p>
@@ -6432,6 +6432,17 @@
             </a:pPr>
             <a:r>
               <a:rPr lang="en-US" altLang="en-US" sz="1600" dirty="0"/>
+              <a:t>Integrity: A manipulator (e.g., Mallory) should not be able to modify the messages without being noticed</a:t>
+            </a:r>
+          </a:p>
+          <a:p>
+            <a:pPr lvl="1">
+              <a:lnSpc>
+                <a:spcPct val="134000"/>
+              </a:lnSpc>
+            </a:pPr>
+            <a:r>
+              <a:rPr lang="en-US" altLang="en-US" sz="1600" dirty="0"/>
               <a:t>Availability: The server (e.g., AWS) should be able to function 99.99% of the time</a:t>
             </a:r>
             <a:endParaRPr lang="en-US" altLang="en-US" sz="2000" dirty="0"/>
@@ -6444,7 +6455,7 @@
             </a:pPr>
             <a:r>
               <a:rPr lang="en-US" altLang="en-US" sz="2400" dirty="0"/>
-              <a:t>Mechanisms</a:t>
+              <a:t>Mechanisms: what we are learning mostly</a:t>
             </a:r>
           </a:p>
           <a:p>
@@ -6477,7 +6488,7 @@
             </a:pPr>
             <a:r>
               <a:rPr lang="en-US" altLang="en-US" sz="1600" dirty="0"/>
-              <a:t>Security enclaves</a:t>
+              <a:t>Isolation</a:t>
             </a:r>
           </a:p>
           <a:p>
@@ -6488,7 +6499,7 @@
             </a:pPr>
             <a:r>
               <a:rPr lang="en-US" altLang="en-US" sz="1600" dirty="0"/>
-              <a:t>Formal methods</a:t>
+              <a:t>Secure programming and testing</a:t>
             </a:r>
           </a:p>
         </p:txBody>
@@ -6678,18 +6689,29 @@
             </a:pPr>
             <a:r>
               <a:rPr lang="en-US" altLang="en-US" sz="2000" dirty="0"/>
-              <a:t>Define a security mechanism as secure, precise, or broad (the example of highway)</a:t>
-            </a:r>
-          </a:p>
-          <a:p>
-            <a:pPr lvl="1">
+              <a:t>Examples: </a:t>
+            </a:r>
+          </a:p>
+          <a:p>
+            <a:pPr lvl="2">
               <a:lnSpc>
                 <a:spcPct val="134000"/>
               </a:lnSpc>
             </a:pPr>
             <a:r>
               <a:rPr lang="en-US" altLang="en-US" sz="2000" dirty="0"/>
-              <a:t>In real life, security mechanisms are usually broad (Why?)</a:t>
+              <a:t>Symmetric key encryption is secure, assumption? </a:t>
+            </a:r>
+          </a:p>
+          <a:p>
+            <a:pPr lvl="2">
+              <a:lnSpc>
+                <a:spcPct val="134000"/>
+              </a:lnSpc>
+            </a:pPr>
+            <a:r>
+              <a:rPr lang="en-US" altLang="en-US" sz="2000" dirty="0"/>
+              <a:t>Asymmetric key encryption is secure, assumption? </a:t>
             </a:r>
           </a:p>
           <a:p>
@@ -7394,7 +7416,7 @@
             <a:pPr eaLnBrk="1" hangingPunct="1"/>
             <a:r>
               <a:rPr lang="en-US" altLang="en-US" sz="2800" dirty="0"/>
-              <a:t>Properties: concepts of CIA</a:t>
+              <a:t>Properties: CIA</a:t>
             </a:r>
           </a:p>
           <a:p>
@@ -7415,7 +7437,7 @@
             <a:pPr lvl="1"/>
             <a:r>
               <a:rPr lang="en-US" altLang="en-US" sz="2400" dirty="0"/>
-              <a:t>availability</a:t>
+              <a:t>Availability</a:t>
             </a:r>
             <a:endParaRPr lang="en-US" altLang="en-US" sz="2800" dirty="0"/>
           </a:p>
@@ -7769,7 +7791,7 @@
         </p:spPr>
         <p:txBody>
           <a:bodyPr spcFirstLastPara="1" wrap="square" lIns="91425" tIns="91425" rIns="91425" bIns="91425" anchor="t" anchorCtr="0">
-            <a:normAutofit lnSpcReduction="10000"/>
+            <a:normAutofit/>
           </a:bodyPr>
           <a:lstStyle/>
           <a:p>
@@ -7795,7 +7817,7 @@
             </a:pPr>
             <a:r>
               <a:rPr lang="en-US" altLang="en-US" sz="2400" dirty="0"/>
-              <a:t>Include data integrity and origin integrity (has impact on trust), therefore, related to credibility</a:t>
+              <a:t>Include data integrity and origin integrity</a:t>
             </a:r>
           </a:p>
           <a:p>
@@ -8678,7 +8700,7 @@
             </a:pPr>
             <a:r>
               <a:rPr lang="en-US" altLang="en-US" sz="2000" dirty="0"/>
-              <a:t>May impact the system performance</a:t>
+              <a:t>May (often) impact the system performance</a:t>
             </a:r>
           </a:p>
           <a:p>
@@ -8779,6 +8801,320 @@
   <p:clrMapOvr>
     <a:masterClrMapping/>
   </p:clrMapOvr>
+  <p:timing>
+    <p:tnLst>
+      <p:par>
+        <p:cTn id="1" dur="indefinite" restart="never" nodeType="tmRoot">
+          <p:childTnLst>
+            <p:seq concurrent="1" nextAc="seek">
+              <p:cTn id="2" dur="indefinite" nodeType="mainSeq">
+                <p:childTnLst>
+                  <p:par>
+                    <p:cTn id="3" fill="hold">
+                      <p:stCondLst>
+                        <p:cond delay="indefinite"/>
+                      </p:stCondLst>
+                      <p:childTnLst>
+                        <p:par>
+                          <p:cTn id="4" fill="hold">
+                            <p:stCondLst>
+                              <p:cond delay="0"/>
+                            </p:stCondLst>
+                            <p:childTnLst>
+                              <p:par>
+                                <p:cTn id="5" presetID="1" presetClass="entr" presetSubtype="0" fill="hold" nodeType="clickEffect">
+                                  <p:stCondLst>
+                                    <p:cond delay="0"/>
+                                  </p:stCondLst>
+                                  <p:childTnLst>
+                                    <p:set>
+                                      <p:cBhvr>
+                                        <p:cTn id="6" dur="1" fill="hold">
+                                          <p:stCondLst>
+                                            <p:cond delay="0"/>
+                                          </p:stCondLst>
+                                        </p:cTn>
+                                        <p:tgtEl>
+                                          <p:spTgt spid="80">
+                                            <p:txEl>
+                                              <p:pRg st="0" end="0"/>
+                                            </p:txEl>
+                                          </p:spTgt>
+                                        </p:tgtEl>
+                                        <p:attrNameLst>
+                                          <p:attrName>style.visibility</p:attrName>
+                                        </p:attrNameLst>
+                                      </p:cBhvr>
+                                      <p:to>
+                                        <p:strVal val="visible"/>
+                                      </p:to>
+                                    </p:set>
+                                  </p:childTnLst>
+                                </p:cTn>
+                              </p:par>
+                              <p:par>
+                                <p:cTn id="7" presetID="1" presetClass="entr" presetSubtype="0" fill="hold" nodeType="withEffect">
+                                  <p:stCondLst>
+                                    <p:cond delay="0"/>
+                                  </p:stCondLst>
+                                  <p:childTnLst>
+                                    <p:set>
+                                      <p:cBhvr>
+                                        <p:cTn id="8" dur="1" fill="hold">
+                                          <p:stCondLst>
+                                            <p:cond delay="0"/>
+                                          </p:stCondLst>
+                                        </p:cTn>
+                                        <p:tgtEl>
+                                          <p:spTgt spid="80">
+                                            <p:txEl>
+                                              <p:pRg st="1" end="1"/>
+                                            </p:txEl>
+                                          </p:spTgt>
+                                        </p:tgtEl>
+                                        <p:attrNameLst>
+                                          <p:attrName>style.visibility</p:attrName>
+                                        </p:attrNameLst>
+                                      </p:cBhvr>
+                                      <p:to>
+                                        <p:strVal val="visible"/>
+                                      </p:to>
+                                    </p:set>
+                                  </p:childTnLst>
+                                </p:cTn>
+                              </p:par>
+                            </p:childTnLst>
+                          </p:cTn>
+                        </p:par>
+                      </p:childTnLst>
+                    </p:cTn>
+                  </p:par>
+                  <p:par>
+                    <p:cTn id="9" fill="hold">
+                      <p:stCondLst>
+                        <p:cond delay="indefinite"/>
+                      </p:stCondLst>
+                      <p:childTnLst>
+                        <p:par>
+                          <p:cTn id="10" fill="hold">
+                            <p:stCondLst>
+                              <p:cond delay="0"/>
+                            </p:stCondLst>
+                            <p:childTnLst>
+                              <p:par>
+                                <p:cTn id="11" presetID="1" presetClass="entr" presetSubtype="0" fill="hold" nodeType="clickEffect">
+                                  <p:stCondLst>
+                                    <p:cond delay="0"/>
+                                  </p:stCondLst>
+                                  <p:childTnLst>
+                                    <p:set>
+                                      <p:cBhvr>
+                                        <p:cTn id="12" dur="1" fill="hold">
+                                          <p:stCondLst>
+                                            <p:cond delay="0"/>
+                                          </p:stCondLst>
+                                        </p:cTn>
+                                        <p:tgtEl>
+                                          <p:spTgt spid="80">
+                                            <p:txEl>
+                                              <p:pRg st="2" end="2"/>
+                                            </p:txEl>
+                                          </p:spTgt>
+                                        </p:tgtEl>
+                                        <p:attrNameLst>
+                                          <p:attrName>style.visibility</p:attrName>
+                                        </p:attrNameLst>
+                                      </p:cBhvr>
+                                      <p:to>
+                                        <p:strVal val="visible"/>
+                                      </p:to>
+                                    </p:set>
+                                  </p:childTnLst>
+                                </p:cTn>
+                              </p:par>
+                              <p:par>
+                                <p:cTn id="13" presetID="1" presetClass="entr" presetSubtype="0" fill="hold" nodeType="withEffect">
+                                  <p:stCondLst>
+                                    <p:cond delay="0"/>
+                                  </p:stCondLst>
+                                  <p:childTnLst>
+                                    <p:set>
+                                      <p:cBhvr>
+                                        <p:cTn id="14" dur="1" fill="hold">
+                                          <p:stCondLst>
+                                            <p:cond delay="0"/>
+                                          </p:stCondLst>
+                                        </p:cTn>
+                                        <p:tgtEl>
+                                          <p:spTgt spid="80">
+                                            <p:txEl>
+                                              <p:pRg st="3" end="3"/>
+                                            </p:txEl>
+                                          </p:spTgt>
+                                        </p:tgtEl>
+                                        <p:attrNameLst>
+                                          <p:attrName>style.visibility</p:attrName>
+                                        </p:attrNameLst>
+                                      </p:cBhvr>
+                                      <p:to>
+                                        <p:strVal val="visible"/>
+                                      </p:to>
+                                    </p:set>
+                                  </p:childTnLst>
+                                </p:cTn>
+                              </p:par>
+                              <p:par>
+                                <p:cTn id="15" presetID="1" presetClass="entr" presetSubtype="0" fill="hold" nodeType="withEffect">
+                                  <p:stCondLst>
+                                    <p:cond delay="0"/>
+                                  </p:stCondLst>
+                                  <p:childTnLst>
+                                    <p:set>
+                                      <p:cBhvr>
+                                        <p:cTn id="16" dur="1" fill="hold">
+                                          <p:stCondLst>
+                                            <p:cond delay="0"/>
+                                          </p:stCondLst>
+                                        </p:cTn>
+                                        <p:tgtEl>
+                                          <p:spTgt spid="80">
+                                            <p:txEl>
+                                              <p:pRg st="4" end="4"/>
+                                            </p:txEl>
+                                          </p:spTgt>
+                                        </p:tgtEl>
+                                        <p:attrNameLst>
+                                          <p:attrName>style.visibility</p:attrName>
+                                        </p:attrNameLst>
+                                      </p:cBhvr>
+                                      <p:to>
+                                        <p:strVal val="visible"/>
+                                      </p:to>
+                                    </p:set>
+                                  </p:childTnLst>
+                                </p:cTn>
+                              </p:par>
+                              <p:par>
+                                <p:cTn id="17" presetID="1" presetClass="entr" presetSubtype="0" fill="hold" nodeType="withEffect">
+                                  <p:stCondLst>
+                                    <p:cond delay="0"/>
+                                  </p:stCondLst>
+                                  <p:childTnLst>
+                                    <p:set>
+                                      <p:cBhvr>
+                                        <p:cTn id="18" dur="1" fill="hold">
+                                          <p:stCondLst>
+                                            <p:cond delay="0"/>
+                                          </p:stCondLst>
+                                        </p:cTn>
+                                        <p:tgtEl>
+                                          <p:spTgt spid="80">
+                                            <p:txEl>
+                                              <p:pRg st="5" end="5"/>
+                                            </p:txEl>
+                                          </p:spTgt>
+                                        </p:tgtEl>
+                                        <p:attrNameLst>
+                                          <p:attrName>style.visibility</p:attrName>
+                                        </p:attrNameLst>
+                                      </p:cBhvr>
+                                      <p:to>
+                                        <p:strVal val="visible"/>
+                                      </p:to>
+                                    </p:set>
+                                  </p:childTnLst>
+                                </p:cTn>
+                              </p:par>
+                              <p:par>
+                                <p:cTn id="19" presetID="1" presetClass="entr" presetSubtype="0" fill="hold" nodeType="withEffect">
+                                  <p:stCondLst>
+                                    <p:cond delay="0"/>
+                                  </p:stCondLst>
+                                  <p:childTnLst>
+                                    <p:set>
+                                      <p:cBhvr>
+                                        <p:cTn id="20" dur="1" fill="hold">
+                                          <p:stCondLst>
+                                            <p:cond delay="0"/>
+                                          </p:stCondLst>
+                                        </p:cTn>
+                                        <p:tgtEl>
+                                          <p:spTgt spid="80">
+                                            <p:txEl>
+                                              <p:pRg st="6" end="6"/>
+                                            </p:txEl>
+                                          </p:spTgt>
+                                        </p:tgtEl>
+                                        <p:attrNameLst>
+                                          <p:attrName>style.visibility</p:attrName>
+                                        </p:attrNameLst>
+                                      </p:cBhvr>
+                                      <p:to>
+                                        <p:strVal val="visible"/>
+                                      </p:to>
+                                    </p:set>
+                                  </p:childTnLst>
+                                </p:cTn>
+                              </p:par>
+                              <p:par>
+                                <p:cTn id="21" presetID="1" presetClass="entr" presetSubtype="0" fill="hold" nodeType="withEffect">
+                                  <p:stCondLst>
+                                    <p:cond delay="0"/>
+                                  </p:stCondLst>
+                                  <p:childTnLst>
+                                    <p:set>
+                                      <p:cBhvr>
+                                        <p:cTn id="22" dur="1" fill="hold">
+                                          <p:stCondLst>
+                                            <p:cond delay="0"/>
+                                          </p:stCondLst>
+                                        </p:cTn>
+                                        <p:tgtEl>
+                                          <p:spTgt spid="80">
+                                            <p:txEl>
+                                              <p:pRg st="7" end="7"/>
+                                            </p:txEl>
+                                          </p:spTgt>
+                                        </p:tgtEl>
+                                        <p:attrNameLst>
+                                          <p:attrName>style.visibility</p:attrName>
+                                        </p:attrNameLst>
+                                      </p:cBhvr>
+                                      <p:to>
+                                        <p:strVal val="visible"/>
+                                      </p:to>
+                                    </p:set>
+                                  </p:childTnLst>
+                                </p:cTn>
+                              </p:par>
+                            </p:childTnLst>
+                          </p:cTn>
+                        </p:par>
+                      </p:childTnLst>
+                    </p:cTn>
+                  </p:par>
+                </p:childTnLst>
+              </p:cTn>
+              <p:prevCondLst>
+                <p:cond evt="onPrev" delay="0">
+                  <p:tgtEl>
+                    <p:sldTgt/>
+                  </p:tgtEl>
+                </p:cond>
+              </p:prevCondLst>
+              <p:nextCondLst>
+                <p:cond evt="onNext" delay="0">
+                  <p:tgtEl>
+                    <p:sldTgt/>
+                  </p:tgtEl>
+                </p:cond>
+              </p:nextCondLst>
+            </p:seq>
+          </p:childTnLst>
+        </p:cTn>
+      </p:par>
+    </p:tnLst>
+  </p:timing>
 </p:sld>
 </file>
 

--- a/teaching/ITIS6200/2023fa/lectures/Properties, policies, and mechanisms.pptx
+++ b/teaching/ITIS6200/2023fa/lectures/Properties, policies, and mechanisms.pptx
@@ -6102,6 +6102,16 @@
               <a:buChar char="●"/>
             </a:pPr>
             <a:r>
+              <a:rPr lang="en-US" sz="2400" b="1" dirty="0">
+                <a:solidFill>
+                  <a:schemeClr val="tx1"/>
+                </a:solidFill>
+                <a:effectLst/>
+                <a:latin typeface="Helvetica Neue" panose="02000503000000020004" pitchFamily="2" charset="0"/>
+              </a:rPr>
+              <a:t>Lockdown</a:t>
+            </a:r>
+            <a:r>
               <a:rPr lang="en-US" sz="2400" dirty="0">
                 <a:solidFill>
                   <a:schemeClr val="tx1"/>
@@ -6109,7 +6119,7 @@
                 <a:effectLst/>
                 <a:latin typeface="Helvetica Neue" panose="02000503000000020004" pitchFamily="2" charset="0"/>
               </a:rPr>
-              <a:t>Lockdown mode in Canvas</a:t>
+              <a:t> mode in Canvas</a:t>
             </a:r>
           </a:p>
           <a:p>

--- a/teaching/ITIS6200/2023fa/lectures/Properties, policies, and mechanisms.pptx
+++ b/teaching/ITIS6200/2023fa/lectures/Properties, policies, and mechanisms.pptx
@@ -5,21 +5,20 @@
     <p:sldMasterId id="2147483663" r:id="rId1"/>
   </p:sldMasterIdLst>
   <p:notesMasterIdLst>
-    <p:notesMasterId r:id="rId14"/>
+    <p:notesMasterId r:id="rId13"/>
   </p:notesMasterIdLst>
   <p:sldIdLst>
-    <p:sldId id="257" r:id="rId2"/>
-    <p:sldId id="258" r:id="rId3"/>
-    <p:sldId id="263" r:id="rId4"/>
-    <p:sldId id="260" r:id="rId5"/>
-    <p:sldId id="264" r:id="rId6"/>
-    <p:sldId id="265" r:id="rId7"/>
-    <p:sldId id="262" r:id="rId8"/>
-    <p:sldId id="266" r:id="rId9"/>
-    <p:sldId id="259" r:id="rId10"/>
-    <p:sldId id="267" r:id="rId11"/>
-    <p:sldId id="268" r:id="rId12"/>
-    <p:sldId id="261" r:id="rId13"/>
+    <p:sldId id="258" r:id="rId2"/>
+    <p:sldId id="263" r:id="rId3"/>
+    <p:sldId id="260" r:id="rId4"/>
+    <p:sldId id="264" r:id="rId5"/>
+    <p:sldId id="265" r:id="rId6"/>
+    <p:sldId id="262" r:id="rId7"/>
+    <p:sldId id="266" r:id="rId8"/>
+    <p:sldId id="259" r:id="rId9"/>
+    <p:sldId id="267" r:id="rId10"/>
+    <p:sldId id="268" r:id="rId11"/>
+    <p:sldId id="261" r:id="rId12"/>
   </p:sldIdLst>
   <p:sldSz cx="9144000" cy="5143500" type="screen16x9"/>
   <p:notesSz cx="6858000" cy="9144000"/>
@@ -809,6 +808,11 @@
         </p:txBody>
       </p:sp>
     </p:spTree>
+    <p:extLst>
+      <p:ext uri="{BB962C8B-B14F-4D97-AF65-F5344CB8AC3E}">
+        <p14:creationId xmlns:p14="http://schemas.microsoft.com/office/powerpoint/2010/main" val="2619743359"/>
+      </p:ext>
+    </p:extLst>
   </p:cSld>
   <p:clrMapOvr>
     <a:masterClrMapping/>
@@ -915,7 +919,7 @@
     </p:spTree>
     <p:extLst>
       <p:ext uri="{BB962C8B-B14F-4D97-AF65-F5344CB8AC3E}">
-        <p14:creationId xmlns:p14="http://schemas.microsoft.com/office/powerpoint/2010/main" val="1478414472"/>
+        <p14:creationId xmlns:p14="http://schemas.microsoft.com/office/powerpoint/2010/main" val="2517228890"/>
       </p:ext>
     </p:extLst>
   </p:cSld>
@@ -926,115 +930,6 @@
 </file>
 
 <file path=ppt/notesSlides/notesSlide11.xml><?xml version="1.0" encoding="utf-8"?>
-<p:notes xmlns:a="http://schemas.openxmlformats.org/drawingml/2006/main" xmlns:r="http://schemas.openxmlformats.org/officeDocument/2006/relationships" xmlns:p="http://schemas.openxmlformats.org/presentationml/2006/main" showMasterSp="0" showMasterPhAnim="0">
-  <p:cSld>
-    <p:spTree>
-      <p:nvGrpSpPr>
-        <p:cNvPr id="1" name="Shape 75"/>
-        <p:cNvGrpSpPr/>
-        <p:nvPr/>
-      </p:nvGrpSpPr>
-      <p:grpSpPr>
-        <a:xfrm>
-          <a:off x="0" y="0"/>
-          <a:ext cx="0" cy="0"/>
-          <a:chOff x="0" y="0"/>
-          <a:chExt cx="0" cy="0"/>
-        </a:xfrm>
-      </p:grpSpPr>
-      <p:sp>
-        <p:nvSpPr>
-          <p:cNvPr id="76" name="Google Shape;76;g1139d5a3aa1_0_3:notes"/>
-          <p:cNvSpPr>
-            <a:spLocks noGrp="1" noRot="1" noChangeAspect="1"/>
-          </p:cNvSpPr>
-          <p:nvPr>
-            <p:ph type="sldImg" idx="2"/>
-          </p:nvPr>
-        </p:nvSpPr>
-        <p:spPr>
-          <a:xfrm>
-            <a:off x="381000" y="685800"/>
-            <a:ext cx="6096000" cy="3429000"/>
-          </a:xfrm>
-          <a:custGeom>
-            <a:avLst/>
-            <a:gdLst/>
-            <a:ahLst/>
-            <a:cxnLst/>
-            <a:rect l="l" t="t" r="r" b="b"/>
-            <a:pathLst>
-              <a:path w="120000" h="120000" extrusionOk="0">
-                <a:moveTo>
-                  <a:pt x="0" y="0"/>
-                </a:moveTo>
-                <a:lnTo>
-                  <a:pt x="120000" y="0"/>
-                </a:lnTo>
-                <a:lnTo>
-                  <a:pt x="120000" y="120000"/>
-                </a:lnTo>
-                <a:lnTo>
-                  <a:pt x="0" y="120000"/>
-                </a:lnTo>
-                <a:close/>
-              </a:path>
-            </a:pathLst>
-          </a:custGeom>
-        </p:spPr>
-      </p:sp>
-      <p:sp>
-        <p:nvSpPr>
-          <p:cNvPr id="77" name="Google Shape;77;g1139d5a3aa1_0_3:notes"/>
-          <p:cNvSpPr txBox="1">
-            <a:spLocks noGrp="1"/>
-          </p:cNvSpPr>
-          <p:nvPr>
-            <p:ph type="body" idx="1"/>
-          </p:nvPr>
-        </p:nvSpPr>
-        <p:spPr>
-          <a:xfrm>
-            <a:off x="685800" y="4343400"/>
-            <a:ext cx="5486400" cy="4114800"/>
-          </a:xfrm>
-          <a:prstGeom prst="rect">
-            <a:avLst/>
-          </a:prstGeom>
-        </p:spPr>
-        <p:txBody>
-          <a:bodyPr spcFirstLastPara="1" wrap="square" lIns="91425" tIns="91425" rIns="91425" bIns="91425" anchor="t" anchorCtr="0">
-            <a:noAutofit/>
-          </a:bodyPr>
-          <a:lstStyle/>
-          <a:p>
-            <a:pPr marL="0" lvl="0" indent="0" algn="l" rtl="0">
-              <a:spcBef>
-                <a:spcPts val="0"/>
-              </a:spcBef>
-              <a:spcAft>
-                <a:spcPts val="0"/>
-              </a:spcAft>
-              <a:buNone/>
-            </a:pPr>
-            <a:endParaRPr/>
-          </a:p>
-        </p:txBody>
-      </p:sp>
-    </p:spTree>
-    <p:extLst>
-      <p:ext uri="{BB962C8B-B14F-4D97-AF65-F5344CB8AC3E}">
-        <p14:creationId xmlns:p14="http://schemas.microsoft.com/office/powerpoint/2010/main" val="2517228890"/>
-      </p:ext>
-    </p:extLst>
-  </p:cSld>
-  <p:clrMapOvr>
-    <a:masterClrMapping/>
-  </p:clrMapOvr>
-</p:notes>
-</file>
-
-<file path=ppt/notesSlides/notesSlide12.xml><?xml version="1.0" encoding="utf-8"?>
 <p:notes xmlns:a="http://schemas.openxmlformats.org/drawingml/2006/main" xmlns:r="http://schemas.openxmlformats.org/officeDocument/2006/relationships" xmlns:p="http://schemas.openxmlformats.org/presentationml/2006/main" showMasterSp="0" showMasterPhAnim="0">
   <p:cSld>
     <p:spTree>
@@ -1242,7 +1137,7 @@
     </p:spTree>
     <p:extLst>
       <p:ext uri="{BB962C8B-B14F-4D97-AF65-F5344CB8AC3E}">
-        <p14:creationId xmlns:p14="http://schemas.microsoft.com/office/powerpoint/2010/main" val="2619743359"/>
+        <p14:creationId xmlns:p14="http://schemas.microsoft.com/office/powerpoint/2010/main" val="755306590"/>
       </p:ext>
     </p:extLst>
   </p:cSld>
@@ -1351,7 +1246,7 @@
     </p:spTree>
     <p:extLst>
       <p:ext uri="{BB962C8B-B14F-4D97-AF65-F5344CB8AC3E}">
-        <p14:creationId xmlns:p14="http://schemas.microsoft.com/office/powerpoint/2010/main" val="755306590"/>
+        <p14:creationId xmlns:p14="http://schemas.microsoft.com/office/powerpoint/2010/main" val="1837266723"/>
       </p:ext>
     </p:extLst>
   </p:cSld>
@@ -1460,7 +1355,7 @@
     </p:spTree>
     <p:extLst>
       <p:ext uri="{BB962C8B-B14F-4D97-AF65-F5344CB8AC3E}">
-        <p14:creationId xmlns:p14="http://schemas.microsoft.com/office/powerpoint/2010/main" val="1837266723"/>
+        <p14:creationId xmlns:p14="http://schemas.microsoft.com/office/powerpoint/2010/main" val="240716534"/>
       </p:ext>
     </p:extLst>
   </p:cSld>
@@ -1569,7 +1464,7 @@
     </p:spTree>
     <p:extLst>
       <p:ext uri="{BB962C8B-B14F-4D97-AF65-F5344CB8AC3E}">
-        <p14:creationId xmlns:p14="http://schemas.microsoft.com/office/powerpoint/2010/main" val="240716534"/>
+        <p14:creationId xmlns:p14="http://schemas.microsoft.com/office/powerpoint/2010/main" val="4093296396"/>
       </p:ext>
     </p:extLst>
   </p:cSld>
@@ -1671,14 +1566,88 @@
               </a:spcAft>
               <a:buNone/>
             </a:pPr>
-            <a:endParaRPr/>
+            <a:r>
+              <a:rPr lang="en-US" altLang="en-US" sz="1100" dirty="0"/>
+              <a:t>Usurpation: </a:t>
+            </a:r>
+            <a:r>
+              <a:rPr lang="en-US" b="0" i="0" dirty="0" err="1">
+                <a:solidFill>
+                  <a:srgbClr val="202124"/>
+                </a:solidFill>
+                <a:effectLst/>
+                <a:latin typeface="Roboto" panose="02000000000000000000" pitchFamily="2" charset="0"/>
+              </a:rPr>
+              <a:t>yoo</a:t>
+            </a:r>
+            <a:r>
+              <a:rPr lang="en-US" b="0" i="0" dirty="0" err="1">
+                <a:solidFill>
+                  <a:srgbClr val="3C4043"/>
+                </a:solidFill>
+                <a:effectLst/>
+                <a:latin typeface="Roboto" panose="020F0502020204030204" pitchFamily="34" charset="0"/>
+              </a:rPr>
+              <a:t>·</a:t>
+            </a:r>
+            <a:r>
+              <a:rPr lang="en-US" b="0" i="0" dirty="0" err="1">
+                <a:solidFill>
+                  <a:srgbClr val="202124"/>
+                </a:solidFill>
+                <a:effectLst/>
+                <a:latin typeface="Roboto" panose="02000000000000000000" pitchFamily="2" charset="0"/>
+              </a:rPr>
+              <a:t>sr</a:t>
+            </a:r>
+            <a:r>
+              <a:rPr lang="en-US" b="0" i="0" dirty="0" err="1">
+                <a:solidFill>
+                  <a:srgbClr val="3C4043"/>
+                </a:solidFill>
+                <a:effectLst/>
+                <a:latin typeface="Roboto" panose="02000000000000000000" pitchFamily="2" charset="0"/>
+              </a:rPr>
+              <a:t>·</a:t>
+            </a:r>
+            <a:r>
+              <a:rPr lang="en-US" b="1" i="0" dirty="0" err="1">
+                <a:solidFill>
+                  <a:srgbClr val="202124"/>
+                </a:solidFill>
+                <a:effectLst/>
+                <a:latin typeface="Roboto" panose="02000000000000000000" pitchFamily="2" charset="0"/>
+              </a:rPr>
+              <a:t>pay</a:t>
+            </a:r>
+            <a:r>
+              <a:rPr lang="en-US" b="0" i="0" dirty="0" err="1">
+                <a:solidFill>
+                  <a:srgbClr val="3C4043"/>
+                </a:solidFill>
+                <a:effectLst/>
+                <a:latin typeface="Roboto" panose="02000000000000000000" pitchFamily="2" charset="0"/>
+              </a:rPr>
+              <a:t>·</a:t>
+            </a:r>
+            <a:r>
+              <a:rPr lang="en-US" b="0" i="0" dirty="0" err="1">
+                <a:solidFill>
+                  <a:srgbClr val="202124"/>
+                </a:solidFill>
+                <a:effectLst/>
+                <a:latin typeface="Roboto" panose="02000000000000000000" pitchFamily="2" charset="0"/>
+              </a:rPr>
+              <a:t>shn</a:t>
+            </a:r>
+            <a:endParaRPr dirty="0"/>
           </a:p>
         </p:txBody>
       </p:sp>
     </p:spTree>
     <p:extLst>
       <p:ext uri="{BB962C8B-B14F-4D97-AF65-F5344CB8AC3E}">
-        <p14:creationId xmlns:p14="http://schemas.microsoft.com/office/powerpoint/2010/main" val="4093296396"/>
+        <p14:creationId xmlns:p14="http://schemas.microsoft.com/office/powerpoint/2010/main" val="973088344"/>
       </p:ext>
     </p:extLst>
   </p:cSld>
@@ -1780,88 +1749,14 @@
               </a:spcAft>
               <a:buNone/>
             </a:pPr>
-            <a:r>
-              <a:rPr lang="en-US" altLang="en-US" sz="1100" dirty="0"/>
-              <a:t>Usurpation: </a:t>
-            </a:r>
-            <a:r>
-              <a:rPr lang="en-US" b="0" i="0" dirty="0" err="1">
-                <a:solidFill>
-                  <a:srgbClr val="202124"/>
-                </a:solidFill>
-                <a:effectLst/>
-                <a:latin typeface="Roboto" panose="02000000000000000000" pitchFamily="2" charset="0"/>
-              </a:rPr>
-              <a:t>yoo</a:t>
-            </a:r>
-            <a:r>
-              <a:rPr lang="en-US" b="0" i="0" dirty="0" err="1">
-                <a:solidFill>
-                  <a:srgbClr val="3C4043"/>
-                </a:solidFill>
-                <a:effectLst/>
-                <a:latin typeface="Roboto" panose="020F0502020204030204" pitchFamily="34" charset="0"/>
-              </a:rPr>
-              <a:t>·</a:t>
-            </a:r>
-            <a:r>
-              <a:rPr lang="en-US" b="0" i="0" dirty="0" err="1">
-                <a:solidFill>
-                  <a:srgbClr val="202124"/>
-                </a:solidFill>
-                <a:effectLst/>
-                <a:latin typeface="Roboto" panose="02000000000000000000" pitchFamily="2" charset="0"/>
-              </a:rPr>
-              <a:t>sr</a:t>
-            </a:r>
-            <a:r>
-              <a:rPr lang="en-US" b="0" i="0" dirty="0" err="1">
-                <a:solidFill>
-                  <a:srgbClr val="3C4043"/>
-                </a:solidFill>
-                <a:effectLst/>
-                <a:latin typeface="Roboto" panose="02000000000000000000" pitchFamily="2" charset="0"/>
-              </a:rPr>
-              <a:t>·</a:t>
-            </a:r>
-            <a:r>
-              <a:rPr lang="en-US" b="1" i="0" dirty="0" err="1">
-                <a:solidFill>
-                  <a:srgbClr val="202124"/>
-                </a:solidFill>
-                <a:effectLst/>
-                <a:latin typeface="Roboto" panose="02000000000000000000" pitchFamily="2" charset="0"/>
-              </a:rPr>
-              <a:t>pay</a:t>
-            </a:r>
-            <a:r>
-              <a:rPr lang="en-US" b="0" i="0" dirty="0" err="1">
-                <a:solidFill>
-                  <a:srgbClr val="3C4043"/>
-                </a:solidFill>
-                <a:effectLst/>
-                <a:latin typeface="Roboto" panose="02000000000000000000" pitchFamily="2" charset="0"/>
-              </a:rPr>
-              <a:t>·</a:t>
-            </a:r>
-            <a:r>
-              <a:rPr lang="en-US" b="0" i="0" dirty="0" err="1">
-                <a:solidFill>
-                  <a:srgbClr val="202124"/>
-                </a:solidFill>
-                <a:effectLst/>
-                <a:latin typeface="Roboto" panose="02000000000000000000" pitchFamily="2" charset="0"/>
-              </a:rPr>
-              <a:t>shn</a:t>
-            </a:r>
-            <a:endParaRPr dirty="0"/>
+            <a:endParaRPr/>
           </a:p>
         </p:txBody>
       </p:sp>
     </p:spTree>
     <p:extLst>
       <p:ext uri="{BB962C8B-B14F-4D97-AF65-F5344CB8AC3E}">
-        <p14:creationId xmlns:p14="http://schemas.microsoft.com/office/powerpoint/2010/main" val="973088344"/>
+        <p14:creationId xmlns:p14="http://schemas.microsoft.com/office/powerpoint/2010/main" val="884656788"/>
       </p:ext>
     </p:extLst>
   </p:cSld>
@@ -1970,7 +1865,7 @@
     </p:spTree>
     <p:extLst>
       <p:ext uri="{BB962C8B-B14F-4D97-AF65-F5344CB8AC3E}">
-        <p14:creationId xmlns:p14="http://schemas.microsoft.com/office/powerpoint/2010/main" val="884656788"/>
+        <p14:creationId xmlns:p14="http://schemas.microsoft.com/office/powerpoint/2010/main" val="2824404521"/>
       </p:ext>
     </p:extLst>
   </p:cSld>
@@ -2079,7 +1974,7 @@
     </p:spTree>
     <p:extLst>
       <p:ext uri="{BB962C8B-B14F-4D97-AF65-F5344CB8AC3E}">
-        <p14:creationId xmlns:p14="http://schemas.microsoft.com/office/powerpoint/2010/main" val="2824404521"/>
+        <p14:creationId xmlns:p14="http://schemas.microsoft.com/office/powerpoint/2010/main" val="1478414472"/>
       </p:ext>
     </p:extLst>
   </p:cSld>
@@ -6035,7 +5930,7 @@
             </a:pPr>
             <a:r>
               <a:rPr lang="en" dirty="0"/>
-              <a:t>Announcement</a:t>
+              <a:t>Today’s plan: Some Review</a:t>
             </a:r>
             <a:endParaRPr dirty="0"/>
           </a:p>
@@ -6062,14 +5957,11 @@
         </p:spPr>
         <p:txBody>
           <a:bodyPr spcFirstLastPara="1" wrap="square" lIns="91425" tIns="91425" rIns="91425" bIns="91425" anchor="t" anchorCtr="0">
-            <a:normAutofit fontScale="85000" lnSpcReduction="20000"/>
+            <a:normAutofit/>
           </a:bodyPr>
           <a:lstStyle/>
           <a:p>
             <a:pPr marL="457200" lvl="0" indent="-342900" algn="l" rtl="0">
-              <a:lnSpc>
-                <a:spcPct val="125000"/>
-              </a:lnSpc>
               <a:spcBef>
                 <a:spcPts val="0"/>
               </a:spcBef>
@@ -6080,189 +5972,129 @@
               <a:buChar char="●"/>
             </a:pPr>
             <a:r>
-              <a:rPr lang="en-US" sz="3300" dirty="0">
+              <a:rPr lang="en-US" sz="2800" dirty="0">
                 <a:solidFill>
                   <a:schemeClr val="tx1"/>
                 </a:solidFill>
               </a:rPr>
-              <a:t>Midterm</a:t>
-            </a:r>
+              <a:t>Properties</a:t>
+            </a:r>
+          </a:p>
+          <a:p>
+            <a:pPr marL="457200" lvl="0" indent="-342900" algn="l" rtl="0">
+              <a:spcBef>
+                <a:spcPts val="0"/>
+              </a:spcBef>
+              <a:spcAft>
+                <a:spcPts val="0"/>
+              </a:spcAft>
+              <a:buSzPts val="1800"/>
+              <a:buChar char="●"/>
+            </a:pPr>
             <a:endParaRPr lang="en-US" sz="2800" dirty="0">
               <a:solidFill>
                 <a:schemeClr val="tx1"/>
               </a:solidFill>
+              <a:latin typeface="Helvetica Neue" panose="02000503000000020004" pitchFamily="2" charset="0"/>
             </a:endParaRPr>
           </a:p>
           <a:p>
-            <a:pPr lvl="1" indent="-342900">
-              <a:lnSpc>
-                <a:spcPct val="125000"/>
-              </a:lnSpc>
+            <a:pPr marL="457200" lvl="0" indent="-342900" algn="l" rtl="0">
+              <a:spcBef>
+                <a:spcPts val="0"/>
+              </a:spcBef>
+              <a:spcAft>
+                <a:spcPts val="0"/>
+              </a:spcAft>
               <a:buSzPts val="1800"/>
               <a:buChar char="●"/>
             </a:pPr>
             <a:r>
-              <a:rPr lang="en-US" sz="2400" b="1" dirty="0">
-                <a:solidFill>
-                  <a:schemeClr val="tx1"/>
-                </a:solidFill>
-                <a:effectLst/>
-                <a:latin typeface="Helvetica Neue" panose="02000503000000020004" pitchFamily="2" charset="0"/>
-              </a:rPr>
-              <a:t>Lockdown</a:t>
-            </a:r>
-            <a:r>
-              <a:rPr lang="en-US" sz="2400" dirty="0">
-                <a:solidFill>
-                  <a:schemeClr val="tx1"/>
-                </a:solidFill>
-                <a:effectLst/>
-                <a:latin typeface="Helvetica Neue" panose="02000503000000020004" pitchFamily="2" charset="0"/>
-              </a:rPr>
-              <a:t> mode in Canvas</a:t>
-            </a:r>
-          </a:p>
-          <a:p>
-            <a:pPr lvl="2" indent="-342900">
-              <a:lnSpc>
-                <a:spcPct val="125000"/>
-              </a:lnSpc>
-              <a:buSzPts val="1800"/>
-              <a:buChar char="●"/>
-            </a:pPr>
-            <a:r>
-              <a:rPr lang="en-US" sz="2400" dirty="0">
+              <a:rPr lang="en-US" sz="2800" dirty="0">
                 <a:solidFill>
                   <a:schemeClr val="tx1"/>
                 </a:solidFill>
                 <a:latin typeface="Helvetica Neue" panose="02000503000000020004" pitchFamily="2" charset="0"/>
               </a:rPr>
-              <a:t>Recording with webcam</a:t>
-            </a:r>
-          </a:p>
-          <a:p>
-            <a:pPr lvl="2" indent="-342900">
-              <a:lnSpc>
-                <a:spcPct val="125000"/>
-              </a:lnSpc>
+              <a:t>Policies</a:t>
+            </a:r>
+          </a:p>
+          <a:p>
+            <a:pPr marL="457200" lvl="0" indent="-342900" algn="l" rtl="0">
+              <a:spcBef>
+                <a:spcPts val="0"/>
+              </a:spcBef>
+              <a:spcAft>
+                <a:spcPts val="0"/>
+              </a:spcAft>
               <a:buSzPts val="1800"/>
               <a:buChar char="●"/>
             </a:pPr>
-            <a:r>
-              <a:rPr lang="en-US" sz="2400" dirty="0">
+            <a:endParaRPr lang="en-US" sz="2800" dirty="0">
+              <a:solidFill>
+                <a:schemeClr val="tx1"/>
+              </a:solidFill>
+              <a:latin typeface="Helvetica Neue" panose="02000503000000020004" pitchFamily="2" charset="0"/>
+            </a:endParaRPr>
+          </a:p>
+          <a:p>
+            <a:pPr marL="457200" lvl="0" indent="-342900" algn="l" rtl="0">
+              <a:spcBef>
+                <a:spcPts val="0"/>
+              </a:spcBef>
+              <a:spcAft>
+                <a:spcPts val="0"/>
+              </a:spcAft>
+              <a:buSzPts val="1800"/>
+              <a:buChar char="●"/>
+            </a:pPr>
+            <a:r>
+              <a:rPr lang="en-US" sz="2800" dirty="0">
                 <a:solidFill>
                   <a:schemeClr val="tx1"/>
                 </a:solidFill>
                 <a:latin typeface="Helvetica Neue" panose="02000503000000020004" pitchFamily="2" charset="0"/>
               </a:rPr>
-              <a:t>A quiz for testing purpose</a:t>
-            </a:r>
-          </a:p>
-          <a:p>
-            <a:pPr lvl="2" indent="-342900">
-              <a:lnSpc>
-                <a:spcPct val="125000"/>
-              </a:lnSpc>
+              <a:t>Mechanisms </a:t>
+            </a:r>
+          </a:p>
+          <a:p>
+            <a:pPr marL="457200" lvl="0" indent="-342900" algn="l" rtl="0">
+              <a:spcBef>
+                <a:spcPts val="0"/>
+              </a:spcBef>
+              <a:spcAft>
+                <a:spcPts val="0"/>
+              </a:spcAft>
               <a:buSzPts val="1800"/>
               <a:buChar char="●"/>
             </a:pPr>
-            <a:r>
-              <a:rPr lang="en-US" sz="2400" dirty="0">
+            <a:endParaRPr lang="en-US" sz="2800" dirty="0">
+              <a:solidFill>
+                <a:schemeClr val="tx1"/>
+              </a:solidFill>
+              <a:latin typeface="Helvetica Neue" panose="02000503000000020004" pitchFamily="2" charset="0"/>
+            </a:endParaRPr>
+          </a:p>
+          <a:p>
+            <a:pPr marL="457200" lvl="0" indent="-342900" algn="l" rtl="0">
+              <a:spcBef>
+                <a:spcPts val="0"/>
+              </a:spcBef>
+              <a:spcAft>
+                <a:spcPts val="0"/>
+              </a:spcAft>
+              <a:buSzPts val="1800"/>
+              <a:buChar char="●"/>
+            </a:pPr>
+            <a:r>
+              <a:rPr lang="en-US" sz="2800" dirty="0">
                 <a:solidFill>
                   <a:schemeClr val="tx1"/>
                 </a:solidFill>
                 <a:latin typeface="Helvetica Neue" panose="02000503000000020004" pitchFamily="2" charset="0"/>
               </a:rPr>
-              <a:t>No access to anything other than Canvas</a:t>
-            </a:r>
-            <a:endParaRPr lang="en-US" sz="2400" dirty="0">
-              <a:solidFill>
-                <a:schemeClr val="tx1"/>
-              </a:solidFill>
-              <a:effectLst/>
-              <a:latin typeface="Helvetica Neue" panose="02000503000000020004" pitchFamily="2" charset="0"/>
-            </a:endParaRPr>
-          </a:p>
-          <a:p>
-            <a:pPr lvl="1" indent="-342900">
-              <a:lnSpc>
-                <a:spcPct val="125000"/>
-              </a:lnSpc>
-              <a:buSzPts val="1800"/>
-              <a:buChar char="●"/>
-            </a:pPr>
-            <a:endParaRPr lang="en-US" sz="2400" dirty="0">
-              <a:solidFill>
-                <a:schemeClr val="tx1"/>
-              </a:solidFill>
-              <a:effectLst/>
-              <a:latin typeface="Helvetica Neue" panose="02000503000000020004" pitchFamily="2" charset="0"/>
-            </a:endParaRPr>
-          </a:p>
-          <a:p>
-            <a:pPr>
-              <a:lnSpc>
-                <a:spcPct val="125000"/>
-              </a:lnSpc>
-            </a:pPr>
-            <a:r>
-              <a:rPr lang="en-US" sz="3300" dirty="0">
-                <a:solidFill>
-                  <a:schemeClr val="tx1"/>
-                </a:solidFill>
-                <a:latin typeface="Helvetica Neue" panose="02000503000000020004" pitchFamily="2" charset="0"/>
-              </a:rPr>
-              <a:t>UNCC security sympathism: (extra credit) 1% </a:t>
-            </a:r>
-          </a:p>
-          <a:p>
-            <a:pPr lvl="1">
-              <a:lnSpc>
-                <a:spcPct val="125000"/>
-              </a:lnSpc>
-            </a:pPr>
-            <a:r>
-              <a:rPr lang="en-US" sz="2400" dirty="0">
-                <a:solidFill>
-                  <a:schemeClr val="tx1"/>
-                </a:solidFill>
-                <a:effectLst/>
-                <a:latin typeface="Helvetica Neue" panose="02000503000000020004" pitchFamily="2" charset="0"/>
-              </a:rPr>
-              <a:t>Upload one or two paragraphs about: </a:t>
-            </a:r>
-          </a:p>
-          <a:p>
-            <a:pPr lvl="2">
-              <a:lnSpc>
-                <a:spcPct val="125000"/>
-              </a:lnSpc>
-            </a:pPr>
-            <a:r>
-              <a:rPr lang="en-US" sz="2400" dirty="0">
-                <a:solidFill>
-                  <a:schemeClr val="tx1"/>
-                </a:solidFill>
-                <a:latin typeface="Helvetica Neue" panose="02000503000000020004" pitchFamily="2" charset="0"/>
-              </a:rPr>
-              <a:t>The talk(s) you went</a:t>
-            </a:r>
-          </a:p>
-          <a:p>
-            <a:pPr lvl="2">
-              <a:lnSpc>
-                <a:spcPct val="125000"/>
-              </a:lnSpc>
-            </a:pPr>
-            <a:r>
-              <a:rPr lang="en-US" sz="2400" dirty="0">
-                <a:solidFill>
-                  <a:schemeClr val="tx1"/>
-                </a:solidFill>
-                <a:effectLst/>
-                <a:latin typeface="Helvetica Neue" panose="02000503000000020004" pitchFamily="2" charset="0"/>
-              </a:rPr>
-              <a:t>What do you think about the contents of the talk(s)</a:t>
+              <a:t>Assignment #1 Review</a:t>
             </a:r>
           </a:p>
         </p:txBody>
@@ -6310,6 +6142,11 @@
         </p:txBody>
       </p:sp>
     </p:spTree>
+    <p:extLst>
+      <p:ext uri="{BB962C8B-B14F-4D97-AF65-F5344CB8AC3E}">
+        <p14:creationId xmlns:p14="http://schemas.microsoft.com/office/powerpoint/2010/main" val="2423837551"/>
+      </p:ext>
+    </p:extLst>
   </p:cSld>
   <p:clrMapOvr>
     <a:masterClrMapping/>
@@ -6359,20 +6196,15 @@
           </a:bodyPr>
           <a:lstStyle/>
           <a:p>
-            <a:pPr marL="0" lvl="0" indent="0" algn="l" rtl="0">
-              <a:spcBef>
-                <a:spcPts val="0"/>
-              </a:spcBef>
-              <a:spcAft>
-                <a:spcPts val="0"/>
-              </a:spcAft>
-              <a:buNone/>
-            </a:pPr>
-            <a:r>
-              <a:rPr lang="en" dirty="0"/>
-              <a:t>Example Policies &amp; Mechanisms </a:t>
-            </a:r>
-            <a:endParaRPr dirty="0"/>
+            <a:pPr eaLnBrk="1" hangingPunct="1">
+              <a:lnSpc>
+                <a:spcPct val="134000"/>
+              </a:lnSpc>
+            </a:pPr>
+            <a:r>
+              <a:rPr lang="en-US" altLang="en-US" dirty="0"/>
+              <a:t>Assumptions:</a:t>
+            </a:r>
           </a:p>
         </p:txBody>
       </p:sp>
@@ -6397,120 +6229,93 @@
         </p:spPr>
         <p:txBody>
           <a:bodyPr spcFirstLastPara="1" wrap="square" lIns="91425" tIns="91425" rIns="91425" bIns="91425" anchor="t" anchorCtr="0">
-            <a:normAutofit fontScale="92500" lnSpcReduction="20000"/>
+            <a:normAutofit fontScale="85000" lnSpcReduction="10000"/>
           </a:bodyPr>
           <a:lstStyle/>
+          <a:p>
+            <a:pPr>
+              <a:lnSpc>
+                <a:spcPct val="134000"/>
+              </a:lnSpc>
+            </a:pPr>
+            <a:r>
+              <a:rPr lang="en-US" altLang="en-US" sz="2800" dirty="0"/>
+              <a:t>Security rests on assumptions of the required security and application environments</a:t>
+            </a:r>
+          </a:p>
+          <a:p>
+            <a:pPr>
+              <a:lnSpc>
+                <a:spcPct val="134000"/>
+              </a:lnSpc>
+            </a:pPr>
+            <a:r>
+              <a:rPr lang="en-US" altLang="en-US" sz="2800" dirty="0"/>
+              <a:t>Assumptions of a security policy</a:t>
+            </a:r>
+          </a:p>
+          <a:p>
+            <a:pPr lvl="1">
+              <a:lnSpc>
+                <a:spcPct val="134000"/>
+              </a:lnSpc>
+            </a:pPr>
+            <a:r>
+              <a:rPr lang="en-US" altLang="en-US" sz="2000" dirty="0"/>
+              <a:t>A policy can correctly and unambiguously partitions system states into secure and insecure</a:t>
+            </a:r>
+          </a:p>
+          <a:p>
+            <a:pPr lvl="1">
+              <a:lnSpc>
+                <a:spcPct val="134000"/>
+              </a:lnSpc>
+            </a:pPr>
+            <a:r>
+              <a:rPr lang="en-US" altLang="en-US" sz="2000" dirty="0"/>
+              <a:t>A security mechanism will prevent a system from entering an insecure state</a:t>
+            </a:r>
+          </a:p>
+          <a:p>
+            <a:pPr lvl="1">
+              <a:lnSpc>
+                <a:spcPct val="134000"/>
+              </a:lnSpc>
+            </a:pPr>
+            <a:r>
+              <a:rPr lang="en-US" altLang="en-US" sz="2000" dirty="0"/>
+              <a:t>Examples: </a:t>
+            </a:r>
+          </a:p>
+          <a:p>
+            <a:pPr lvl="2">
+              <a:lnSpc>
+                <a:spcPct val="134000"/>
+              </a:lnSpc>
+            </a:pPr>
+            <a:r>
+              <a:rPr lang="en-US" altLang="en-US" sz="2000" dirty="0"/>
+              <a:t>Symmetric key encryption is secure, assumption? </a:t>
+            </a:r>
+          </a:p>
+          <a:p>
+            <a:pPr lvl="2">
+              <a:lnSpc>
+                <a:spcPct val="134000"/>
+              </a:lnSpc>
+            </a:pPr>
+            <a:r>
+              <a:rPr lang="en-US" altLang="en-US" sz="2000" dirty="0"/>
+              <a:t>Asymmetric key encryption is secure, assumption? </a:t>
+            </a:r>
+          </a:p>
           <a:p>
             <a:pPr eaLnBrk="1" hangingPunct="1">
               <a:lnSpc>
                 <a:spcPct val="134000"/>
               </a:lnSpc>
             </a:pPr>
-            <a:r>
-              <a:rPr lang="en-US" altLang="en-US" sz="2400" dirty="0"/>
-              <a:t>Policies examples</a:t>
-            </a:r>
-            <a:endParaRPr lang="en-US" altLang="en-US" sz="2800" dirty="0"/>
-          </a:p>
-          <a:p>
-            <a:pPr lvl="1">
-              <a:lnSpc>
-                <a:spcPct val="134000"/>
-              </a:lnSpc>
-            </a:pPr>
-            <a:r>
-              <a:rPr lang="en-US" altLang="en-US" sz="1600" dirty="0"/>
-              <a:t>Our course policies: e.g., no cheating is allowed</a:t>
-            </a:r>
-          </a:p>
-          <a:p>
-            <a:pPr lvl="1">
-              <a:lnSpc>
-                <a:spcPct val="134000"/>
-              </a:lnSpc>
-            </a:pPr>
-            <a:r>
-              <a:rPr lang="en-US" altLang="en-US" sz="1600" dirty="0"/>
-              <a:t>Confidentiality: Eavesdropper (e.g., Eve) should not be able to see the content of messages between two parties (e.g., Alice and Bob)</a:t>
-            </a:r>
-          </a:p>
-          <a:p>
-            <a:pPr lvl="1">
-              <a:lnSpc>
-                <a:spcPct val="134000"/>
-              </a:lnSpc>
-            </a:pPr>
-            <a:r>
-              <a:rPr lang="en-US" altLang="en-US" sz="1600" dirty="0"/>
-              <a:t>Integrity: A manipulator (e.g., Mallory) should not be able to modify the messages without being noticed</a:t>
-            </a:r>
-          </a:p>
-          <a:p>
-            <a:pPr lvl="1">
-              <a:lnSpc>
-                <a:spcPct val="134000"/>
-              </a:lnSpc>
-            </a:pPr>
-            <a:r>
-              <a:rPr lang="en-US" altLang="en-US" sz="1600" dirty="0"/>
-              <a:t>Availability: The server (e.g., AWS) should be able to function 99.99% of the time</a:t>
-            </a:r>
             <a:endParaRPr lang="en-US" altLang="en-US" sz="2000" dirty="0"/>
-          </a:p>
-          <a:p>
-            <a:pPr eaLnBrk="1" hangingPunct="1">
-              <a:lnSpc>
-                <a:spcPct val="134000"/>
-              </a:lnSpc>
-            </a:pPr>
-            <a:r>
-              <a:rPr lang="en-US" altLang="en-US" sz="2400" dirty="0"/>
-              <a:t>Mechanisms: what we are learning mostly</a:t>
-            </a:r>
-          </a:p>
-          <a:p>
-            <a:pPr lvl="1">
-              <a:lnSpc>
-                <a:spcPct val="134000"/>
-              </a:lnSpc>
-            </a:pPr>
-            <a:r>
-              <a:rPr lang="en-US" altLang="en-US" sz="1600" dirty="0"/>
-              <a:t>Cryptographic techniques</a:t>
-            </a:r>
-          </a:p>
-          <a:p>
-            <a:pPr lvl="1">
-              <a:lnSpc>
-                <a:spcPct val="134000"/>
-              </a:lnSpc>
-            </a:pPr>
-            <a:r>
-              <a:rPr lang="en-US" altLang="en-US" sz="1600" dirty="0"/>
-              <a:t>Access control</a:t>
-            </a:r>
-          </a:p>
-          <a:p>
-            <a:pPr lvl="1">
-              <a:lnSpc>
-                <a:spcPct val="134000"/>
-              </a:lnSpc>
-            </a:pPr>
-            <a:r>
-              <a:rPr lang="en-US" altLang="en-US" sz="1600" dirty="0"/>
-              <a:t>Isolation</a:t>
-            </a:r>
-          </a:p>
-          <a:p>
-            <a:pPr lvl="1">
-              <a:lnSpc>
-                <a:spcPct val="134000"/>
-              </a:lnSpc>
-            </a:pPr>
-            <a:r>
-              <a:rPr lang="en-US" altLang="en-US" sz="1600" dirty="0"/>
-              <a:t>Secure programming and testing</a:t>
-            </a:r>
           </a:p>
         </p:txBody>
       </p:sp>
@@ -6559,7 +6364,7 @@
     </p:spTree>
     <p:extLst>
       <p:ext uri="{BB962C8B-B14F-4D97-AF65-F5344CB8AC3E}">
-        <p14:creationId xmlns:p14="http://schemas.microsoft.com/office/powerpoint/2010/main" val="1591477557"/>
+        <p14:creationId xmlns:p14="http://schemas.microsoft.com/office/powerpoint/2010/main" val="3489123996"/>
       </p:ext>
     </p:extLst>
   </p:cSld>
@@ -6611,15 +6416,20 @@
           </a:bodyPr>
           <a:lstStyle/>
           <a:p>
-            <a:pPr eaLnBrk="1" hangingPunct="1">
-              <a:lnSpc>
-                <a:spcPct val="134000"/>
-              </a:lnSpc>
-            </a:pPr>
-            <a:r>
-              <a:rPr lang="en-US" altLang="en-US" dirty="0"/>
-              <a:t>Assumptions:</a:t>
-            </a:r>
+            <a:pPr marL="0" lvl="0" indent="0" algn="l" rtl="0">
+              <a:spcBef>
+                <a:spcPts val="0"/>
+              </a:spcBef>
+              <a:spcAft>
+                <a:spcPts val="0"/>
+              </a:spcAft>
+              <a:buNone/>
+            </a:pPr>
+            <a:r>
+              <a:rPr lang="en" dirty="0"/>
+              <a:t>Assignment #1 </a:t>
+            </a:r>
+            <a:endParaRPr dirty="0"/>
           </a:p>
         </p:txBody>
       </p:sp>
@@ -6644,93 +6454,141 @@
         </p:spPr>
         <p:txBody>
           <a:bodyPr spcFirstLastPara="1" wrap="square" lIns="91425" tIns="91425" rIns="91425" bIns="91425" anchor="t" anchorCtr="0">
-            <a:normAutofit fontScale="85000" lnSpcReduction="10000"/>
+            <a:normAutofit/>
           </a:bodyPr>
           <a:lstStyle/>
           <a:p>
-            <a:pPr>
-              <a:lnSpc>
-                <a:spcPct val="134000"/>
-              </a:lnSpc>
-            </a:pPr>
-            <a:r>
-              <a:rPr lang="en-US" altLang="en-US" sz="2800" dirty="0"/>
-              <a:t>Security rests on assumptions of the required security and application environments</a:t>
-            </a:r>
-          </a:p>
-          <a:p>
-            <a:pPr>
-              <a:lnSpc>
-                <a:spcPct val="134000"/>
-              </a:lnSpc>
-            </a:pPr>
-            <a:r>
-              <a:rPr lang="en-US" altLang="en-US" sz="2800" dirty="0"/>
-              <a:t>Assumptions of a security policy</a:t>
-            </a:r>
-          </a:p>
-          <a:p>
-            <a:pPr lvl="1">
-              <a:lnSpc>
-                <a:spcPct val="134000"/>
-              </a:lnSpc>
-            </a:pPr>
-            <a:r>
-              <a:rPr lang="en-US" altLang="en-US" sz="2000" dirty="0"/>
-              <a:t>A policy can correctly and unambiguously partitions system states into secure and insecure</a:t>
-            </a:r>
-          </a:p>
-          <a:p>
-            <a:pPr lvl="1">
-              <a:lnSpc>
-                <a:spcPct val="134000"/>
-              </a:lnSpc>
-            </a:pPr>
-            <a:r>
-              <a:rPr lang="en-US" altLang="en-US" sz="2000" dirty="0"/>
-              <a:t>A security mechanism will prevent a system from entering an insecure state</a:t>
-            </a:r>
-          </a:p>
-          <a:p>
-            <a:pPr lvl="1">
-              <a:lnSpc>
-                <a:spcPct val="134000"/>
-              </a:lnSpc>
-            </a:pPr>
-            <a:r>
-              <a:rPr lang="en-US" altLang="en-US" sz="2000" dirty="0"/>
-              <a:t>Examples: </a:t>
-            </a:r>
-          </a:p>
-          <a:p>
-            <a:pPr lvl="2">
-              <a:lnSpc>
-                <a:spcPct val="134000"/>
-              </a:lnSpc>
-            </a:pPr>
-            <a:r>
-              <a:rPr lang="en-US" altLang="en-US" sz="2000" dirty="0"/>
-              <a:t>Symmetric key encryption is secure, assumption? </a:t>
-            </a:r>
-          </a:p>
-          <a:p>
-            <a:pPr lvl="2">
-              <a:lnSpc>
-                <a:spcPct val="134000"/>
-              </a:lnSpc>
-            </a:pPr>
-            <a:r>
-              <a:rPr lang="en-US" altLang="en-US" sz="2000" dirty="0"/>
-              <a:t>Asymmetric key encryption is secure, assumption? </a:t>
-            </a:r>
-          </a:p>
-          <a:p>
-            <a:pPr eaLnBrk="1" hangingPunct="1">
-              <a:lnSpc>
-                <a:spcPct val="134000"/>
-              </a:lnSpc>
-            </a:pPr>
-            <a:endParaRPr lang="en-US" altLang="en-US" sz="2000" dirty="0"/>
+            <a:pPr marL="457200" lvl="0" indent="-342900" algn="l" rtl="0">
+              <a:spcBef>
+                <a:spcPts val="0"/>
+              </a:spcBef>
+              <a:spcAft>
+                <a:spcPts val="0"/>
+              </a:spcAft>
+              <a:buSzPts val="1800"/>
+              <a:buChar char="●"/>
+            </a:pPr>
+            <a:r>
+              <a:rPr lang="en-US" sz="2400" dirty="0">
+                <a:solidFill>
+                  <a:schemeClr val="tx1"/>
+                </a:solidFill>
+                <a:latin typeface="Helvetica Neue" panose="02000503000000020004" pitchFamily="2" charset="0"/>
+              </a:rPr>
+              <a:t>Question 1</a:t>
+            </a:r>
+          </a:p>
+          <a:p>
+            <a:pPr marL="457200" lvl="0" indent="-342900" algn="l" rtl="0">
+              <a:spcBef>
+                <a:spcPts val="0"/>
+              </a:spcBef>
+              <a:spcAft>
+                <a:spcPts val="0"/>
+              </a:spcAft>
+              <a:buSzPts val="1800"/>
+              <a:buChar char="●"/>
+            </a:pPr>
+            <a:endParaRPr lang="en-US" sz="2400" dirty="0">
+              <a:solidFill>
+                <a:schemeClr val="tx1"/>
+              </a:solidFill>
+              <a:latin typeface="Helvetica Neue" panose="02000503000000020004" pitchFamily="2" charset="0"/>
+            </a:endParaRPr>
+          </a:p>
+          <a:p>
+            <a:pPr marL="457200" lvl="0" indent="-342900" algn="l" rtl="0">
+              <a:spcBef>
+                <a:spcPts val="0"/>
+              </a:spcBef>
+              <a:spcAft>
+                <a:spcPts val="0"/>
+              </a:spcAft>
+              <a:buSzPts val="1800"/>
+              <a:buChar char="●"/>
+            </a:pPr>
+            <a:endParaRPr lang="en-US" sz="2400" dirty="0">
+              <a:solidFill>
+                <a:schemeClr val="tx1"/>
+              </a:solidFill>
+              <a:latin typeface="Helvetica Neue" panose="02000503000000020004" pitchFamily="2" charset="0"/>
+            </a:endParaRPr>
+          </a:p>
+          <a:p>
+            <a:r>
+              <a:rPr lang="en-US" sz="2400" dirty="0">
+                <a:solidFill>
+                  <a:schemeClr val="tx1"/>
+                </a:solidFill>
+                <a:latin typeface="Helvetica Neue" panose="02000503000000020004" pitchFamily="2" charset="0"/>
+              </a:rPr>
+              <a:t>Question 2</a:t>
+            </a:r>
+          </a:p>
+          <a:p>
+            <a:pPr marL="457200" lvl="0" indent="-342900" algn="l" rtl="0">
+              <a:spcBef>
+                <a:spcPts val="0"/>
+              </a:spcBef>
+              <a:spcAft>
+                <a:spcPts val="0"/>
+              </a:spcAft>
+              <a:buSzPts val="1800"/>
+              <a:buChar char="●"/>
+            </a:pPr>
+            <a:endParaRPr lang="en-US" sz="2400" dirty="0">
+              <a:solidFill>
+                <a:schemeClr val="tx1"/>
+              </a:solidFill>
+              <a:latin typeface="Helvetica Neue" panose="02000503000000020004" pitchFamily="2" charset="0"/>
+            </a:endParaRPr>
+          </a:p>
+          <a:p>
+            <a:pPr marL="457200" lvl="0" indent="-342900" algn="l" rtl="0">
+              <a:spcBef>
+                <a:spcPts val="0"/>
+              </a:spcBef>
+              <a:spcAft>
+                <a:spcPts val="0"/>
+              </a:spcAft>
+              <a:buSzPts val="1800"/>
+              <a:buChar char="●"/>
+            </a:pPr>
+            <a:endParaRPr lang="en-US" sz="2400" dirty="0">
+              <a:solidFill>
+                <a:schemeClr val="tx1"/>
+              </a:solidFill>
+              <a:latin typeface="Helvetica Neue" panose="02000503000000020004" pitchFamily="2" charset="0"/>
+            </a:endParaRPr>
+          </a:p>
+          <a:p>
+            <a:r>
+              <a:rPr lang="en-US" sz="2400" dirty="0">
+                <a:solidFill>
+                  <a:schemeClr val="tx1"/>
+                </a:solidFill>
+                <a:latin typeface="Helvetica Neue" panose="02000503000000020004" pitchFamily="2" charset="0"/>
+              </a:rPr>
+              <a:t>Question 3</a:t>
+            </a:r>
+          </a:p>
+          <a:p>
+            <a:pPr marL="457200" lvl="0" indent="-342900" algn="l" rtl="0">
+              <a:spcBef>
+                <a:spcPts val="0"/>
+              </a:spcBef>
+              <a:spcAft>
+                <a:spcPts val="0"/>
+              </a:spcAft>
+              <a:buSzPts val="1800"/>
+              <a:buChar char="●"/>
+            </a:pPr>
+            <a:endParaRPr lang="en-US" sz="2400" dirty="0">
+              <a:solidFill>
+                <a:schemeClr val="tx1"/>
+              </a:solidFill>
+              <a:latin typeface="Helvetica Neue" panose="02000503000000020004" pitchFamily="2" charset="0"/>
+            </a:endParaRPr>
           </a:p>
         </p:txBody>
       </p:sp>
@@ -6771,279 +6629,6 @@
             <a:fld id="{00000000-1234-1234-1234-123412341234}" type="slidenum">
               <a:rPr lang="en"/>
               <a:t>11</a:t>
-            </a:fld>
-            <a:endParaRPr/>
-          </a:p>
-        </p:txBody>
-      </p:sp>
-    </p:spTree>
-    <p:extLst>
-      <p:ext uri="{BB962C8B-B14F-4D97-AF65-F5344CB8AC3E}">
-        <p14:creationId xmlns:p14="http://schemas.microsoft.com/office/powerpoint/2010/main" val="3489123996"/>
-      </p:ext>
-    </p:extLst>
-  </p:cSld>
-  <p:clrMapOvr>
-    <a:masterClrMapping/>
-  </p:clrMapOvr>
-</p:sld>
-</file>
-
-<file path=ppt/slides/slide12.xml><?xml version="1.0" encoding="utf-8"?>
-<p:sld xmlns:a="http://schemas.openxmlformats.org/drawingml/2006/main" xmlns:r="http://schemas.openxmlformats.org/officeDocument/2006/relationships" xmlns:p="http://schemas.openxmlformats.org/presentationml/2006/main">
-  <p:cSld>
-    <p:spTree>
-      <p:nvGrpSpPr>
-        <p:cNvPr id="1" name="Shape 78"/>
-        <p:cNvGrpSpPr/>
-        <p:nvPr/>
-      </p:nvGrpSpPr>
-      <p:grpSpPr>
-        <a:xfrm>
-          <a:off x="0" y="0"/>
-          <a:ext cx="0" cy="0"/>
-          <a:chOff x="0" y="0"/>
-          <a:chExt cx="0" cy="0"/>
-        </a:xfrm>
-      </p:grpSpPr>
-      <p:sp>
-        <p:nvSpPr>
-          <p:cNvPr id="79" name="Google Shape;79;p18"/>
-          <p:cNvSpPr txBox="1">
-            <a:spLocks noGrp="1"/>
-          </p:cNvSpPr>
-          <p:nvPr>
-            <p:ph type="title"/>
-          </p:nvPr>
-        </p:nvSpPr>
-        <p:spPr>
-          <a:xfrm>
-            <a:off x="102700" y="270875"/>
-            <a:ext cx="8520600" cy="572700"/>
-          </a:xfrm>
-          <a:prstGeom prst="rect">
-            <a:avLst/>
-          </a:prstGeom>
-        </p:spPr>
-        <p:txBody>
-          <a:bodyPr spcFirstLastPara="1" wrap="square" lIns="91425" tIns="91425" rIns="91425" bIns="91425" anchor="t" anchorCtr="0">
-            <a:normAutofit fontScale="90000"/>
-          </a:bodyPr>
-          <a:lstStyle/>
-          <a:p>
-            <a:pPr marL="0" lvl="0" indent="0" algn="l" rtl="0">
-              <a:spcBef>
-                <a:spcPts val="0"/>
-              </a:spcBef>
-              <a:spcAft>
-                <a:spcPts val="0"/>
-              </a:spcAft>
-              <a:buNone/>
-            </a:pPr>
-            <a:r>
-              <a:rPr lang="en" dirty="0"/>
-              <a:t>Assignment #1 </a:t>
-            </a:r>
-            <a:endParaRPr dirty="0"/>
-          </a:p>
-        </p:txBody>
-      </p:sp>
-      <p:sp>
-        <p:nvSpPr>
-          <p:cNvPr id="80" name="Google Shape;80;p18"/>
-          <p:cNvSpPr txBox="1">
-            <a:spLocks noGrp="1"/>
-          </p:cNvSpPr>
-          <p:nvPr>
-            <p:ph type="body" idx="1"/>
-          </p:nvPr>
-        </p:nvSpPr>
-        <p:spPr>
-          <a:xfrm>
-            <a:off x="198500" y="1246825"/>
-            <a:ext cx="8520600" cy="3765600"/>
-          </a:xfrm>
-          <a:prstGeom prst="rect">
-            <a:avLst/>
-          </a:prstGeom>
-        </p:spPr>
-        <p:txBody>
-          <a:bodyPr spcFirstLastPara="1" wrap="square" lIns="91425" tIns="91425" rIns="91425" bIns="91425" anchor="t" anchorCtr="0">
-            <a:normAutofit/>
-          </a:bodyPr>
-          <a:lstStyle/>
-          <a:p>
-            <a:pPr marL="457200" lvl="0" indent="-342900" algn="l" rtl="0">
-              <a:spcBef>
-                <a:spcPts val="0"/>
-              </a:spcBef>
-              <a:spcAft>
-                <a:spcPts val="0"/>
-              </a:spcAft>
-              <a:buSzPts val="1800"/>
-              <a:buChar char="●"/>
-            </a:pPr>
-            <a:r>
-              <a:rPr lang="en-US" sz="2400" dirty="0">
-                <a:solidFill>
-                  <a:schemeClr val="tx1"/>
-                </a:solidFill>
-                <a:latin typeface="Helvetica Neue" panose="02000503000000020004" pitchFamily="2" charset="0"/>
-              </a:rPr>
-              <a:t>Question 1</a:t>
-            </a:r>
-          </a:p>
-          <a:p>
-            <a:pPr marL="457200" lvl="0" indent="-342900" algn="l" rtl="0">
-              <a:spcBef>
-                <a:spcPts val="0"/>
-              </a:spcBef>
-              <a:spcAft>
-                <a:spcPts val="0"/>
-              </a:spcAft>
-              <a:buSzPts val="1800"/>
-              <a:buChar char="●"/>
-            </a:pPr>
-            <a:endParaRPr lang="en-US" sz="2400" dirty="0">
-              <a:solidFill>
-                <a:schemeClr val="tx1"/>
-              </a:solidFill>
-              <a:latin typeface="Helvetica Neue" panose="02000503000000020004" pitchFamily="2" charset="0"/>
-            </a:endParaRPr>
-          </a:p>
-          <a:p>
-            <a:pPr marL="457200" lvl="0" indent="-342900" algn="l" rtl="0">
-              <a:spcBef>
-                <a:spcPts val="0"/>
-              </a:spcBef>
-              <a:spcAft>
-                <a:spcPts val="0"/>
-              </a:spcAft>
-              <a:buSzPts val="1800"/>
-              <a:buChar char="●"/>
-            </a:pPr>
-            <a:endParaRPr lang="en-US" sz="2400" dirty="0">
-              <a:solidFill>
-                <a:schemeClr val="tx1"/>
-              </a:solidFill>
-              <a:latin typeface="Helvetica Neue" panose="02000503000000020004" pitchFamily="2" charset="0"/>
-            </a:endParaRPr>
-          </a:p>
-          <a:p>
-            <a:r>
-              <a:rPr lang="en-US" sz="2400" dirty="0">
-                <a:solidFill>
-                  <a:schemeClr val="tx1"/>
-                </a:solidFill>
-                <a:latin typeface="Helvetica Neue" panose="02000503000000020004" pitchFamily="2" charset="0"/>
-              </a:rPr>
-              <a:t>Question 2</a:t>
-            </a:r>
-          </a:p>
-          <a:p>
-            <a:pPr marL="457200" lvl="0" indent="-342900" algn="l" rtl="0">
-              <a:spcBef>
-                <a:spcPts val="0"/>
-              </a:spcBef>
-              <a:spcAft>
-                <a:spcPts val="0"/>
-              </a:spcAft>
-              <a:buSzPts val="1800"/>
-              <a:buChar char="●"/>
-            </a:pPr>
-            <a:endParaRPr lang="en-US" sz="2400" dirty="0">
-              <a:solidFill>
-                <a:schemeClr val="tx1"/>
-              </a:solidFill>
-              <a:latin typeface="Helvetica Neue" panose="02000503000000020004" pitchFamily="2" charset="0"/>
-            </a:endParaRPr>
-          </a:p>
-          <a:p>
-            <a:pPr marL="457200" lvl="0" indent="-342900" algn="l" rtl="0">
-              <a:spcBef>
-                <a:spcPts val="0"/>
-              </a:spcBef>
-              <a:spcAft>
-                <a:spcPts val="0"/>
-              </a:spcAft>
-              <a:buSzPts val="1800"/>
-              <a:buChar char="●"/>
-            </a:pPr>
-            <a:endParaRPr lang="en-US" sz="2400" dirty="0">
-              <a:solidFill>
-                <a:schemeClr val="tx1"/>
-              </a:solidFill>
-              <a:latin typeface="Helvetica Neue" panose="02000503000000020004" pitchFamily="2" charset="0"/>
-            </a:endParaRPr>
-          </a:p>
-          <a:p>
-            <a:r>
-              <a:rPr lang="en-US" sz="2400" dirty="0">
-                <a:solidFill>
-                  <a:schemeClr val="tx1"/>
-                </a:solidFill>
-                <a:latin typeface="Helvetica Neue" panose="02000503000000020004" pitchFamily="2" charset="0"/>
-              </a:rPr>
-              <a:t>Question 3</a:t>
-            </a:r>
-          </a:p>
-          <a:p>
-            <a:pPr marL="457200" lvl="0" indent="-342900" algn="l" rtl="0">
-              <a:spcBef>
-                <a:spcPts val="0"/>
-              </a:spcBef>
-              <a:spcAft>
-                <a:spcPts val="0"/>
-              </a:spcAft>
-              <a:buSzPts val="1800"/>
-              <a:buChar char="●"/>
-            </a:pPr>
-            <a:endParaRPr lang="en-US" sz="2400" dirty="0">
-              <a:solidFill>
-                <a:schemeClr val="tx1"/>
-              </a:solidFill>
-              <a:latin typeface="Helvetica Neue" panose="02000503000000020004" pitchFamily="2" charset="0"/>
-            </a:endParaRPr>
-          </a:p>
-        </p:txBody>
-      </p:sp>
-      <p:sp>
-        <p:nvSpPr>
-          <p:cNvPr id="81" name="Google Shape;81;p18"/>
-          <p:cNvSpPr txBox="1">
-            <a:spLocks noGrp="1"/>
-          </p:cNvSpPr>
-          <p:nvPr>
-            <p:ph type="sldNum" idx="12"/>
-          </p:nvPr>
-        </p:nvSpPr>
-        <p:spPr>
-          <a:xfrm>
-            <a:off x="8472458" y="4663217"/>
-            <a:ext cx="548700" cy="393600"/>
-          </a:xfrm>
-          <a:prstGeom prst="rect">
-            <a:avLst/>
-          </a:prstGeom>
-        </p:spPr>
-        <p:txBody>
-          <a:bodyPr spcFirstLastPara="1" wrap="square" lIns="91425" tIns="91425" rIns="91425" bIns="91425" anchor="ctr" anchorCtr="0">
-            <a:normAutofit/>
-          </a:bodyPr>
-          <a:lstStyle/>
-          <a:p>
-            <a:pPr marL="0" lvl="0" indent="0" algn="r" rtl="0">
-              <a:spcBef>
-                <a:spcPts val="0"/>
-              </a:spcBef>
-              <a:spcAft>
-                <a:spcPts val="0"/>
-              </a:spcAft>
-              <a:buNone/>
-            </a:pPr>
-            <a:fld id="{00000000-1234-1234-1234-123412341234}" type="slidenum">
-              <a:rPr lang="en"/>
-              <a:t>12</a:t>
             </a:fld>
             <a:endParaRPr/>
           </a:p>
@@ -7115,7 +6700,7 @@
             </a:pPr>
             <a:r>
               <a:rPr lang="en" dirty="0"/>
-              <a:t>Today’s plan: Some Review</a:t>
+              <a:t>Today’s plan: Review concepts in a more abstract way</a:t>
             </a:r>
             <a:endParaRPr dirty="0"/>
           </a:p>
@@ -7146,24 +6731,33 @@
           </a:bodyPr>
           <a:lstStyle/>
           <a:p>
-            <a:pPr marL="457200" lvl="0" indent="-342900" algn="l" rtl="0">
-              <a:spcBef>
-                <a:spcPts val="0"/>
-              </a:spcBef>
-              <a:spcAft>
-                <a:spcPts val="0"/>
-              </a:spcAft>
-              <a:buSzPts val="1800"/>
-              <a:buChar char="●"/>
-            </a:pPr>
-            <a:r>
-              <a:rPr lang="en-US" sz="2800" dirty="0">
-                <a:solidFill>
-                  <a:schemeClr val="tx1"/>
-                </a:solidFill>
-              </a:rPr>
-              <a:t>Properties</a:t>
-            </a:r>
+            <a:pPr eaLnBrk="1" hangingPunct="1"/>
+            <a:r>
+              <a:rPr lang="en-US" altLang="en-US" sz="2800" dirty="0"/>
+              <a:t>Properties: CIA</a:t>
+            </a:r>
+          </a:p>
+          <a:p>
+            <a:pPr lvl="1"/>
+            <a:r>
+              <a:rPr lang="en-US" altLang="en-US" sz="2400" dirty="0"/>
+              <a:t>Confidentiality</a:t>
+            </a:r>
+          </a:p>
+          <a:p>
+            <a:pPr lvl="1"/>
+            <a:r>
+              <a:rPr lang="en-US" altLang="en-US" sz="2400" dirty="0"/>
+              <a:t>Integrity</a:t>
+            </a:r>
+          </a:p>
+          <a:p>
+            <a:pPr lvl="1"/>
+            <a:r>
+              <a:rPr lang="en-US" altLang="en-US" sz="2400" dirty="0"/>
+              <a:t>Availability</a:t>
+            </a:r>
+            <a:endParaRPr lang="en-US" altLang="en-US" sz="2800" dirty="0"/>
           </a:p>
           <a:p>
             <a:pPr marL="457200" lvl="0" indent="-342900" algn="l" rtl="0">
@@ -7182,105 +6776,6 @@
               </a:solidFill>
               <a:latin typeface="Helvetica Neue" panose="02000503000000020004" pitchFamily="2" charset="0"/>
             </a:endParaRPr>
-          </a:p>
-          <a:p>
-            <a:pPr marL="457200" lvl="0" indent="-342900" algn="l" rtl="0">
-              <a:spcBef>
-                <a:spcPts val="0"/>
-              </a:spcBef>
-              <a:spcAft>
-                <a:spcPts val="0"/>
-              </a:spcAft>
-              <a:buSzPts val="1800"/>
-              <a:buChar char="●"/>
-            </a:pPr>
-            <a:r>
-              <a:rPr lang="en-US" sz="2800" dirty="0">
-                <a:solidFill>
-                  <a:schemeClr val="tx1"/>
-                </a:solidFill>
-                <a:latin typeface="Helvetica Neue" panose="02000503000000020004" pitchFamily="2" charset="0"/>
-              </a:rPr>
-              <a:t>Policies</a:t>
-            </a:r>
-          </a:p>
-          <a:p>
-            <a:pPr marL="457200" lvl="0" indent="-342900" algn="l" rtl="0">
-              <a:spcBef>
-                <a:spcPts val="0"/>
-              </a:spcBef>
-              <a:spcAft>
-                <a:spcPts val="0"/>
-              </a:spcAft>
-              <a:buSzPts val="1800"/>
-              <a:buChar char="●"/>
-            </a:pPr>
-            <a:endParaRPr lang="en-US" sz="2800" dirty="0">
-              <a:solidFill>
-                <a:schemeClr val="tx1"/>
-              </a:solidFill>
-              <a:latin typeface="Helvetica Neue" panose="02000503000000020004" pitchFamily="2" charset="0"/>
-            </a:endParaRPr>
-          </a:p>
-          <a:p>
-            <a:pPr marL="457200" lvl="0" indent="-342900" algn="l" rtl="0">
-              <a:spcBef>
-                <a:spcPts val="0"/>
-              </a:spcBef>
-              <a:spcAft>
-                <a:spcPts val="0"/>
-              </a:spcAft>
-              <a:buSzPts val="1800"/>
-              <a:buChar char="●"/>
-            </a:pPr>
-            <a:r>
-              <a:rPr lang="en-US" sz="2800" dirty="0">
-                <a:solidFill>
-                  <a:schemeClr val="tx1"/>
-                </a:solidFill>
-                <a:latin typeface="Helvetica Neue" panose="02000503000000020004" pitchFamily="2" charset="0"/>
-              </a:rPr>
-              <a:t>Mechanisms </a:t>
-            </a:r>
-          </a:p>
-          <a:p>
-            <a:pPr marL="457200" lvl="0" indent="-342900" algn="l" rtl="0">
-              <a:spcBef>
-                <a:spcPts val="0"/>
-              </a:spcBef>
-              <a:spcAft>
-                <a:spcPts val="0"/>
-              </a:spcAft>
-              <a:buSzPts val="1800"/>
-              <a:buChar char="●"/>
-            </a:pPr>
-            <a:endParaRPr lang="en-US" sz="2800" dirty="0">
-              <a:solidFill>
-                <a:schemeClr val="tx1"/>
-              </a:solidFill>
-              <a:latin typeface="Helvetica Neue" panose="02000503000000020004" pitchFamily="2" charset="0"/>
-            </a:endParaRPr>
-          </a:p>
-          <a:p>
-            <a:pPr marL="457200" lvl="0" indent="-342900" algn="l" rtl="0">
-              <a:spcBef>
-                <a:spcPts val="0"/>
-              </a:spcBef>
-              <a:spcAft>
-                <a:spcPts val="0"/>
-              </a:spcAft>
-              <a:buSzPts val="1800"/>
-              <a:buChar char="●"/>
-            </a:pPr>
-            <a:r>
-              <a:rPr lang="en-US" sz="2800" dirty="0">
-                <a:solidFill>
-                  <a:schemeClr val="tx1"/>
-                </a:solidFill>
-                <a:latin typeface="Helvetica Neue" panose="02000503000000020004" pitchFamily="2" charset="0"/>
-              </a:rPr>
-              <a:t>Assignment #1 Review</a:t>
-            </a:r>
           </a:p>
         </p:txBody>
       </p:sp>
@@ -7329,7 +6824,7 @@
     </p:spTree>
     <p:extLst>
       <p:ext uri="{BB962C8B-B14F-4D97-AF65-F5344CB8AC3E}">
-        <p14:creationId xmlns:p14="http://schemas.microsoft.com/office/powerpoint/2010/main" val="2423837551"/>
+        <p14:creationId xmlns:p14="http://schemas.microsoft.com/office/powerpoint/2010/main" val="87408544"/>
       </p:ext>
     </p:extLst>
   </p:cSld>
@@ -7392,7 +6887,7 @@
             </a:pPr>
             <a:r>
               <a:rPr lang="en" dirty="0"/>
-              <a:t>Today’s plan: Review concepts in a more abstract way</a:t>
+              <a:t>Properties</a:t>
             </a:r>
             <a:endParaRPr dirty="0"/>
           </a:p>
@@ -7425,31 +6920,39 @@
           <a:p>
             <a:pPr eaLnBrk="1" hangingPunct="1"/>
             <a:r>
+              <a:rPr lang="en-US" altLang="en-US" sz="2800" b="1" dirty="0"/>
+              <a:t>Confidentiality</a:t>
+            </a:r>
+            <a:r>
               <a:rPr lang="en-US" altLang="en-US" sz="2800" dirty="0"/>
-              <a:t>Properties: CIA</a:t>
-            </a:r>
-          </a:p>
-          <a:p>
-            <a:pPr lvl="1"/>
+              <a:t>: c</a:t>
+            </a:r>
             <a:r>
               <a:rPr lang="en-US" altLang="en-US" sz="2400" dirty="0"/>
-              <a:t>Confidentiality</a:t>
-            </a:r>
-          </a:p>
-          <a:p>
-            <a:pPr lvl="1"/>
+              <a:t>oncealment of information</a:t>
+            </a:r>
+          </a:p>
+          <a:p>
+            <a:pPr lvl="1" eaLnBrk="1" hangingPunct="1"/>
             <a:r>
               <a:rPr lang="en-US" altLang="en-US" sz="2400" dirty="0"/>
-              <a:t>Integrity</a:t>
-            </a:r>
-          </a:p>
-          <a:p>
-            <a:pPr lvl="1"/>
+              <a:t>The need arises from sensitive fields (military, industry)</a:t>
+            </a:r>
+          </a:p>
+          <a:p>
+            <a:pPr lvl="1" eaLnBrk="1" hangingPunct="1"/>
             <a:r>
               <a:rPr lang="en-US" altLang="en-US" sz="2400" dirty="0"/>
-              <a:t>Availability</a:t>
-            </a:r>
-            <a:endParaRPr lang="en-US" altLang="en-US" sz="2800" dirty="0"/>
+              <a:t>Examples: encryption (protect the key), access control, </a:t>
+            </a:r>
+            <a:r>
+              <a:rPr lang="en-US" altLang="en-US" sz="2400" b="1" dirty="0"/>
+              <a:t>existence of the data</a:t>
+            </a:r>
+            <a:r>
+              <a:rPr lang="en-US" altLang="en-US" sz="2400" dirty="0"/>
+              <a:t>, resource hiding (configuration, how many servers does google have?)</a:t>
+            </a:r>
           </a:p>
           <a:p>
             <a:pPr marL="457200" lvl="0" indent="-342900" algn="l" rtl="0">
@@ -7462,7 +6965,7 @@
               <a:buSzPts val="1800"/>
               <a:buChar char="●"/>
             </a:pPr>
-            <a:endParaRPr lang="en-US" sz="2800" dirty="0">
+            <a:endParaRPr lang="en-US" sz="2400" dirty="0">
               <a:solidFill>
                 <a:schemeClr val="tx1"/>
               </a:solidFill>
@@ -7516,7 +7019,7 @@
     </p:spTree>
     <p:extLst>
       <p:ext uri="{BB962C8B-B14F-4D97-AF65-F5344CB8AC3E}">
-        <p14:creationId xmlns:p14="http://schemas.microsoft.com/office/powerpoint/2010/main" val="87408544"/>
+        <p14:creationId xmlns:p14="http://schemas.microsoft.com/office/powerpoint/2010/main" val="35571549"/>
       </p:ext>
     </p:extLst>
   </p:cSld>
@@ -7610,52 +7113,91 @@
           </a:bodyPr>
           <a:lstStyle/>
           <a:p>
-            <a:pPr eaLnBrk="1" hangingPunct="1"/>
+            <a:pPr eaLnBrk="1" hangingPunct="1">
+              <a:lnSpc>
+                <a:spcPct val="114000"/>
+              </a:lnSpc>
+            </a:pPr>
             <a:r>
               <a:rPr lang="en-US" altLang="en-US" sz="2800" b="1" dirty="0"/>
-              <a:t>Confidentiality</a:t>
+              <a:t>Integrity</a:t>
             </a:r>
             <a:r>
               <a:rPr lang="en-US" altLang="en-US" sz="2800" dirty="0"/>
-              <a:t>: c</a:t>
-            </a:r>
+              <a:t>: prevent unauthorized or improper changes, is directly related to trustworthiness of data and sources</a:t>
+            </a:r>
+          </a:p>
+          <a:p>
+            <a:pPr lvl="1" eaLnBrk="1" hangingPunct="1">
+              <a:lnSpc>
+                <a:spcPct val="114000"/>
+              </a:lnSpc>
+            </a:pPr>
             <a:r>
               <a:rPr lang="en-US" altLang="en-US" sz="2400" dirty="0"/>
-              <a:t>oncealment of information</a:t>
-            </a:r>
-          </a:p>
-          <a:p>
-            <a:pPr lvl="1" eaLnBrk="1" hangingPunct="1"/>
+              <a:t>Include data integrity and origin integrity</a:t>
+            </a:r>
+          </a:p>
+          <a:p>
+            <a:pPr lvl="1" eaLnBrk="1" hangingPunct="1">
+              <a:lnSpc>
+                <a:spcPct val="114000"/>
+              </a:lnSpc>
+            </a:pPr>
             <a:r>
               <a:rPr lang="en-US" altLang="en-US" sz="2400" dirty="0"/>
-              <a:t>The need arises from sensitive fields (military, industry)</a:t>
-            </a:r>
-          </a:p>
-          <a:p>
-            <a:pPr lvl="1" eaLnBrk="1" hangingPunct="1"/>
+              <a:t>Prevention: </a:t>
+            </a:r>
+          </a:p>
+          <a:p>
+            <a:pPr lvl="2" eaLnBrk="1" hangingPunct="1">
+              <a:lnSpc>
+                <a:spcPct val="114000"/>
+              </a:lnSpc>
+            </a:pPr>
+            <a:r>
+              <a:rPr lang="en-US" altLang="en-US" dirty="0"/>
+              <a:t>prevent unauthorized changes </a:t>
+            </a:r>
+          </a:p>
+          <a:p>
+            <a:pPr lvl="2" eaLnBrk="1" hangingPunct="1">
+              <a:lnSpc>
+                <a:spcPct val="114000"/>
+              </a:lnSpc>
+            </a:pPr>
+            <a:r>
+              <a:rPr lang="en-US" altLang="en-US" dirty="0"/>
+              <a:t>changes in unauthorized ways</a:t>
+            </a:r>
+          </a:p>
+          <a:p>
+            <a:pPr lvl="1" eaLnBrk="1" hangingPunct="1">
+              <a:lnSpc>
+                <a:spcPct val="114000"/>
+              </a:lnSpc>
+            </a:pPr>
             <a:r>
               <a:rPr lang="en-US" altLang="en-US" sz="2400" dirty="0"/>
-              <a:t>Examples: encryption (protect the key), access control, </a:t>
-            </a:r>
-            <a:r>
-              <a:rPr lang="en-US" altLang="en-US" sz="2400" b="1" dirty="0"/>
-              <a:t>existence of the data</a:t>
-            </a:r>
-            <a:r>
-              <a:rPr lang="en-US" altLang="en-US" sz="2400" dirty="0"/>
-              <a:t>, resource hiding (configuration, how many servers does google have?)</a:t>
-            </a:r>
-          </a:p>
-          <a:p>
-            <a:pPr marL="457200" lvl="0" indent="-342900" algn="l" rtl="0">
-              <a:spcBef>
-                <a:spcPts val="0"/>
-              </a:spcBef>
-              <a:spcAft>
-                <a:spcPts val="0"/>
-              </a:spcAft>
-              <a:buSzPts val="1800"/>
-              <a:buChar char="●"/>
+              <a:t>Detection</a:t>
+            </a:r>
+          </a:p>
+          <a:p>
+            <a:pPr lvl="2" eaLnBrk="1" hangingPunct="1">
+              <a:lnSpc>
+                <a:spcPct val="114000"/>
+              </a:lnSpc>
+            </a:pPr>
+            <a:r>
+              <a:rPr lang="en-US" altLang="en-US" dirty="0"/>
+              <a:t>Report integrity violation (confine dirty data??)</a:t>
+            </a:r>
+          </a:p>
+          <a:p>
+            <a:pPr lvl="1" eaLnBrk="1" hangingPunct="1">
+              <a:lnSpc>
+                <a:spcPct val="114000"/>
+              </a:lnSpc>
             </a:pPr>
             <a:endParaRPr lang="en-US" sz="2400" dirty="0">
               <a:solidFill>
@@ -7711,7 +7253,7 @@
     </p:spTree>
     <p:extLst>
       <p:ext uri="{BB962C8B-B14F-4D97-AF65-F5344CB8AC3E}">
-        <p14:creationId xmlns:p14="http://schemas.microsoft.com/office/powerpoint/2010/main" val="35571549"/>
+        <p14:creationId xmlns:p14="http://schemas.microsoft.com/office/powerpoint/2010/main" val="967297866"/>
       </p:ext>
     </p:extLst>
   </p:cSld>
@@ -7812,11 +7354,11 @@
             </a:pPr>
             <a:r>
               <a:rPr lang="en-US" altLang="en-US" sz="2800" b="1" dirty="0"/>
-              <a:t>Integrity</a:t>
+              <a:t>Availability</a:t>
             </a:r>
             <a:r>
               <a:rPr lang="en-US" altLang="en-US" sz="2800" dirty="0"/>
-              <a:t>: prevent unauthorized or improper changes, is directly related to trustworthiness of data and sources</a:t>
+              <a:t>: ability to use the data or resources</a:t>
             </a:r>
           </a:p>
           <a:p>
@@ -7827,7 +7369,7 @@
             </a:pPr>
             <a:r>
               <a:rPr lang="en-US" altLang="en-US" sz="2400" dirty="0"/>
-              <a:t>Include data integrity and origin integrity</a:t>
+              <a:t>Example of highway</a:t>
             </a:r>
           </a:p>
           <a:p>
@@ -7838,7 +7380,18 @@
             </a:pPr>
             <a:r>
               <a:rPr lang="en-US" altLang="en-US" sz="2400" dirty="0"/>
-              <a:t>Prevention: </a:t>
+              <a:t>DoS or DDoS attacks </a:t>
+            </a:r>
+          </a:p>
+          <a:p>
+            <a:pPr lvl="1" eaLnBrk="1" hangingPunct="1">
+              <a:lnSpc>
+                <a:spcPct val="114000"/>
+              </a:lnSpc>
+            </a:pPr>
+            <a:r>
+              <a:rPr lang="en-US" altLang="en-US" sz="2400" dirty="0"/>
+              <a:t>Very difficult to detect</a:t>
             </a:r>
           </a:p>
           <a:p>
@@ -7849,7 +7402,7 @@
             </a:pPr>
             <a:r>
               <a:rPr lang="en-US" altLang="en-US" dirty="0"/>
-              <a:t>prevent unauthorized changes </a:t>
+              <a:t>Is it attack or we are unlucky today</a:t>
             </a:r>
           </a:p>
           <a:p>
@@ -7860,36 +7413,22 @@
             </a:pPr>
             <a:r>
               <a:rPr lang="en-US" altLang="en-US" dirty="0"/>
-              <a:t>changes in unauthorized ways</a:t>
-            </a:r>
-          </a:p>
-          <a:p>
-            <a:pPr lvl="1" eaLnBrk="1" hangingPunct="1">
+              <a:t>Attacker will mess with the security methods as well (packet tracing) </a:t>
+            </a:r>
+          </a:p>
+          <a:p>
+            <a:pPr marL="457200" lvl="0" indent="-342900" algn="l" rtl="0">
               <a:lnSpc>
                 <a:spcPct val="114000"/>
               </a:lnSpc>
-            </a:pPr>
-            <a:r>
-              <a:rPr lang="en-US" altLang="en-US" sz="2400" dirty="0"/>
-              <a:t>Detection</a:t>
-            </a:r>
-          </a:p>
-          <a:p>
-            <a:pPr lvl="2" eaLnBrk="1" hangingPunct="1">
-              <a:lnSpc>
-                <a:spcPct val="114000"/>
-              </a:lnSpc>
-            </a:pPr>
-            <a:r>
-              <a:rPr lang="en-US" altLang="en-US" dirty="0"/>
-              <a:t>Report integrity violation (confine dirty data??)</a:t>
-            </a:r>
-          </a:p>
-          <a:p>
-            <a:pPr lvl="1" eaLnBrk="1" hangingPunct="1">
-              <a:lnSpc>
-                <a:spcPct val="114000"/>
-              </a:lnSpc>
+              <a:spcBef>
+                <a:spcPts val="0"/>
+              </a:spcBef>
+              <a:spcAft>
+                <a:spcPts val="0"/>
+              </a:spcAft>
+              <a:buSzPts val="1800"/>
+              <a:buChar char="●"/>
             </a:pPr>
             <a:endParaRPr lang="en-US" sz="2400" dirty="0">
               <a:solidFill>
@@ -7945,7 +7484,7 @@
     </p:spTree>
     <p:extLst>
       <p:ext uri="{BB962C8B-B14F-4D97-AF65-F5344CB8AC3E}">
-        <p14:creationId xmlns:p14="http://schemas.microsoft.com/office/powerpoint/2010/main" val="967297866"/>
+        <p14:creationId xmlns:p14="http://schemas.microsoft.com/office/powerpoint/2010/main" val="2003111158"/>
       </p:ext>
     </p:extLst>
   </p:cSld>
@@ -8008,7 +7547,7 @@
             </a:pPr>
             <a:r>
               <a:rPr lang="en" dirty="0"/>
-              <a:t>Properties</a:t>
+              <a:t>Threats</a:t>
             </a:r>
             <a:endParaRPr dirty="0"/>
           </a:p>
@@ -8039,95 +7578,61 @@
           </a:bodyPr>
           <a:lstStyle/>
           <a:p>
-            <a:pPr eaLnBrk="1" hangingPunct="1">
-              <a:lnSpc>
-                <a:spcPct val="114000"/>
-              </a:lnSpc>
-            </a:pPr>
+            <a:pPr eaLnBrk="1" hangingPunct="1"/>
             <a:r>
               <a:rPr lang="en-US" altLang="en-US" sz="2800" b="1" dirty="0"/>
-              <a:t>Availability</a:t>
-            </a:r>
-            <a:r>
-              <a:rPr lang="en-US" altLang="en-US" sz="2800" dirty="0"/>
-              <a:t>: ability to use the data or resources</a:t>
-            </a:r>
-          </a:p>
-          <a:p>
-            <a:pPr lvl="1" eaLnBrk="1" hangingPunct="1">
-              <a:lnSpc>
-                <a:spcPct val="114000"/>
-              </a:lnSpc>
-            </a:pPr>
-            <a:r>
-              <a:rPr lang="en-US" altLang="en-US" sz="2400" dirty="0"/>
-              <a:t>Example of highway</a:t>
-            </a:r>
-          </a:p>
-          <a:p>
-            <a:pPr lvl="1" eaLnBrk="1" hangingPunct="1">
-              <a:lnSpc>
-                <a:spcPct val="114000"/>
-              </a:lnSpc>
-            </a:pPr>
-            <a:r>
-              <a:rPr lang="en-US" altLang="en-US" sz="2400" dirty="0"/>
-              <a:t>DoS or DDoS attacks </a:t>
-            </a:r>
-          </a:p>
-          <a:p>
-            <a:pPr lvl="1" eaLnBrk="1" hangingPunct="1">
-              <a:lnSpc>
-                <a:spcPct val="114000"/>
-              </a:lnSpc>
-            </a:pPr>
-            <a:r>
-              <a:rPr lang="en-US" altLang="en-US" sz="2400" dirty="0"/>
-              <a:t>Very difficult to detect</a:t>
-            </a:r>
-          </a:p>
-          <a:p>
-            <a:pPr lvl="2" eaLnBrk="1" hangingPunct="1">
-              <a:lnSpc>
-                <a:spcPct val="114000"/>
-              </a:lnSpc>
-            </a:pPr>
-            <a:r>
-              <a:rPr lang="en-US" altLang="en-US" dirty="0"/>
-              <a:t>Is it attack or we are unlucky today</a:t>
-            </a:r>
-          </a:p>
-          <a:p>
-            <a:pPr lvl="2" eaLnBrk="1" hangingPunct="1">
-              <a:lnSpc>
-                <a:spcPct val="114000"/>
-              </a:lnSpc>
-            </a:pPr>
-            <a:r>
-              <a:rPr lang="en-US" altLang="en-US" dirty="0"/>
-              <a:t>Attacker will mess with the security methods as well (packet tracing) </a:t>
-            </a:r>
-          </a:p>
-          <a:p>
-            <a:pPr marL="457200" lvl="0" indent="-342900" algn="l" rtl="0">
-              <a:lnSpc>
-                <a:spcPct val="114000"/>
-              </a:lnSpc>
-              <a:spcBef>
-                <a:spcPts val="0"/>
-              </a:spcBef>
-              <a:spcAft>
-                <a:spcPts val="0"/>
-              </a:spcAft>
-              <a:buSzPts val="1800"/>
-              <a:buChar char="●"/>
-            </a:pPr>
-            <a:endParaRPr lang="en-US" sz="2400" dirty="0">
-              <a:solidFill>
-                <a:schemeClr val="tx1"/>
-              </a:solidFill>
-              <a:latin typeface="Helvetica Neue" panose="02000503000000020004" pitchFamily="2" charset="0"/>
-            </a:endParaRPr>
+              <a:t>Threats</a:t>
+            </a:r>
+            <a:endParaRPr lang="en-US" altLang="en-US" sz="2400" dirty="0"/>
+          </a:p>
+          <a:p>
+            <a:pPr lvl="1" eaLnBrk="1" hangingPunct="1"/>
+            <a:r>
+              <a:rPr lang="en-US" altLang="en-US" sz="1800" dirty="0"/>
+              <a:t>A potential violation of security (not necessarily occur at this moment). </a:t>
+            </a:r>
+          </a:p>
+          <a:p>
+            <a:pPr lvl="2" eaLnBrk="1" hangingPunct="1"/>
+            <a:r>
+              <a:rPr lang="en-US" altLang="en-US" sz="1800" dirty="0"/>
+              <a:t>The actions that cause such violations are called attacks.</a:t>
+            </a:r>
+          </a:p>
+          <a:p>
+            <a:pPr lvl="2" eaLnBrk="1" hangingPunct="1"/>
+            <a:r>
+              <a:rPr lang="en-US" altLang="en-US" sz="1800" dirty="0"/>
+              <a:t>4 classes of threats:</a:t>
+            </a:r>
+          </a:p>
+          <a:p>
+            <a:pPr lvl="3" eaLnBrk="1" hangingPunct="1"/>
+            <a:r>
+              <a:rPr lang="en-US" altLang="en-US" sz="1800" dirty="0"/>
+              <a:t>Disclosure: unauthorized access to data</a:t>
+            </a:r>
+          </a:p>
+          <a:p>
+            <a:pPr lvl="3" eaLnBrk="1" hangingPunct="1"/>
+            <a:r>
+              <a:rPr lang="en-US" altLang="en-US" sz="1800" dirty="0"/>
+              <a:t>Deception: acceptance of false data</a:t>
+            </a:r>
+          </a:p>
+          <a:p>
+            <a:pPr lvl="3" eaLnBrk="1" hangingPunct="1"/>
+            <a:r>
+              <a:rPr lang="en-US" altLang="en-US" sz="1800" dirty="0"/>
+              <a:t>Disruption: interruption or prevention of correct operation</a:t>
+            </a:r>
+          </a:p>
+          <a:p>
+            <a:pPr lvl="3" eaLnBrk="1" hangingPunct="1"/>
+            <a:r>
+              <a:rPr lang="en-US" altLang="en-US" sz="1800" dirty="0"/>
+              <a:t>Usurpation: unauthorized control of the system</a:t>
+            </a:r>
           </a:p>
         </p:txBody>
       </p:sp>
@@ -8176,7 +7681,7 @@
     </p:spTree>
     <p:extLst>
       <p:ext uri="{BB962C8B-B14F-4D97-AF65-F5344CB8AC3E}">
-        <p14:creationId xmlns:p14="http://schemas.microsoft.com/office/powerpoint/2010/main" val="2003111158"/>
+        <p14:creationId xmlns:p14="http://schemas.microsoft.com/office/powerpoint/2010/main" val="1746584"/>
       </p:ext>
     </p:extLst>
   </p:cSld>
@@ -8266,65 +7771,77 @@
         </p:spPr>
         <p:txBody>
           <a:bodyPr spcFirstLastPara="1" wrap="square" lIns="91425" tIns="91425" rIns="91425" bIns="91425" anchor="t" anchorCtr="0">
-            <a:normAutofit/>
+            <a:normAutofit fontScale="85000" lnSpcReduction="10000"/>
           </a:bodyPr>
           <a:lstStyle/>
           <a:p>
             <a:pPr eaLnBrk="1" hangingPunct="1"/>
             <a:r>
               <a:rPr lang="en-US" altLang="en-US" sz="2800" b="1" dirty="0"/>
-              <a:t>Threats</a:t>
-            </a:r>
-            <a:endParaRPr lang="en-US" altLang="en-US" sz="2400" dirty="0"/>
+              <a:t>Examples of threats:</a:t>
+            </a:r>
           </a:p>
           <a:p>
             <a:pPr lvl="1" eaLnBrk="1" hangingPunct="1"/>
             <a:r>
-              <a:rPr lang="en-US" altLang="en-US" sz="1800" dirty="0"/>
-              <a:t>A potential violation of security (not necessarily occur at this moment). </a:t>
+              <a:rPr lang="en-US" altLang="en-US" sz="2400" b="1" dirty="0"/>
+              <a:t>Snooping</a:t>
+            </a:r>
+            <a:r>
+              <a:rPr lang="en-US" altLang="en-US" sz="2400" dirty="0"/>
+              <a:t>: unauthorized interception, is a kind of disclosure (eavesdrop on wireless). Countered by confidentiality or other information hiding methods.</a:t>
+            </a:r>
+          </a:p>
+          <a:p>
+            <a:pPr lvl="1" eaLnBrk="1" hangingPunct="1"/>
+            <a:r>
+              <a:rPr lang="en-US" altLang="en-US" sz="2400" b="1" dirty="0"/>
+              <a:t>Modification</a:t>
+            </a:r>
+            <a:r>
+              <a:rPr lang="en-US" altLang="en-US" sz="2400" dirty="0"/>
+              <a:t>: unauthorized change of data, may lead to deception, disruption, and usurpation. Countered by integrity.</a:t>
+            </a:r>
+          </a:p>
+          <a:p>
+            <a:pPr lvl="1" eaLnBrk="1" hangingPunct="1"/>
+            <a:r>
+              <a:rPr lang="en-US" altLang="en-US" sz="2400" b="1" dirty="0"/>
+              <a:t>Spoofing</a:t>
+            </a:r>
+            <a:r>
+              <a:rPr lang="en-US" altLang="en-US" sz="2400" dirty="0"/>
+              <a:t>: impersonation, may lead to deception and usurpation. Countered by integrity.</a:t>
             </a:r>
           </a:p>
           <a:p>
             <a:pPr lvl="2" eaLnBrk="1" hangingPunct="1"/>
             <a:r>
-              <a:rPr lang="en-US" altLang="en-US" sz="1800" dirty="0"/>
-              <a:t>The actions that cause such violations are called attacks.</a:t>
+              <a:rPr lang="en-US" altLang="en-US" sz="2000" dirty="0"/>
+              <a:t>Difference b/w impersonation and delegation</a:t>
+            </a:r>
+          </a:p>
+          <a:p>
+            <a:pPr lvl="1" eaLnBrk="1" hangingPunct="1"/>
+            <a:r>
+              <a:rPr lang="en-US" altLang="en-US" sz="2400" b="1" dirty="0"/>
+              <a:t>Denial of receipt or origin</a:t>
+            </a:r>
+            <a:r>
+              <a:rPr lang="en-US" altLang="en-US" sz="2400" dirty="0"/>
+              <a:t>: is a kind of deception</a:t>
             </a:r>
           </a:p>
           <a:p>
             <a:pPr lvl="2" eaLnBrk="1" hangingPunct="1"/>
             <a:r>
-              <a:rPr lang="en-US" altLang="en-US" sz="1800" dirty="0"/>
-              <a:t>4 classes of threats:</a:t>
-            </a:r>
-          </a:p>
-          <a:p>
-            <a:pPr lvl="3" eaLnBrk="1" hangingPunct="1"/>
-            <a:r>
-              <a:rPr lang="en-US" altLang="en-US" sz="1800" dirty="0"/>
-              <a:t>Disclosure: unauthorized access to data</a:t>
-            </a:r>
-          </a:p>
-          <a:p>
-            <a:pPr lvl="3" eaLnBrk="1" hangingPunct="1"/>
-            <a:r>
-              <a:rPr lang="en-US" altLang="en-US" sz="1800" dirty="0"/>
-              <a:t>Deception: acceptance of false data</a:t>
-            </a:r>
-          </a:p>
-          <a:p>
-            <a:pPr lvl="3" eaLnBrk="1" hangingPunct="1"/>
-            <a:r>
-              <a:rPr lang="en-US" altLang="en-US" sz="1800" dirty="0"/>
-              <a:t>Disruption: interruption or prevention of correct operation</a:t>
-            </a:r>
-          </a:p>
-          <a:p>
-            <a:pPr lvl="3" eaLnBrk="1" hangingPunct="1"/>
-            <a:r>
-              <a:rPr lang="en-US" altLang="en-US" sz="1800" dirty="0"/>
-              <a:t>Usurpation: unauthorized control of the system</a:t>
-            </a:r>
+              <a:rPr lang="en-US" altLang="en-US" sz="2000" dirty="0"/>
+              <a:t>Interesting questions: simultaneous contract signing</a:t>
+            </a:r>
+          </a:p>
+          <a:p>
+            <a:pPr eaLnBrk="1" hangingPunct="1"/>
+            <a:endParaRPr lang="en-US" altLang="en-US" sz="1800" dirty="0"/>
           </a:p>
         </p:txBody>
       </p:sp>
@@ -8373,7 +7890,7 @@
     </p:spTree>
     <p:extLst>
       <p:ext uri="{BB962C8B-B14F-4D97-AF65-F5344CB8AC3E}">
-        <p14:creationId xmlns:p14="http://schemas.microsoft.com/office/powerpoint/2010/main" val="1746584"/>
+        <p14:creationId xmlns:p14="http://schemas.microsoft.com/office/powerpoint/2010/main" val="4101707937"/>
       </p:ext>
     </p:extLst>
   </p:cSld>
@@ -8425,19 +7942,13 @@
           </a:bodyPr>
           <a:lstStyle/>
           <a:p>
-            <a:pPr marL="0" lvl="0" indent="0" algn="l" rtl="0">
-              <a:spcBef>
-                <a:spcPts val="0"/>
-              </a:spcBef>
-              <a:spcAft>
-                <a:spcPts val="0"/>
-              </a:spcAft>
-              <a:buNone/>
-            </a:pPr>
-            <a:r>
-              <a:rPr lang="en" dirty="0"/>
-              <a:t>Threats</a:t>
-            </a:r>
+            <a:r>
+              <a:rPr lang="en-US" altLang="en-US" sz="2800" dirty="0"/>
+              <a:t>Policies and Mechanisms</a:t>
+            </a:r>
+            <a:br>
+              <a:rPr lang="en-US" altLang="en-US" sz="2800" dirty="0"/>
+            </a:br>
             <a:endParaRPr dirty="0"/>
           </a:p>
         </p:txBody>
@@ -8463,77 +7974,96 @@
         </p:spPr>
         <p:txBody>
           <a:bodyPr spcFirstLastPara="1" wrap="square" lIns="91425" tIns="91425" rIns="91425" bIns="91425" anchor="t" anchorCtr="0">
-            <a:normAutofit fontScale="85000" lnSpcReduction="10000"/>
+            <a:normAutofit lnSpcReduction="10000"/>
           </a:bodyPr>
           <a:lstStyle/>
           <a:p>
-            <a:pPr eaLnBrk="1" hangingPunct="1"/>
-            <a:r>
-              <a:rPr lang="en-US" altLang="en-US" sz="2800" b="1" dirty="0"/>
-              <a:t>Examples of threats:</a:t>
-            </a:r>
-          </a:p>
-          <a:p>
-            <a:pPr lvl="1" eaLnBrk="1" hangingPunct="1"/>
-            <a:r>
-              <a:rPr lang="en-US" altLang="en-US" sz="2400" b="1" dirty="0"/>
-              <a:t>Snooping</a:t>
-            </a:r>
-            <a:r>
-              <a:rPr lang="en-US" altLang="en-US" sz="2400" dirty="0"/>
-              <a:t>: unauthorized interception, is a kind of disclosure (eavesdrop on wireless). Countered by confidentiality or other information hiding methods.</a:t>
-            </a:r>
-          </a:p>
-          <a:p>
-            <a:pPr lvl="1" eaLnBrk="1" hangingPunct="1"/>
-            <a:r>
-              <a:rPr lang="en-US" altLang="en-US" sz="2400" b="1" dirty="0"/>
-              <a:t>Modification</a:t>
-            </a:r>
-            <a:r>
-              <a:rPr lang="en-US" altLang="en-US" sz="2400" dirty="0"/>
-              <a:t>: unauthorized change of data, may lead to deception, disruption, and usurpation. Countered by integrity.</a:t>
-            </a:r>
-          </a:p>
-          <a:p>
-            <a:pPr lvl="1" eaLnBrk="1" hangingPunct="1"/>
-            <a:r>
-              <a:rPr lang="en-US" altLang="en-US" sz="2400" b="1" dirty="0"/>
-              <a:t>Spoofing</a:t>
-            </a:r>
-            <a:r>
-              <a:rPr lang="en-US" altLang="en-US" sz="2400" dirty="0"/>
-              <a:t>: impersonation, may lead to deception and usurpation. Countered by integrity.</a:t>
-            </a:r>
-          </a:p>
-          <a:p>
-            <a:pPr lvl="2" eaLnBrk="1" hangingPunct="1"/>
+            <a:pPr>
+              <a:lnSpc>
+                <a:spcPct val="114000"/>
+              </a:lnSpc>
+            </a:pPr>
+            <a:r>
+              <a:rPr lang="en-US" altLang="en-US" sz="2800" dirty="0"/>
+              <a:t>Policy is a statement of what is and what is not allowed.</a:t>
+            </a:r>
+          </a:p>
+          <a:p>
+            <a:pPr lvl="1">
+              <a:lnSpc>
+                <a:spcPct val="114000"/>
+              </a:lnSpc>
+            </a:pPr>
             <a:r>
               <a:rPr lang="en-US" altLang="en-US" sz="2000" dirty="0"/>
-              <a:t>Difference b/w impersonation and delegation</a:t>
-            </a:r>
-          </a:p>
-          <a:p>
-            <a:pPr lvl="1" eaLnBrk="1" hangingPunct="1"/>
-            <a:r>
-              <a:rPr lang="en-US" altLang="en-US" sz="2400" b="1" dirty="0"/>
-              <a:t>Denial of receipt or origin</a:t>
-            </a:r>
-            <a:r>
-              <a:rPr lang="en-US" altLang="en-US" sz="2400" dirty="0"/>
-              <a:t>: is a kind of deception</a:t>
-            </a:r>
-          </a:p>
-          <a:p>
-            <a:pPr lvl="2" eaLnBrk="1" hangingPunct="1"/>
+              <a:t>When two communicating parties have different policies, they may need to compromise (example b/w univ. and industry)</a:t>
+            </a:r>
+          </a:p>
+          <a:p>
+            <a:pPr>
+              <a:lnSpc>
+                <a:spcPct val="114000"/>
+              </a:lnSpc>
+            </a:pPr>
+            <a:r>
+              <a:rPr lang="en-US" altLang="en-US" sz="2800" dirty="0"/>
+              <a:t>Mechanism is a method to enforce a policy.</a:t>
+            </a:r>
+          </a:p>
+          <a:p>
+            <a:pPr lvl="1">
+              <a:lnSpc>
+                <a:spcPct val="114000"/>
+              </a:lnSpc>
+            </a:pPr>
             <a:r>
               <a:rPr lang="en-US" altLang="en-US" sz="2000" dirty="0"/>
-              <a:t>Interesting questions: simultaneous contract signing</a:t>
-            </a:r>
-          </a:p>
-          <a:p>
-            <a:pPr eaLnBrk="1" hangingPunct="1"/>
-            <a:endParaRPr lang="en-US" altLang="en-US" sz="1800" dirty="0"/>
+              <a:t>May (often) impact the system performance</a:t>
+            </a:r>
+          </a:p>
+          <a:p>
+            <a:pPr lvl="1">
+              <a:lnSpc>
+                <a:spcPct val="114000"/>
+              </a:lnSpc>
+            </a:pPr>
+            <a:r>
+              <a:rPr lang="en-US" altLang="en-US" sz="2000" dirty="0"/>
+              <a:t>Prevention: to fail an attack</a:t>
+            </a:r>
+          </a:p>
+          <a:p>
+            <a:pPr lvl="1">
+              <a:lnSpc>
+                <a:spcPct val="114000"/>
+              </a:lnSpc>
+            </a:pPr>
+            <a:r>
+              <a:rPr lang="en-US" altLang="en-US" sz="2000" dirty="0"/>
+              <a:t>Detection</a:t>
+            </a:r>
+          </a:p>
+          <a:p>
+            <a:pPr lvl="1">
+              <a:lnSpc>
+                <a:spcPct val="114000"/>
+              </a:lnSpc>
+            </a:pPr>
+            <a:r>
+              <a:rPr lang="en-US" altLang="en-US" sz="2000" dirty="0"/>
+              <a:t>Recovery: fix not only data, but also vulnerabilities</a:t>
+            </a:r>
+          </a:p>
+          <a:p>
+            <a:pPr lvl="1">
+              <a:lnSpc>
+                <a:spcPct val="114000"/>
+              </a:lnSpc>
+            </a:pPr>
+            <a:r>
+              <a:rPr lang="en-US" altLang="en-US" sz="2000" dirty="0"/>
+              <a:t>Tolerance</a:t>
+            </a:r>
           </a:p>
         </p:txBody>
       </p:sp>
@@ -8574,228 +8104,6 @@
             <a:fld id="{00000000-1234-1234-1234-123412341234}" type="slidenum">
               <a:rPr lang="en"/>
               <a:t>8</a:t>
-            </a:fld>
-            <a:endParaRPr/>
-          </a:p>
-        </p:txBody>
-      </p:sp>
-    </p:spTree>
-    <p:extLst>
-      <p:ext uri="{BB962C8B-B14F-4D97-AF65-F5344CB8AC3E}">
-        <p14:creationId xmlns:p14="http://schemas.microsoft.com/office/powerpoint/2010/main" val="4101707937"/>
-      </p:ext>
-    </p:extLst>
-  </p:cSld>
-  <p:clrMapOvr>
-    <a:masterClrMapping/>
-  </p:clrMapOvr>
-</p:sld>
-</file>
-
-<file path=ppt/slides/slide9.xml><?xml version="1.0" encoding="utf-8"?>
-<p:sld xmlns:a="http://schemas.openxmlformats.org/drawingml/2006/main" xmlns:r="http://schemas.openxmlformats.org/officeDocument/2006/relationships" xmlns:p="http://schemas.openxmlformats.org/presentationml/2006/main">
-  <p:cSld>
-    <p:spTree>
-      <p:nvGrpSpPr>
-        <p:cNvPr id="1" name="Shape 78"/>
-        <p:cNvGrpSpPr/>
-        <p:nvPr/>
-      </p:nvGrpSpPr>
-      <p:grpSpPr>
-        <a:xfrm>
-          <a:off x="0" y="0"/>
-          <a:ext cx="0" cy="0"/>
-          <a:chOff x="0" y="0"/>
-          <a:chExt cx="0" cy="0"/>
-        </a:xfrm>
-      </p:grpSpPr>
-      <p:sp>
-        <p:nvSpPr>
-          <p:cNvPr id="79" name="Google Shape;79;p18"/>
-          <p:cNvSpPr txBox="1">
-            <a:spLocks noGrp="1"/>
-          </p:cNvSpPr>
-          <p:nvPr>
-            <p:ph type="title"/>
-          </p:nvPr>
-        </p:nvSpPr>
-        <p:spPr>
-          <a:xfrm>
-            <a:off x="102700" y="270875"/>
-            <a:ext cx="8520600" cy="572700"/>
-          </a:xfrm>
-          <a:prstGeom prst="rect">
-            <a:avLst/>
-          </a:prstGeom>
-        </p:spPr>
-        <p:txBody>
-          <a:bodyPr spcFirstLastPara="1" wrap="square" lIns="91425" tIns="91425" rIns="91425" bIns="91425" anchor="t" anchorCtr="0">
-            <a:normAutofit fontScale="90000"/>
-          </a:bodyPr>
-          <a:lstStyle/>
-          <a:p>
-            <a:r>
-              <a:rPr lang="en-US" altLang="en-US" sz="2800" dirty="0"/>
-              <a:t>Policies and Mechanisms</a:t>
-            </a:r>
-            <a:br>
-              <a:rPr lang="en-US" altLang="en-US" sz="2800" dirty="0"/>
-            </a:br>
-            <a:endParaRPr dirty="0"/>
-          </a:p>
-        </p:txBody>
-      </p:sp>
-      <p:sp>
-        <p:nvSpPr>
-          <p:cNvPr id="80" name="Google Shape;80;p18"/>
-          <p:cNvSpPr txBox="1">
-            <a:spLocks noGrp="1"/>
-          </p:cNvSpPr>
-          <p:nvPr>
-            <p:ph type="body" idx="1"/>
-          </p:nvPr>
-        </p:nvSpPr>
-        <p:spPr>
-          <a:xfrm>
-            <a:off x="198500" y="1246825"/>
-            <a:ext cx="8520600" cy="3765600"/>
-          </a:xfrm>
-          <a:prstGeom prst="rect">
-            <a:avLst/>
-          </a:prstGeom>
-        </p:spPr>
-        <p:txBody>
-          <a:bodyPr spcFirstLastPara="1" wrap="square" lIns="91425" tIns="91425" rIns="91425" bIns="91425" anchor="t" anchorCtr="0">
-            <a:normAutofit lnSpcReduction="10000"/>
-          </a:bodyPr>
-          <a:lstStyle/>
-          <a:p>
-            <a:pPr>
-              <a:lnSpc>
-                <a:spcPct val="114000"/>
-              </a:lnSpc>
-            </a:pPr>
-            <a:r>
-              <a:rPr lang="en-US" altLang="en-US" sz="2800" dirty="0"/>
-              <a:t>Policy is a statement of what is and what is not allowed.</a:t>
-            </a:r>
-          </a:p>
-          <a:p>
-            <a:pPr lvl="1">
-              <a:lnSpc>
-                <a:spcPct val="114000"/>
-              </a:lnSpc>
-            </a:pPr>
-            <a:r>
-              <a:rPr lang="en-US" altLang="en-US" sz="2000" dirty="0"/>
-              <a:t>When two communicating parties have different policies, they may need to compromise (example b/w univ. and industry)</a:t>
-            </a:r>
-          </a:p>
-          <a:p>
-            <a:pPr>
-              <a:lnSpc>
-                <a:spcPct val="114000"/>
-              </a:lnSpc>
-            </a:pPr>
-            <a:r>
-              <a:rPr lang="en-US" altLang="en-US" sz="2800" dirty="0"/>
-              <a:t>Mechanism is a method to enforce a policy.</a:t>
-            </a:r>
-          </a:p>
-          <a:p>
-            <a:pPr lvl="1">
-              <a:lnSpc>
-                <a:spcPct val="114000"/>
-              </a:lnSpc>
-            </a:pPr>
-            <a:r>
-              <a:rPr lang="en-US" altLang="en-US" sz="2000" dirty="0"/>
-              <a:t>May (often) impact the system performance</a:t>
-            </a:r>
-          </a:p>
-          <a:p>
-            <a:pPr lvl="1">
-              <a:lnSpc>
-                <a:spcPct val="114000"/>
-              </a:lnSpc>
-            </a:pPr>
-            <a:r>
-              <a:rPr lang="en-US" altLang="en-US" sz="2000" dirty="0"/>
-              <a:t>Prevention: to fail an attack</a:t>
-            </a:r>
-          </a:p>
-          <a:p>
-            <a:pPr lvl="1">
-              <a:lnSpc>
-                <a:spcPct val="114000"/>
-              </a:lnSpc>
-            </a:pPr>
-            <a:r>
-              <a:rPr lang="en-US" altLang="en-US" sz="2000" dirty="0"/>
-              <a:t>Detection</a:t>
-            </a:r>
-          </a:p>
-          <a:p>
-            <a:pPr lvl="1">
-              <a:lnSpc>
-                <a:spcPct val="114000"/>
-              </a:lnSpc>
-            </a:pPr>
-            <a:r>
-              <a:rPr lang="en-US" altLang="en-US" sz="2000" dirty="0"/>
-              <a:t>Recovery: fix not only data, but also vulnerabilities</a:t>
-            </a:r>
-          </a:p>
-          <a:p>
-            <a:pPr lvl="1">
-              <a:lnSpc>
-                <a:spcPct val="114000"/>
-              </a:lnSpc>
-            </a:pPr>
-            <a:r>
-              <a:rPr lang="en-US" altLang="en-US" sz="2000" dirty="0"/>
-              <a:t>Tolerance</a:t>
-            </a:r>
-          </a:p>
-        </p:txBody>
-      </p:sp>
-      <p:sp>
-        <p:nvSpPr>
-          <p:cNvPr id="81" name="Google Shape;81;p18"/>
-          <p:cNvSpPr txBox="1">
-            <a:spLocks noGrp="1"/>
-          </p:cNvSpPr>
-          <p:nvPr>
-            <p:ph type="sldNum" idx="12"/>
-          </p:nvPr>
-        </p:nvSpPr>
-        <p:spPr>
-          <a:xfrm>
-            <a:off x="8472458" y="4663217"/>
-            <a:ext cx="548700" cy="393600"/>
-          </a:xfrm>
-          <a:prstGeom prst="rect">
-            <a:avLst/>
-          </a:prstGeom>
-        </p:spPr>
-        <p:txBody>
-          <a:bodyPr spcFirstLastPara="1" wrap="square" lIns="91425" tIns="91425" rIns="91425" bIns="91425" anchor="ctr" anchorCtr="0">
-            <a:normAutofit/>
-          </a:bodyPr>
-          <a:lstStyle/>
-          <a:p>
-            <a:pPr marL="0" lvl="0" indent="0" algn="r" rtl="0">
-              <a:spcBef>
-                <a:spcPts val="0"/>
-              </a:spcBef>
-              <a:spcAft>
-                <a:spcPts val="0"/>
-              </a:spcAft>
-              <a:buNone/>
-            </a:pPr>
-            <a:fld id="{00000000-1234-1234-1234-123412341234}" type="slidenum">
-              <a:rPr lang="en"/>
-              <a:t>9</a:t>
             </a:fld>
             <a:endParaRPr/>
           </a:p>
@@ -9125,6 +8433,258 @@
       </p:par>
     </p:tnLst>
   </p:timing>
+</p:sld>
+</file>
+
+<file path=ppt/slides/slide9.xml><?xml version="1.0" encoding="utf-8"?>
+<p:sld xmlns:a="http://schemas.openxmlformats.org/drawingml/2006/main" xmlns:r="http://schemas.openxmlformats.org/officeDocument/2006/relationships" xmlns:p="http://schemas.openxmlformats.org/presentationml/2006/main">
+  <p:cSld>
+    <p:spTree>
+      <p:nvGrpSpPr>
+        <p:cNvPr id="1" name="Shape 78"/>
+        <p:cNvGrpSpPr/>
+        <p:nvPr/>
+      </p:nvGrpSpPr>
+      <p:grpSpPr>
+        <a:xfrm>
+          <a:off x="0" y="0"/>
+          <a:ext cx="0" cy="0"/>
+          <a:chOff x="0" y="0"/>
+          <a:chExt cx="0" cy="0"/>
+        </a:xfrm>
+      </p:grpSpPr>
+      <p:sp>
+        <p:nvSpPr>
+          <p:cNvPr id="79" name="Google Shape;79;p18"/>
+          <p:cNvSpPr txBox="1">
+            <a:spLocks noGrp="1"/>
+          </p:cNvSpPr>
+          <p:nvPr>
+            <p:ph type="title"/>
+          </p:nvPr>
+        </p:nvSpPr>
+        <p:spPr>
+          <a:xfrm>
+            <a:off x="102700" y="270875"/>
+            <a:ext cx="8520600" cy="572700"/>
+          </a:xfrm>
+          <a:prstGeom prst="rect">
+            <a:avLst/>
+          </a:prstGeom>
+        </p:spPr>
+        <p:txBody>
+          <a:bodyPr spcFirstLastPara="1" wrap="square" lIns="91425" tIns="91425" rIns="91425" bIns="91425" anchor="t" anchorCtr="0">
+            <a:normAutofit fontScale="90000"/>
+          </a:bodyPr>
+          <a:lstStyle/>
+          <a:p>
+            <a:pPr marL="0" lvl="0" indent="0" algn="l" rtl="0">
+              <a:spcBef>
+                <a:spcPts val="0"/>
+              </a:spcBef>
+              <a:spcAft>
+                <a:spcPts val="0"/>
+              </a:spcAft>
+              <a:buNone/>
+            </a:pPr>
+            <a:r>
+              <a:rPr lang="en" dirty="0"/>
+              <a:t>Example Policies &amp; Mechanisms </a:t>
+            </a:r>
+            <a:endParaRPr dirty="0"/>
+          </a:p>
+        </p:txBody>
+      </p:sp>
+      <p:sp>
+        <p:nvSpPr>
+          <p:cNvPr id="80" name="Google Shape;80;p18"/>
+          <p:cNvSpPr txBox="1">
+            <a:spLocks noGrp="1"/>
+          </p:cNvSpPr>
+          <p:nvPr>
+            <p:ph type="body" idx="1"/>
+          </p:nvPr>
+        </p:nvSpPr>
+        <p:spPr>
+          <a:xfrm>
+            <a:off x="198500" y="1246825"/>
+            <a:ext cx="8520600" cy="3765600"/>
+          </a:xfrm>
+          <a:prstGeom prst="rect">
+            <a:avLst/>
+          </a:prstGeom>
+        </p:spPr>
+        <p:txBody>
+          <a:bodyPr spcFirstLastPara="1" wrap="square" lIns="91425" tIns="91425" rIns="91425" bIns="91425" anchor="t" anchorCtr="0">
+            <a:normAutofit fontScale="92500" lnSpcReduction="20000"/>
+          </a:bodyPr>
+          <a:lstStyle/>
+          <a:p>
+            <a:pPr eaLnBrk="1" hangingPunct="1">
+              <a:lnSpc>
+                <a:spcPct val="134000"/>
+              </a:lnSpc>
+            </a:pPr>
+            <a:r>
+              <a:rPr lang="en-US" altLang="en-US" sz="2400" dirty="0"/>
+              <a:t>Policies examples</a:t>
+            </a:r>
+            <a:endParaRPr lang="en-US" altLang="en-US" sz="2800" dirty="0"/>
+          </a:p>
+          <a:p>
+            <a:pPr lvl="1">
+              <a:lnSpc>
+                <a:spcPct val="134000"/>
+              </a:lnSpc>
+            </a:pPr>
+            <a:r>
+              <a:rPr lang="en-US" altLang="en-US" sz="1600" dirty="0"/>
+              <a:t>Our course policies: e.g., no cheating is allowed</a:t>
+            </a:r>
+          </a:p>
+          <a:p>
+            <a:pPr lvl="1">
+              <a:lnSpc>
+                <a:spcPct val="134000"/>
+              </a:lnSpc>
+            </a:pPr>
+            <a:r>
+              <a:rPr lang="en-US" altLang="en-US" sz="1600" dirty="0"/>
+              <a:t>Confidentiality: Eavesdropper (e.g., Eve) should not be able to see the content of messages between two parties (e.g., Alice and Bob)</a:t>
+            </a:r>
+          </a:p>
+          <a:p>
+            <a:pPr lvl="1">
+              <a:lnSpc>
+                <a:spcPct val="134000"/>
+              </a:lnSpc>
+            </a:pPr>
+            <a:r>
+              <a:rPr lang="en-US" altLang="en-US" sz="1600" dirty="0"/>
+              <a:t>Integrity: A manipulator (e.g., Mallory) should not be able to modify the messages without being noticed</a:t>
+            </a:r>
+          </a:p>
+          <a:p>
+            <a:pPr lvl="1">
+              <a:lnSpc>
+                <a:spcPct val="134000"/>
+              </a:lnSpc>
+            </a:pPr>
+            <a:r>
+              <a:rPr lang="en-US" altLang="en-US" sz="1600" dirty="0"/>
+              <a:t>Availability: The server (e.g., AWS) should be able to function 99.99% of the time</a:t>
+            </a:r>
+            <a:endParaRPr lang="en-US" altLang="en-US" sz="2000" dirty="0"/>
+          </a:p>
+          <a:p>
+            <a:pPr eaLnBrk="1" hangingPunct="1">
+              <a:lnSpc>
+                <a:spcPct val="134000"/>
+              </a:lnSpc>
+            </a:pPr>
+            <a:r>
+              <a:rPr lang="en-US" altLang="en-US" sz="2400" dirty="0"/>
+              <a:t>Mechanisms: what we are learning mostly</a:t>
+            </a:r>
+          </a:p>
+          <a:p>
+            <a:pPr lvl="1">
+              <a:lnSpc>
+                <a:spcPct val="134000"/>
+              </a:lnSpc>
+            </a:pPr>
+            <a:r>
+              <a:rPr lang="en-US" altLang="en-US" sz="1600" dirty="0"/>
+              <a:t>Cryptographic techniques</a:t>
+            </a:r>
+          </a:p>
+          <a:p>
+            <a:pPr lvl="1">
+              <a:lnSpc>
+                <a:spcPct val="134000"/>
+              </a:lnSpc>
+            </a:pPr>
+            <a:r>
+              <a:rPr lang="en-US" altLang="en-US" sz="1600" dirty="0"/>
+              <a:t>Access control</a:t>
+            </a:r>
+          </a:p>
+          <a:p>
+            <a:pPr lvl="1">
+              <a:lnSpc>
+                <a:spcPct val="134000"/>
+              </a:lnSpc>
+            </a:pPr>
+            <a:r>
+              <a:rPr lang="en-US" altLang="en-US" sz="1600" dirty="0"/>
+              <a:t>Isolation</a:t>
+            </a:r>
+          </a:p>
+          <a:p>
+            <a:pPr lvl="1">
+              <a:lnSpc>
+                <a:spcPct val="134000"/>
+              </a:lnSpc>
+            </a:pPr>
+            <a:r>
+              <a:rPr lang="en-US" altLang="en-US" sz="1600" dirty="0"/>
+              <a:t>Secure programming and testing</a:t>
+            </a:r>
+          </a:p>
+        </p:txBody>
+      </p:sp>
+      <p:sp>
+        <p:nvSpPr>
+          <p:cNvPr id="81" name="Google Shape;81;p18"/>
+          <p:cNvSpPr txBox="1">
+            <a:spLocks noGrp="1"/>
+          </p:cNvSpPr>
+          <p:nvPr>
+            <p:ph type="sldNum" idx="12"/>
+          </p:nvPr>
+        </p:nvSpPr>
+        <p:spPr>
+          <a:xfrm>
+            <a:off x="8472458" y="4663217"/>
+            <a:ext cx="548700" cy="393600"/>
+          </a:xfrm>
+          <a:prstGeom prst="rect">
+            <a:avLst/>
+          </a:prstGeom>
+        </p:spPr>
+        <p:txBody>
+          <a:bodyPr spcFirstLastPara="1" wrap="square" lIns="91425" tIns="91425" rIns="91425" bIns="91425" anchor="ctr" anchorCtr="0">
+            <a:normAutofit/>
+          </a:bodyPr>
+          <a:lstStyle/>
+          <a:p>
+            <a:pPr marL="0" lvl="0" indent="0" algn="r" rtl="0">
+              <a:spcBef>
+                <a:spcPts val="0"/>
+              </a:spcBef>
+              <a:spcAft>
+                <a:spcPts val="0"/>
+              </a:spcAft>
+              <a:buNone/>
+            </a:pPr>
+            <a:fld id="{00000000-1234-1234-1234-123412341234}" type="slidenum">
+              <a:rPr lang="en"/>
+              <a:t>9</a:t>
+            </a:fld>
+            <a:endParaRPr/>
+          </a:p>
+        </p:txBody>
+      </p:sp>
+    </p:spTree>
+    <p:extLst>
+      <p:ext uri="{BB962C8B-B14F-4D97-AF65-F5344CB8AC3E}">
+        <p14:creationId xmlns:p14="http://schemas.microsoft.com/office/powerpoint/2010/main" val="1591477557"/>
+      </p:ext>
+    </p:extLst>
+  </p:cSld>
+  <p:clrMapOvr>
+    <a:masterClrMapping/>
+  </p:clrMapOvr>
 </p:sld>
 </file>
 

--- a/teaching/ITIS6200/2023fa/lectures/Properties, policies, and mechanisms.pptx
+++ b/teaching/ITIS6200/2023fa/lectures/Properties, policies, and mechanisms.pptx
@@ -6203,7 +6203,7 @@
             </a:pPr>
             <a:r>
               <a:rPr lang="en-US" altLang="en-US" dirty="0"/>
-              <a:t>Assumptions:</a:t>
+              <a:t>Assumptions</a:t>
             </a:r>
           </a:p>
         </p:txBody>
@@ -7380,7 +7380,30 @@
             </a:pPr>
             <a:r>
               <a:rPr lang="en-US" altLang="en-US" sz="2400" dirty="0"/>
-              <a:t>DoS or DDoS attacks </a:t>
+              <a:t>DoS</a:t>
+            </a:r>
+            <a:r>
+              <a:rPr lang="zh-CN" altLang="en-US" sz="2400" dirty="0"/>
+              <a:t> </a:t>
+            </a:r>
+            <a:r>
+              <a:rPr lang="en-US" altLang="zh-CN" sz="2400" dirty="0"/>
+              <a:t>(Denial of Service) </a:t>
+            </a:r>
+            <a:r>
+              <a:rPr lang="en-US" altLang="en-US" sz="2400" dirty="0"/>
+              <a:t>or </a:t>
+            </a:r>
+          </a:p>
+          <a:p>
+            <a:pPr lvl="1" eaLnBrk="1" hangingPunct="1">
+              <a:lnSpc>
+                <a:spcPct val="114000"/>
+              </a:lnSpc>
+            </a:pPr>
+            <a:r>
+              <a:rPr lang="en-US" altLang="en-US" sz="2400" dirty="0"/>
+              <a:t>DDoS (Distributed Denial of Service) attacks </a:t>
             </a:r>
           </a:p>
           <a:p>
